--- a/slides/2.0/Angular 2.0 Slides Day 4.pptx
+++ b/slides/2.0/Angular 2.0 Slides Day 4.pptx
@@ -30,8 +30,6 @@
     <p:sldId id="275" r:id="rId27"/>
     <p:sldId id="276" r:id="rId28"/>
     <p:sldId id="277" r:id="rId29"/>
-    <p:sldId id="278" r:id="rId30"/>
-    <p:sldId id="279" r:id="rId31"/>
   </p:sldIdLst>
   <p:sldSz cx="13004800" cy="9753600"/>
   <p:notesSz cx="6858000" cy="9144000"/>
@@ -3112,7 +3110,7 @@
           <a:p>
             <a:pPr/>
             <a:r>
-              <a:t>Lab: Builtin Pipe</a:t>
+              <a:t>Lab: Custom Pipe</a:t>
             </a:r>
           </a:p>
         </p:txBody>
@@ -3136,25 +3134,31 @@
           <a:p>
             <a:pPr/>
             <a:r>
-              <a:t>Add a birthdate to Artist </a:t>
+              <a:t>Goal: display formatted birthdate, or "N/A"</a:t>
+            </a:r>
+          </a:p>
+          <a:p>
+            <a:pPr/>
+            <a:r>
+              <a:t>Create pipe.ts</a:t>
+            </a:r>
+          </a:p>
+          <a:p>
+            <a:pPr/>
+            <a:r>
+              <a:t>In app.module.ts</a:t>
             </a:r>
           </a:p>
           <a:p>
             <a:pPr lvl="1"/>
             <a:r>
-              <a:t>Class ( make optional )</a:t>
+              <a:t>Import pipe</a:t>
             </a:r>
           </a:p>
           <a:p>
             <a:pPr lvl="1"/>
             <a:r>
-              <a:t>Component &amp; template</a:t>
-            </a:r>
-          </a:p>
-          <a:p>
-            <a:pPr/>
-            <a:r>
-              <a:t>Format birthdate using date:format</a:t>
+              <a:t>Add to 'declarations' array</a:t>
             </a:r>
           </a:p>
         </p:txBody>
@@ -3204,7 +3208,7 @@
           <a:p>
             <a:pPr/>
             <a:r>
-              <a:t>Lab: Custom Pipe</a:t>
+              <a:t> Routing</a:t>
             </a:r>
           </a:p>
         </p:txBody>
@@ -3226,33 +3230,36 @@
           <a:bodyPr anchor="t"/>
           <a:lstStyle/>
           <a:p>
-            <a:pPr/>
-            <a:r>
-              <a:t>Goal: display formatted birthdate, or "N/A"</a:t>
-            </a:r>
-          </a:p>
-          <a:p>
-            <a:pPr/>
-            <a:r>
-              <a:t>Create pipe.ts</a:t>
-            </a:r>
-          </a:p>
-          <a:p>
-            <a:pPr/>
-            <a:r>
-              <a:t>In app.module.ts</a:t>
-            </a:r>
-          </a:p>
-          <a:p>
-            <a:pPr lvl="1"/>
-            <a:r>
-              <a:t>Import pipe</a:t>
-            </a:r>
-          </a:p>
-          <a:p>
-            <a:pPr lvl="1"/>
-            <a:r>
-              <a:t>Add to 'declarations' array</a:t>
+            <a:pPr marL="0" indent="0">
+              <a:buSzTx/>
+              <a:buNone/>
+            </a:pPr>
+            <a:r>
+              <a:t>What is Routing?</a:t>
+            </a:r>
+          </a:p>
+          <a:p>
+            <a:pPr/>
+            <a:r>
+              <a:t>Routing makes nG into a SPA</a:t>
+            </a:r>
+          </a:p>
+          <a:p>
+            <a:pPr/>
+            <a:r>
+              <a:t>Captures changes to URL hash as events</a:t>
+            </a:r>
+          </a:p>
+          <a:p>
+            <a:pPr/>
+            <a:r>
+              <a:t>Connects hash fragments to components</a:t>
+            </a:r>
+          </a:p>
+          <a:p>
+            <a:pPr/>
+            <a:r>
+              <a:t>Can also provide dynamic parameters and data</a:t>
             </a:r>
           </a:p>
         </p:txBody>
@@ -3329,31 +3336,31 @@
               <a:buNone/>
             </a:pPr>
             <a:r>
-              <a:t>What is Routing?</a:t>
-            </a:r>
-          </a:p>
-          <a:p>
-            <a:pPr/>
-            <a:r>
-              <a:t>Routing makes nG into a SPA</a:t>
-            </a:r>
-          </a:p>
-          <a:p>
-            <a:pPr/>
-            <a:r>
-              <a:t>Captures changes to URL hash as events</a:t>
-            </a:r>
-          </a:p>
-          <a:p>
-            <a:pPr/>
-            <a:r>
-              <a:t>Connects hash fragments to components</a:t>
-            </a:r>
-          </a:p>
-          <a:p>
-            <a:pPr/>
-            <a:r>
-              <a:t>Can also provide dynamic parameters and data</a:t>
+              <a:t>What is a hash fragment?</a:t>
+            </a:r>
+          </a:p>
+          <a:p>
+            <a:pPr/>
+            <a:r>
+              <a:t>Everything in a URL following '#'</a:t>
+            </a:r>
+          </a:p>
+          <a:p>
+            <a:pPr/>
+            <a:r>
+              <a:t>http://domain.com/webserver/page.html#hash…</a:t>
+            </a:r>
+          </a:p>
+          <a:p>
+            <a:pPr/>
+            <a:r>
+              <a:t>Browser does not reload when hash changes </a:t>
+            </a:r>
+          </a:p>
+          <a:p>
+            <a:pPr/>
+            <a:r>
+              <a:t>Ex.: Wikipedia table of contents</a:t>
             </a:r>
           </a:p>
         </p:txBody>
@@ -3430,31 +3437,31 @@
               <a:buNone/>
             </a:pPr>
             <a:r>
-              <a:t>What is a hash fragment?</a:t>
-            </a:r>
-          </a:p>
-          <a:p>
-            <a:pPr/>
-            <a:r>
-              <a:t>Everything in a URL following '#'</a:t>
-            </a:r>
-          </a:p>
-          <a:p>
-            <a:pPr/>
-            <a:r>
-              <a:t>http://domain.com/webserver/page.html#hash…</a:t>
-            </a:r>
-          </a:p>
-          <a:p>
-            <a:pPr/>
-            <a:r>
-              <a:t>Browser does not reload when hash changes </a:t>
-            </a:r>
-          </a:p>
-          <a:p>
-            <a:pPr/>
-            <a:r>
-              <a:t>Ex.: Wikipedia table of contents</a:t>
+              <a:t>More hash fragments</a:t>
+            </a:r>
+          </a:p>
+          <a:p>
+            <a:pPr/>
+            <a:r>
+              <a:t>Hash fragments are similar to server-side routes</a:t>
+            </a:r>
+          </a:p>
+          <a:p>
+            <a:pPr/>
+            <a:r>
+              <a:t>page.html#artists/performances/3/edit</a:t>
+            </a:r>
+          </a:p>
+          <a:p>
+            <a:pPr/>
+            <a:r>
+              <a:t>Router supports pattern matching, data, params</a:t>
+            </a:r>
+          </a:p>
+          <a:p>
+            <a:pPr/>
+            <a:r>
+              <a:t>Sets instance vars, renders Component</a:t>
             </a:r>
           </a:p>
         </p:txBody>
@@ -3531,31 +3538,451 @@
               <a:buNone/>
             </a:pPr>
             <a:r>
-              <a:t>More hash fragments</a:t>
-            </a:r>
-          </a:p>
-          <a:p>
-            <a:pPr/>
-            <a:r>
-              <a:t>Hash fragments are similar to server-side routes</a:t>
-            </a:r>
-          </a:p>
-          <a:p>
-            <a:pPr/>
-            <a:r>
-              <a:t>page.html#artists/performances/3/edit</a:t>
-            </a:r>
-          </a:p>
-          <a:p>
-            <a:pPr/>
-            <a:r>
-              <a:t>Router supports pattern matching, data, params</a:t>
-            </a:r>
-          </a:p>
-          <a:p>
-            <a:pPr/>
-            <a:r>
-              <a:t>Sets instance vars, renders Component</a:t>
+              <a:t>Router Config</a:t>
+            </a:r>
+          </a:p>
+          <a:p>
+            <a:pPr marL="0" indent="0" defTabSz="457200">
+              <a:spcBef>
+                <a:spcPts val="0"/>
+              </a:spcBef>
+              <a:buSzTx/>
+              <a:buNone/>
+              <a:tabLst>
+                <a:tab pos="355600" algn="l"/>
+                <a:tab pos="711200" algn="l"/>
+                <a:tab pos="1066800" algn="l"/>
+                <a:tab pos="1422400" algn="l"/>
+                <a:tab pos="1778000" algn="l"/>
+                <a:tab pos="2133600" algn="l"/>
+                <a:tab pos="2489200" algn="l"/>
+                <a:tab pos="2844800" algn="l"/>
+                <a:tab pos="3200400" algn="l"/>
+                <a:tab pos="3556000" algn="l"/>
+                <a:tab pos="3911600" algn="l"/>
+                <a:tab pos="4267200" algn="l"/>
+              </a:tabLst>
+              <a:defRPr sz="1800">
+                <a:solidFill>
+                  <a:srgbClr val="F4F4F4"/>
+                </a:solidFill>
+                <a:latin typeface="Monaco"/>
+                <a:ea typeface="Monaco"/>
+                <a:cs typeface="Monaco"/>
+                <a:sym typeface="Monaco"/>
+              </a:defRPr>
+            </a:pPr>
+          </a:p>
+          <a:p>
+            <a:pPr marL="0" indent="0" defTabSz="457200">
+              <a:spcBef>
+                <a:spcPts val="0"/>
+              </a:spcBef>
+              <a:buSzTx/>
+              <a:buNone/>
+              <a:tabLst>
+                <a:tab pos="355600" algn="l"/>
+                <a:tab pos="711200" algn="l"/>
+                <a:tab pos="1066800" algn="l"/>
+                <a:tab pos="1422400" algn="l"/>
+                <a:tab pos="1778000" algn="l"/>
+                <a:tab pos="2133600" algn="l"/>
+                <a:tab pos="2489200" algn="l"/>
+                <a:tab pos="2844800" algn="l"/>
+                <a:tab pos="3200400" algn="l"/>
+                <a:tab pos="3556000" algn="l"/>
+                <a:tab pos="3911600" algn="l"/>
+                <a:tab pos="4267200" algn="l"/>
+              </a:tabLst>
+              <a:defRPr sz="2700">
+                <a:solidFill>
+                  <a:srgbClr val="F4F4F4"/>
+                </a:solidFill>
+                <a:latin typeface="Monaco"/>
+                <a:ea typeface="Monaco"/>
+                <a:cs typeface="Monaco"/>
+                <a:sym typeface="Monaco"/>
+              </a:defRPr>
+            </a:pPr>
+            <a:r>
+              <a:rPr>
+                <a:solidFill>
+                  <a:srgbClr val="34BC26"/>
+                </a:solidFill>
+              </a:rPr>
+              <a:t>const</a:t>
+            </a:r>
+            <a:r>
+              <a:t> appRoutes: Routes </a:t>
+            </a:r>
+            <a:r>
+              <a:rPr>
+                <a:solidFill>
+                  <a:srgbClr val="CD7923"/>
+                </a:solidFill>
+              </a:rPr>
+              <a:t>=</a:t>
+            </a:r>
+            <a:r>
+              <a:t> [</a:t>
+            </a:r>
+          </a:p>
+          <a:p>
+            <a:pPr marL="0" indent="0" defTabSz="457200">
+              <a:spcBef>
+                <a:spcPts val="0"/>
+              </a:spcBef>
+              <a:buSzTx/>
+              <a:buNone/>
+              <a:tabLst>
+                <a:tab pos="355600" algn="l"/>
+                <a:tab pos="711200" algn="l"/>
+                <a:tab pos="1066800" algn="l"/>
+                <a:tab pos="1422400" algn="l"/>
+                <a:tab pos="1778000" algn="l"/>
+                <a:tab pos="2133600" algn="l"/>
+                <a:tab pos="2489200" algn="l"/>
+                <a:tab pos="2844800" algn="l"/>
+                <a:tab pos="3200400" algn="l"/>
+                <a:tab pos="3556000" algn="l"/>
+                <a:tab pos="3911600" algn="l"/>
+                <a:tab pos="4267200" algn="l"/>
+              </a:tabLst>
+              <a:defRPr sz="2700">
+                <a:solidFill>
+                  <a:srgbClr val="F4F4F4"/>
+                </a:solidFill>
+                <a:latin typeface="Monaco"/>
+                <a:ea typeface="Monaco"/>
+                <a:cs typeface="Monaco"/>
+                <a:sym typeface="Monaco"/>
+              </a:defRPr>
+            </a:pPr>
+            <a:r>
+              <a:t>  {</a:t>
+            </a:r>
+          </a:p>
+          <a:p>
+            <a:pPr marL="0" indent="0" defTabSz="457200">
+              <a:spcBef>
+                <a:spcPts val="0"/>
+              </a:spcBef>
+              <a:buSzTx/>
+              <a:buNone/>
+              <a:tabLst>
+                <a:tab pos="355600" algn="l"/>
+                <a:tab pos="711200" algn="l"/>
+                <a:tab pos="1066800" algn="l"/>
+                <a:tab pos="1422400" algn="l"/>
+                <a:tab pos="1778000" algn="l"/>
+                <a:tab pos="2133600" algn="l"/>
+                <a:tab pos="2489200" algn="l"/>
+                <a:tab pos="2844800" algn="l"/>
+                <a:tab pos="3200400" algn="l"/>
+                <a:tab pos="3556000" algn="l"/>
+                <a:tab pos="3911600" algn="l"/>
+                <a:tab pos="4267200" algn="l"/>
+              </a:tabLst>
+              <a:defRPr sz="2700">
+                <a:solidFill>
+                  <a:srgbClr val="C33720"/>
+                </a:solidFill>
+                <a:latin typeface="Monaco"/>
+                <a:ea typeface="Monaco"/>
+                <a:cs typeface="Monaco"/>
+                <a:sym typeface="Monaco"/>
+              </a:defRPr>
+            </a:pPr>
+            <a:r>
+              <a:rPr>
+                <a:solidFill>
+                  <a:srgbClr val="F4F4F4"/>
+                </a:solidFill>
+              </a:rPr>
+              <a:t>    path: </a:t>
+            </a:r>
+            <a:r>
+              <a:t>'performances/:id'</a:t>
+            </a:r>
+            <a:r>
+              <a:rPr>
+                <a:solidFill>
+                  <a:srgbClr val="F4F4F4"/>
+                </a:solidFill>
+              </a:rPr>
+              <a:t>,</a:t>
+            </a:r>
+            <a:endParaRPr>
+              <a:solidFill>
+                <a:srgbClr val="F4F4F4"/>
+              </a:solidFill>
+            </a:endParaRPr>
+          </a:p>
+          <a:p>
+            <a:pPr marL="0" indent="0" defTabSz="457200">
+              <a:spcBef>
+                <a:spcPts val="0"/>
+              </a:spcBef>
+              <a:buSzTx/>
+              <a:buNone/>
+              <a:tabLst>
+                <a:tab pos="355600" algn="l"/>
+                <a:tab pos="711200" algn="l"/>
+                <a:tab pos="1066800" algn="l"/>
+                <a:tab pos="1422400" algn="l"/>
+                <a:tab pos="1778000" algn="l"/>
+                <a:tab pos="2133600" algn="l"/>
+                <a:tab pos="2489200" algn="l"/>
+                <a:tab pos="2844800" algn="l"/>
+                <a:tab pos="3200400" algn="l"/>
+                <a:tab pos="3556000" algn="l"/>
+                <a:tab pos="3911600" algn="l"/>
+                <a:tab pos="4267200" algn="l"/>
+              </a:tabLst>
+              <a:defRPr sz="2700">
+                <a:solidFill>
+                  <a:srgbClr val="F4F4F4"/>
+                </a:solidFill>
+                <a:latin typeface="Monaco"/>
+                <a:ea typeface="Monaco"/>
+                <a:cs typeface="Monaco"/>
+                <a:sym typeface="Monaco"/>
+              </a:defRPr>
+            </a:pPr>
+            <a:r>
+              <a:t>    component: PerformanceComponent</a:t>
+            </a:r>
+          </a:p>
+          <a:p>
+            <a:pPr marL="0" indent="0" defTabSz="457200">
+              <a:spcBef>
+                <a:spcPts val="0"/>
+              </a:spcBef>
+              <a:buSzTx/>
+              <a:buNone/>
+              <a:tabLst>
+                <a:tab pos="355600" algn="l"/>
+                <a:tab pos="711200" algn="l"/>
+                <a:tab pos="1066800" algn="l"/>
+                <a:tab pos="1422400" algn="l"/>
+                <a:tab pos="1778000" algn="l"/>
+                <a:tab pos="2133600" algn="l"/>
+                <a:tab pos="2489200" algn="l"/>
+                <a:tab pos="2844800" algn="l"/>
+                <a:tab pos="3200400" algn="l"/>
+                <a:tab pos="3556000" algn="l"/>
+                <a:tab pos="3911600" algn="l"/>
+                <a:tab pos="4267200" algn="l"/>
+              </a:tabLst>
+              <a:defRPr sz="2700">
+                <a:solidFill>
+                  <a:srgbClr val="F4F4F4"/>
+                </a:solidFill>
+                <a:latin typeface="Monaco"/>
+                <a:ea typeface="Monaco"/>
+                <a:cs typeface="Monaco"/>
+                <a:sym typeface="Monaco"/>
+              </a:defRPr>
+            </a:pPr>
+            <a:r>
+              <a:t>  },</a:t>
+            </a:r>
+          </a:p>
+          <a:p>
+            <a:pPr marL="0" indent="0" defTabSz="457200">
+              <a:spcBef>
+                <a:spcPts val="0"/>
+              </a:spcBef>
+              <a:buSzTx/>
+              <a:buNone/>
+              <a:tabLst>
+                <a:tab pos="355600" algn="l"/>
+                <a:tab pos="711200" algn="l"/>
+                <a:tab pos="1066800" algn="l"/>
+                <a:tab pos="1422400" algn="l"/>
+                <a:tab pos="1778000" algn="l"/>
+                <a:tab pos="2133600" algn="l"/>
+                <a:tab pos="2489200" algn="l"/>
+                <a:tab pos="2844800" algn="l"/>
+                <a:tab pos="3200400" algn="l"/>
+                <a:tab pos="3556000" algn="l"/>
+                <a:tab pos="3911600" algn="l"/>
+                <a:tab pos="4267200" algn="l"/>
+              </a:tabLst>
+              <a:defRPr sz="2700">
+                <a:solidFill>
+                  <a:srgbClr val="F4F4F4"/>
+                </a:solidFill>
+                <a:latin typeface="Monaco"/>
+                <a:ea typeface="Monaco"/>
+                <a:cs typeface="Monaco"/>
+                <a:sym typeface="Monaco"/>
+              </a:defRPr>
+            </a:pPr>
+            <a:r>
+              <a:t>  { path: </a:t>
+            </a:r>
+            <a:r>
+              <a:rPr>
+                <a:solidFill>
+                  <a:srgbClr val="C33720"/>
+                </a:solidFill>
+              </a:rPr>
+              <a:t>'**'</a:t>
+            </a:r>
+            <a:r>
+              <a:t>,</a:t>
+            </a:r>
+          </a:p>
+          <a:p>
+            <a:pPr marL="0" indent="0" defTabSz="457200">
+              <a:spcBef>
+                <a:spcPts val="0"/>
+              </a:spcBef>
+              <a:buSzTx/>
+              <a:buNone/>
+              <a:tabLst>
+                <a:tab pos="355600" algn="l"/>
+                <a:tab pos="711200" algn="l"/>
+                <a:tab pos="1066800" algn="l"/>
+                <a:tab pos="1422400" algn="l"/>
+                <a:tab pos="1778000" algn="l"/>
+                <a:tab pos="2133600" algn="l"/>
+                <a:tab pos="2489200" algn="l"/>
+                <a:tab pos="2844800" algn="l"/>
+                <a:tab pos="3200400" algn="l"/>
+                <a:tab pos="3556000" algn="l"/>
+                <a:tab pos="3911600" algn="l"/>
+                <a:tab pos="4267200" algn="l"/>
+              </a:tabLst>
+              <a:defRPr sz="2700">
+                <a:solidFill>
+                  <a:srgbClr val="F4F4F4"/>
+                </a:solidFill>
+                <a:latin typeface="Monaco"/>
+                <a:ea typeface="Monaco"/>
+                <a:cs typeface="Monaco"/>
+                <a:sym typeface="Monaco"/>
+              </a:defRPr>
+            </a:pPr>
+            <a:r>
+              <a:t>    component: AboutComponent,</a:t>
+            </a:r>
+          </a:p>
+          <a:p>
+            <a:pPr marL="0" indent="0" defTabSz="457200">
+              <a:spcBef>
+                <a:spcPts val="0"/>
+              </a:spcBef>
+              <a:buSzTx/>
+              <a:buNone/>
+              <a:tabLst>
+                <a:tab pos="355600" algn="l"/>
+                <a:tab pos="711200" algn="l"/>
+                <a:tab pos="1066800" algn="l"/>
+                <a:tab pos="1422400" algn="l"/>
+                <a:tab pos="1778000" algn="l"/>
+                <a:tab pos="2133600" algn="l"/>
+                <a:tab pos="2489200" algn="l"/>
+                <a:tab pos="2844800" algn="l"/>
+                <a:tab pos="3200400" algn="l"/>
+                <a:tab pos="3556000" algn="l"/>
+                <a:tab pos="3911600" algn="l"/>
+                <a:tab pos="4267200" algn="l"/>
+              </a:tabLst>
+              <a:defRPr sz="2700">
+                <a:solidFill>
+                  <a:srgbClr val="F4F4F4"/>
+                </a:solidFill>
+                <a:latin typeface="Monaco"/>
+                <a:ea typeface="Monaco"/>
+                <a:cs typeface="Monaco"/>
+                <a:sym typeface="Monaco"/>
+              </a:defRPr>
+            </a:pPr>
+            <a:r>
+              <a:t>    data: { title: </a:t>
+            </a:r>
+            <a:r>
+              <a:rPr>
+                <a:solidFill>
+                  <a:srgbClr val="C33720"/>
+                </a:solidFill>
+              </a:rPr>
+              <a:t>'Page not found'</a:t>
+            </a:r>
+            <a:r>
+              <a:t> }</a:t>
+            </a:r>
+          </a:p>
+          <a:p>
+            <a:pPr marL="0" indent="0" defTabSz="457200">
+              <a:spcBef>
+                <a:spcPts val="0"/>
+              </a:spcBef>
+              <a:buSzTx/>
+              <a:buNone/>
+              <a:tabLst>
+                <a:tab pos="355600" algn="l"/>
+                <a:tab pos="711200" algn="l"/>
+                <a:tab pos="1066800" algn="l"/>
+                <a:tab pos="1422400" algn="l"/>
+                <a:tab pos="1778000" algn="l"/>
+                <a:tab pos="2133600" algn="l"/>
+                <a:tab pos="2489200" algn="l"/>
+                <a:tab pos="2844800" algn="l"/>
+                <a:tab pos="3200400" algn="l"/>
+                <a:tab pos="3556000" algn="l"/>
+                <a:tab pos="3911600" algn="l"/>
+                <a:tab pos="4267200" algn="l"/>
+              </a:tabLst>
+              <a:defRPr sz="2700">
+                <a:solidFill>
+                  <a:srgbClr val="F4F4F4"/>
+                </a:solidFill>
+                <a:latin typeface="Monaco"/>
+                <a:ea typeface="Monaco"/>
+                <a:cs typeface="Monaco"/>
+                <a:sym typeface="Monaco"/>
+              </a:defRPr>
+            </a:pPr>
+            <a:r>
+              <a:t>  }</a:t>
+            </a:r>
+          </a:p>
+          <a:p>
+            <a:pPr marL="0" indent="0" defTabSz="457200">
+              <a:spcBef>
+                <a:spcPts val="0"/>
+              </a:spcBef>
+              <a:buSzTx/>
+              <a:buNone/>
+              <a:tabLst>
+                <a:tab pos="355600" algn="l"/>
+                <a:tab pos="711200" algn="l"/>
+                <a:tab pos="1066800" algn="l"/>
+                <a:tab pos="1422400" algn="l"/>
+                <a:tab pos="1778000" algn="l"/>
+                <a:tab pos="2133600" algn="l"/>
+                <a:tab pos="2489200" algn="l"/>
+                <a:tab pos="2844800" algn="l"/>
+                <a:tab pos="3200400" algn="l"/>
+                <a:tab pos="3556000" algn="l"/>
+                <a:tab pos="3911600" algn="l"/>
+                <a:tab pos="4267200" algn="l"/>
+              </a:tabLst>
+              <a:defRPr sz="2700">
+                <a:solidFill>
+                  <a:srgbClr val="F4F4F4"/>
+                </a:solidFill>
+                <a:latin typeface="Monaco"/>
+                <a:ea typeface="Monaco"/>
+                <a:cs typeface="Monaco"/>
+                <a:sym typeface="Monaco"/>
+              </a:defRPr>
+            </a:pPr>
+            <a:r>
+              <a:t>];</a:t>
             </a:r>
           </a:p>
         </p:txBody>
@@ -3605,7 +4032,7 @@
           <a:p>
             <a:pPr/>
             <a:r>
-              <a:t> Routing</a:t>
+              <a:t> Routing Lab</a:t>
             </a:r>
           </a:p>
         </p:txBody>
@@ -3627,38 +4054,73 @@
           <a:bodyPr anchor="t"/>
           <a:lstStyle/>
           <a:p>
-            <a:pPr marL="0" indent="0">
-              <a:buSzTx/>
-              <a:buNone/>
+            <a:pPr marL="431165" indent="-431165" defTabSz="566674">
+              <a:spcBef>
+                <a:spcPts val="4000"/>
+              </a:spcBef>
+              <a:defRPr sz="3686"/>
             </a:pPr>
             <a:r>
-              <a:t>Router Config</a:t>
-            </a:r>
-          </a:p>
-          <a:p>
-            <a:pPr marL="0" indent="0" defTabSz="457200">
+              <a:t>In app.module.ts,</a:t>
+            </a:r>
+          </a:p>
+          <a:p>
+            <a:pPr lvl="1" marL="862330" indent="-431165" defTabSz="566674">
+              <a:spcBef>
+                <a:spcPts val="4000"/>
+              </a:spcBef>
+              <a:defRPr sz="3686"/>
+            </a:pPr>
+            <a:r>
+              <a:t>import { RouterModule, Routes } from '@angular/router';</a:t>
+            </a:r>
+          </a:p>
+          <a:p>
+            <a:pPr lvl="1" marL="862330" indent="-431165" defTabSz="566674">
+              <a:spcBef>
+                <a:spcPts val="4000"/>
+              </a:spcBef>
+              <a:defRPr sz="3686"/>
+            </a:pPr>
+            <a:r>
+              <a:t>Create appRoutes array</a:t>
+            </a:r>
+          </a:p>
+          <a:p>
+            <a:pPr lvl="1" marL="862330" indent="-431165" defTabSz="566674">
+              <a:spcBef>
+                <a:spcPts val="4000"/>
+              </a:spcBef>
+              <a:defRPr sz="3686"/>
+            </a:pPr>
+            <a:r>
+              <a:t>Add this line:</a:t>
+            </a:r>
+          </a:p>
+          <a:p>
+            <a:pPr marL="0" indent="0" defTabSz="443484">
               <a:spcBef>
                 <a:spcPts val="0"/>
               </a:spcBef>
               <a:buSzTx/>
               <a:buNone/>
               <a:tabLst>
-                <a:tab pos="355600" algn="l"/>
-                <a:tab pos="711200" algn="l"/>
-                <a:tab pos="1066800" algn="l"/>
-                <a:tab pos="1422400" algn="l"/>
-                <a:tab pos="1778000" algn="l"/>
-                <a:tab pos="2133600" algn="l"/>
-                <a:tab pos="2489200" algn="l"/>
-                <a:tab pos="2844800" algn="l"/>
-                <a:tab pos="3200400" algn="l"/>
-                <a:tab pos="3556000" algn="l"/>
-                <a:tab pos="3911600" algn="l"/>
-                <a:tab pos="4267200" algn="l"/>
+                <a:tab pos="342900" algn="l"/>
+                <a:tab pos="685800" algn="l"/>
+                <a:tab pos="1028700" algn="l"/>
+                <a:tab pos="1371600" algn="l"/>
+                <a:tab pos="1714500" algn="l"/>
+                <a:tab pos="2057400" algn="l"/>
+                <a:tab pos="2413000" algn="l"/>
+                <a:tab pos="2755900" algn="l"/>
+                <a:tab pos="3098800" algn="l"/>
+                <a:tab pos="3441700" algn="l"/>
+                <a:tab pos="3784600" algn="l"/>
+                <a:tab pos="4127500" algn="l"/>
               </a:tabLst>
-              <a:defRPr sz="1800">
-                <a:solidFill>
-                  <a:srgbClr val="F4F4F4"/>
+              <a:defRPr sz="2231">
+                <a:solidFill>
+                  <a:srgbClr val="34BBC8"/>
                 </a:solidFill>
                 <a:latin typeface="Monaco"/>
                 <a:ea typeface="Monaco"/>
@@ -3668,29 +4130,29 @@
             </a:pPr>
           </a:p>
           <a:p>
-            <a:pPr marL="0" indent="0" defTabSz="457200">
+            <a:pPr lvl="2" marL="0" indent="443484" defTabSz="443484">
               <a:spcBef>
                 <a:spcPts val="0"/>
               </a:spcBef>
               <a:buSzTx/>
               <a:buNone/>
               <a:tabLst>
-                <a:tab pos="355600" algn="l"/>
-                <a:tab pos="711200" algn="l"/>
-                <a:tab pos="1066800" algn="l"/>
-                <a:tab pos="1422400" algn="l"/>
-                <a:tab pos="1778000" algn="l"/>
-                <a:tab pos="2133600" algn="l"/>
-                <a:tab pos="2489200" algn="l"/>
-                <a:tab pos="2844800" algn="l"/>
-                <a:tab pos="3200400" algn="l"/>
-                <a:tab pos="3556000" algn="l"/>
-                <a:tab pos="3911600" algn="l"/>
-                <a:tab pos="4267200" algn="l"/>
+                <a:tab pos="342900" algn="l"/>
+                <a:tab pos="685800" algn="l"/>
+                <a:tab pos="1028700" algn="l"/>
+                <a:tab pos="1371600" algn="l"/>
+                <a:tab pos="1714500" algn="l"/>
+                <a:tab pos="2057400" algn="l"/>
+                <a:tab pos="2413000" algn="l"/>
+                <a:tab pos="2755900" algn="l"/>
+                <a:tab pos="3098800" algn="l"/>
+                <a:tab pos="3441700" algn="l"/>
+                <a:tab pos="3784600" algn="l"/>
+                <a:tab pos="4127500" algn="l"/>
               </a:tabLst>
-              <a:defRPr sz="2700">
-                <a:solidFill>
-                  <a:srgbClr val="F4F4F4"/>
+              <a:defRPr sz="2716">
+                <a:solidFill>
+                  <a:srgbClr val="34BBC8"/>
                 </a:solidFill>
                 <a:latin typeface="Monaco"/>
                 <a:ea typeface="Monaco"/>
@@ -3701,48 +4163,50 @@
             <a:r>
               <a:rPr>
                 <a:solidFill>
-                  <a:srgbClr val="34BC26"/>
+                  <a:srgbClr val="D53BD3"/>
                 </a:solidFill>
               </a:rPr>
-              <a:t>const</a:t>
-            </a:r>
-            <a:r>
-              <a:t> appRoutes: Routes </a:t>
+              <a:t>@</a:t>
+            </a:r>
+            <a:r>
+              <a:t>NgModule</a:t>
             </a:r>
             <a:r>
               <a:rPr>
                 <a:solidFill>
-                  <a:srgbClr val="CD7923"/>
+                  <a:srgbClr val="F4F4F4"/>
                 </a:solidFill>
               </a:rPr>
-              <a:t>=</a:t>
-            </a:r>
-            <a:r>
-              <a:t> [</a:t>
-            </a:r>
-          </a:p>
-          <a:p>
-            <a:pPr marL="0" indent="0" defTabSz="457200">
+              <a:t>({</a:t>
+            </a:r>
+            <a:endParaRPr>
+              <a:solidFill>
+                <a:srgbClr val="F4F4F4"/>
+              </a:solidFill>
+            </a:endParaRPr>
+          </a:p>
+          <a:p>
+            <a:pPr lvl="2" marL="0" indent="443484" defTabSz="443484">
               <a:spcBef>
                 <a:spcPts val="0"/>
               </a:spcBef>
               <a:buSzTx/>
               <a:buNone/>
               <a:tabLst>
-                <a:tab pos="355600" algn="l"/>
-                <a:tab pos="711200" algn="l"/>
-                <a:tab pos="1066800" algn="l"/>
-                <a:tab pos="1422400" algn="l"/>
-                <a:tab pos="1778000" algn="l"/>
-                <a:tab pos="2133600" algn="l"/>
-                <a:tab pos="2489200" algn="l"/>
-                <a:tab pos="2844800" algn="l"/>
-                <a:tab pos="3200400" algn="l"/>
-                <a:tab pos="3556000" algn="l"/>
-                <a:tab pos="3911600" algn="l"/>
-                <a:tab pos="4267200" algn="l"/>
+                <a:tab pos="342900" algn="l"/>
+                <a:tab pos="685800" algn="l"/>
+                <a:tab pos="1028700" algn="l"/>
+                <a:tab pos="1371600" algn="l"/>
+                <a:tab pos="1714500" algn="l"/>
+                <a:tab pos="2057400" algn="l"/>
+                <a:tab pos="2413000" algn="l"/>
+                <a:tab pos="2755900" algn="l"/>
+                <a:tab pos="3098800" algn="l"/>
+                <a:tab pos="3441700" algn="l"/>
+                <a:tab pos="3784600" algn="l"/>
+                <a:tab pos="4127500" algn="l"/>
               </a:tabLst>
-              <a:defRPr sz="2700">
+              <a:defRPr sz="2716">
                 <a:solidFill>
                   <a:srgbClr val="F4F4F4"/>
                 </a:solidFill>
@@ -3753,33 +4217,33 @@
               </a:defRPr>
             </a:pPr>
             <a:r>
-              <a:t>  {</a:t>
-            </a:r>
-          </a:p>
-          <a:p>
-            <a:pPr marL="0" indent="0" defTabSz="457200">
+              <a:t>  imports: [</a:t>
+            </a:r>
+          </a:p>
+          <a:p>
+            <a:pPr lvl="2" marL="0" indent="443484" defTabSz="443484">
               <a:spcBef>
                 <a:spcPts val="0"/>
               </a:spcBef>
               <a:buSzTx/>
               <a:buNone/>
               <a:tabLst>
-                <a:tab pos="355600" algn="l"/>
-                <a:tab pos="711200" algn="l"/>
-                <a:tab pos="1066800" algn="l"/>
-                <a:tab pos="1422400" algn="l"/>
-                <a:tab pos="1778000" algn="l"/>
-                <a:tab pos="2133600" algn="l"/>
-                <a:tab pos="2489200" algn="l"/>
-                <a:tab pos="2844800" algn="l"/>
-                <a:tab pos="3200400" algn="l"/>
-                <a:tab pos="3556000" algn="l"/>
-                <a:tab pos="3911600" algn="l"/>
-                <a:tab pos="4267200" algn="l"/>
+                <a:tab pos="342900" algn="l"/>
+                <a:tab pos="685800" algn="l"/>
+                <a:tab pos="1028700" algn="l"/>
+                <a:tab pos="1371600" algn="l"/>
+                <a:tab pos="1714500" algn="l"/>
+                <a:tab pos="2057400" algn="l"/>
+                <a:tab pos="2413000" algn="l"/>
+                <a:tab pos="2755900" algn="l"/>
+                <a:tab pos="3098800" algn="l"/>
+                <a:tab pos="3441700" algn="l"/>
+                <a:tab pos="3784600" algn="l"/>
+                <a:tab pos="4127500" algn="l"/>
               </a:tabLst>
-              <a:defRPr sz="2700">
-                <a:solidFill>
-                  <a:srgbClr val="C33720"/>
+              <a:defRPr sz="2716">
+                <a:solidFill>
+                  <a:srgbClr val="F4F4F4"/>
                 </a:solidFill>
                 <a:latin typeface="Monaco"/>
                 <a:ea typeface="Monaco"/>
@@ -3788,295 +4252,7 @@
               </a:defRPr>
             </a:pPr>
             <a:r>
-              <a:rPr>
-                <a:solidFill>
-                  <a:srgbClr val="F4F4F4"/>
-                </a:solidFill>
-              </a:rPr>
-              <a:t>    path: </a:t>
-            </a:r>
-            <a:r>
-              <a:t>'performances/:id'</a:t>
-            </a:r>
-            <a:r>
-              <a:rPr>
-                <a:solidFill>
-                  <a:srgbClr val="F4F4F4"/>
-                </a:solidFill>
-              </a:rPr>
-              <a:t>,</a:t>
-            </a:r>
-            <a:endParaRPr>
-              <a:solidFill>
-                <a:srgbClr val="F4F4F4"/>
-              </a:solidFill>
-            </a:endParaRPr>
-          </a:p>
-          <a:p>
-            <a:pPr marL="0" indent="0" defTabSz="457200">
-              <a:spcBef>
-                <a:spcPts val="0"/>
-              </a:spcBef>
-              <a:buSzTx/>
-              <a:buNone/>
-              <a:tabLst>
-                <a:tab pos="355600" algn="l"/>
-                <a:tab pos="711200" algn="l"/>
-                <a:tab pos="1066800" algn="l"/>
-                <a:tab pos="1422400" algn="l"/>
-                <a:tab pos="1778000" algn="l"/>
-                <a:tab pos="2133600" algn="l"/>
-                <a:tab pos="2489200" algn="l"/>
-                <a:tab pos="2844800" algn="l"/>
-                <a:tab pos="3200400" algn="l"/>
-                <a:tab pos="3556000" algn="l"/>
-                <a:tab pos="3911600" algn="l"/>
-                <a:tab pos="4267200" algn="l"/>
-              </a:tabLst>
-              <a:defRPr sz="2700">
-                <a:solidFill>
-                  <a:srgbClr val="F4F4F4"/>
-                </a:solidFill>
-                <a:latin typeface="Monaco"/>
-                <a:ea typeface="Monaco"/>
-                <a:cs typeface="Monaco"/>
-                <a:sym typeface="Monaco"/>
-              </a:defRPr>
-            </a:pPr>
-            <a:r>
-              <a:t>    component: PerformanceComponent</a:t>
-            </a:r>
-          </a:p>
-          <a:p>
-            <a:pPr marL="0" indent="0" defTabSz="457200">
-              <a:spcBef>
-                <a:spcPts val="0"/>
-              </a:spcBef>
-              <a:buSzTx/>
-              <a:buNone/>
-              <a:tabLst>
-                <a:tab pos="355600" algn="l"/>
-                <a:tab pos="711200" algn="l"/>
-                <a:tab pos="1066800" algn="l"/>
-                <a:tab pos="1422400" algn="l"/>
-                <a:tab pos="1778000" algn="l"/>
-                <a:tab pos="2133600" algn="l"/>
-                <a:tab pos="2489200" algn="l"/>
-                <a:tab pos="2844800" algn="l"/>
-                <a:tab pos="3200400" algn="l"/>
-                <a:tab pos="3556000" algn="l"/>
-                <a:tab pos="3911600" algn="l"/>
-                <a:tab pos="4267200" algn="l"/>
-              </a:tabLst>
-              <a:defRPr sz="2700">
-                <a:solidFill>
-                  <a:srgbClr val="F4F4F4"/>
-                </a:solidFill>
-                <a:latin typeface="Monaco"/>
-                <a:ea typeface="Monaco"/>
-                <a:cs typeface="Monaco"/>
-                <a:sym typeface="Monaco"/>
-              </a:defRPr>
-            </a:pPr>
-            <a:r>
-              <a:t>  },</a:t>
-            </a:r>
-          </a:p>
-          <a:p>
-            <a:pPr marL="0" indent="0" defTabSz="457200">
-              <a:spcBef>
-                <a:spcPts val="0"/>
-              </a:spcBef>
-              <a:buSzTx/>
-              <a:buNone/>
-              <a:tabLst>
-                <a:tab pos="355600" algn="l"/>
-                <a:tab pos="711200" algn="l"/>
-                <a:tab pos="1066800" algn="l"/>
-                <a:tab pos="1422400" algn="l"/>
-                <a:tab pos="1778000" algn="l"/>
-                <a:tab pos="2133600" algn="l"/>
-                <a:tab pos="2489200" algn="l"/>
-                <a:tab pos="2844800" algn="l"/>
-                <a:tab pos="3200400" algn="l"/>
-                <a:tab pos="3556000" algn="l"/>
-                <a:tab pos="3911600" algn="l"/>
-                <a:tab pos="4267200" algn="l"/>
-              </a:tabLst>
-              <a:defRPr sz="2700">
-                <a:solidFill>
-                  <a:srgbClr val="F4F4F4"/>
-                </a:solidFill>
-                <a:latin typeface="Monaco"/>
-                <a:ea typeface="Monaco"/>
-                <a:cs typeface="Monaco"/>
-                <a:sym typeface="Monaco"/>
-              </a:defRPr>
-            </a:pPr>
-            <a:r>
-              <a:t>  { path: </a:t>
-            </a:r>
-            <a:r>
-              <a:rPr>
-                <a:solidFill>
-                  <a:srgbClr val="C33720"/>
-                </a:solidFill>
-              </a:rPr>
-              <a:t>'**'</a:t>
-            </a:r>
-            <a:r>
-              <a:t>,</a:t>
-            </a:r>
-          </a:p>
-          <a:p>
-            <a:pPr marL="0" indent="0" defTabSz="457200">
-              <a:spcBef>
-                <a:spcPts val="0"/>
-              </a:spcBef>
-              <a:buSzTx/>
-              <a:buNone/>
-              <a:tabLst>
-                <a:tab pos="355600" algn="l"/>
-                <a:tab pos="711200" algn="l"/>
-                <a:tab pos="1066800" algn="l"/>
-                <a:tab pos="1422400" algn="l"/>
-                <a:tab pos="1778000" algn="l"/>
-                <a:tab pos="2133600" algn="l"/>
-                <a:tab pos="2489200" algn="l"/>
-                <a:tab pos="2844800" algn="l"/>
-                <a:tab pos="3200400" algn="l"/>
-                <a:tab pos="3556000" algn="l"/>
-                <a:tab pos="3911600" algn="l"/>
-                <a:tab pos="4267200" algn="l"/>
-              </a:tabLst>
-              <a:defRPr sz="2700">
-                <a:solidFill>
-                  <a:srgbClr val="F4F4F4"/>
-                </a:solidFill>
-                <a:latin typeface="Monaco"/>
-                <a:ea typeface="Monaco"/>
-                <a:cs typeface="Monaco"/>
-                <a:sym typeface="Monaco"/>
-              </a:defRPr>
-            </a:pPr>
-            <a:r>
-              <a:t>    component: AboutComponent,</a:t>
-            </a:r>
-          </a:p>
-          <a:p>
-            <a:pPr marL="0" indent="0" defTabSz="457200">
-              <a:spcBef>
-                <a:spcPts val="0"/>
-              </a:spcBef>
-              <a:buSzTx/>
-              <a:buNone/>
-              <a:tabLst>
-                <a:tab pos="355600" algn="l"/>
-                <a:tab pos="711200" algn="l"/>
-                <a:tab pos="1066800" algn="l"/>
-                <a:tab pos="1422400" algn="l"/>
-                <a:tab pos="1778000" algn="l"/>
-                <a:tab pos="2133600" algn="l"/>
-                <a:tab pos="2489200" algn="l"/>
-                <a:tab pos="2844800" algn="l"/>
-                <a:tab pos="3200400" algn="l"/>
-                <a:tab pos="3556000" algn="l"/>
-                <a:tab pos="3911600" algn="l"/>
-                <a:tab pos="4267200" algn="l"/>
-              </a:tabLst>
-              <a:defRPr sz="2700">
-                <a:solidFill>
-                  <a:srgbClr val="F4F4F4"/>
-                </a:solidFill>
-                <a:latin typeface="Monaco"/>
-                <a:ea typeface="Monaco"/>
-                <a:cs typeface="Monaco"/>
-                <a:sym typeface="Monaco"/>
-              </a:defRPr>
-            </a:pPr>
-            <a:r>
-              <a:t>    data: { title: </a:t>
-            </a:r>
-            <a:r>
-              <a:rPr>
-                <a:solidFill>
-                  <a:srgbClr val="C33720"/>
-                </a:solidFill>
-              </a:rPr>
-              <a:t>'Page not found'</a:t>
-            </a:r>
-            <a:r>
-              <a:t> }</a:t>
-            </a:r>
-          </a:p>
-          <a:p>
-            <a:pPr marL="0" indent="0" defTabSz="457200">
-              <a:spcBef>
-                <a:spcPts val="0"/>
-              </a:spcBef>
-              <a:buSzTx/>
-              <a:buNone/>
-              <a:tabLst>
-                <a:tab pos="355600" algn="l"/>
-                <a:tab pos="711200" algn="l"/>
-                <a:tab pos="1066800" algn="l"/>
-                <a:tab pos="1422400" algn="l"/>
-                <a:tab pos="1778000" algn="l"/>
-                <a:tab pos="2133600" algn="l"/>
-                <a:tab pos="2489200" algn="l"/>
-                <a:tab pos="2844800" algn="l"/>
-                <a:tab pos="3200400" algn="l"/>
-                <a:tab pos="3556000" algn="l"/>
-                <a:tab pos="3911600" algn="l"/>
-                <a:tab pos="4267200" algn="l"/>
-              </a:tabLst>
-              <a:defRPr sz="2700">
-                <a:solidFill>
-                  <a:srgbClr val="F4F4F4"/>
-                </a:solidFill>
-                <a:latin typeface="Monaco"/>
-                <a:ea typeface="Monaco"/>
-                <a:cs typeface="Monaco"/>
-                <a:sym typeface="Monaco"/>
-              </a:defRPr>
-            </a:pPr>
-            <a:r>
-              <a:t>  }</a:t>
-            </a:r>
-          </a:p>
-          <a:p>
-            <a:pPr marL="0" indent="0" defTabSz="457200">
-              <a:spcBef>
-                <a:spcPts val="0"/>
-              </a:spcBef>
-              <a:buSzTx/>
-              <a:buNone/>
-              <a:tabLst>
-                <a:tab pos="355600" algn="l"/>
-                <a:tab pos="711200" algn="l"/>
-                <a:tab pos="1066800" algn="l"/>
-                <a:tab pos="1422400" algn="l"/>
-                <a:tab pos="1778000" algn="l"/>
-                <a:tab pos="2133600" algn="l"/>
-                <a:tab pos="2489200" algn="l"/>
-                <a:tab pos="2844800" algn="l"/>
-                <a:tab pos="3200400" algn="l"/>
-                <a:tab pos="3556000" algn="l"/>
-                <a:tab pos="3911600" algn="l"/>
-                <a:tab pos="4267200" algn="l"/>
-              </a:tabLst>
-              <a:defRPr sz="2700">
-                <a:solidFill>
-                  <a:srgbClr val="F4F4F4"/>
-                </a:solidFill>
-                <a:latin typeface="Monaco"/>
-                <a:ea typeface="Monaco"/>
-                <a:cs typeface="Monaco"/>
-                <a:sym typeface="Monaco"/>
-              </a:defRPr>
-            </a:pPr>
-            <a:r>
-              <a:t>];</a:t>
+              <a:t>    RouterModule.forRoot(appRoutes)</a:t>
             </a:r>
           </a:p>
         </p:txBody>
@@ -4126,7 +4302,7 @@
           <a:p>
             <a:pPr/>
             <a:r>
-              <a:t> Routing Lab</a:t>
+              <a:t>Forms</a:t>
             </a:r>
           </a:p>
         </p:txBody>
@@ -4148,205 +4324,30 @@
           <a:bodyPr anchor="t"/>
           <a:lstStyle/>
           <a:p>
-            <a:pPr marL="431165" indent="-431165" defTabSz="566674">
-              <a:spcBef>
-                <a:spcPts val="4000"/>
-              </a:spcBef>
-              <a:defRPr sz="3686"/>
-            </a:pPr>
-            <a:r>
-              <a:t>In app.module.ts,</a:t>
-            </a:r>
-          </a:p>
-          <a:p>
-            <a:pPr lvl="1" marL="862330" indent="-431165" defTabSz="566674">
-              <a:spcBef>
-                <a:spcPts val="4000"/>
-              </a:spcBef>
-              <a:defRPr sz="3686"/>
-            </a:pPr>
-            <a:r>
-              <a:t>import { RouterModule, Routes } from '@angular/router';</a:t>
-            </a:r>
-          </a:p>
-          <a:p>
-            <a:pPr lvl="1" marL="862330" indent="-431165" defTabSz="566674">
-              <a:spcBef>
-                <a:spcPts val="4000"/>
-              </a:spcBef>
-              <a:defRPr sz="3686"/>
-            </a:pPr>
-            <a:r>
-              <a:t>Create appRoutes array</a:t>
-            </a:r>
-          </a:p>
-          <a:p>
-            <a:pPr lvl="1" marL="862330" indent="-431165" defTabSz="566674">
-              <a:spcBef>
-                <a:spcPts val="4000"/>
-              </a:spcBef>
-              <a:defRPr sz="3686"/>
-            </a:pPr>
-            <a:r>
-              <a:t>Add this line:</a:t>
-            </a:r>
-          </a:p>
-          <a:p>
-            <a:pPr marL="0" indent="0" defTabSz="443484">
-              <a:spcBef>
-                <a:spcPts val="0"/>
-              </a:spcBef>
+            <a:pPr marL="0" indent="0">
               <a:buSzTx/>
               <a:buNone/>
-              <a:tabLst>
-                <a:tab pos="342900" algn="l"/>
-                <a:tab pos="685800" algn="l"/>
-                <a:tab pos="1028700" algn="l"/>
-                <a:tab pos="1371600" algn="l"/>
-                <a:tab pos="1714500" algn="l"/>
-                <a:tab pos="2057400" algn="l"/>
-                <a:tab pos="2413000" algn="l"/>
-                <a:tab pos="2755900" algn="l"/>
-                <a:tab pos="3098800" algn="l"/>
-                <a:tab pos="3441700" algn="l"/>
-                <a:tab pos="3784600" algn="l"/>
-                <a:tab pos="4127500" algn="l"/>
-              </a:tabLst>
-              <a:defRPr sz="2231">
-                <a:solidFill>
-                  <a:srgbClr val="34BBC8"/>
-                </a:solidFill>
-                <a:latin typeface="Monaco"/>
-                <a:ea typeface="Monaco"/>
-                <a:cs typeface="Monaco"/>
-                <a:sym typeface="Monaco"/>
-              </a:defRPr>
             </a:pPr>
-          </a:p>
-          <a:p>
-            <a:pPr lvl="2" marL="0" indent="443484" defTabSz="443484">
-              <a:spcBef>
-                <a:spcPts val="0"/>
-              </a:spcBef>
-              <a:buSzTx/>
-              <a:buNone/>
-              <a:tabLst>
-                <a:tab pos="342900" algn="l"/>
-                <a:tab pos="685800" algn="l"/>
-                <a:tab pos="1028700" algn="l"/>
-                <a:tab pos="1371600" algn="l"/>
-                <a:tab pos="1714500" algn="l"/>
-                <a:tab pos="2057400" algn="l"/>
-                <a:tab pos="2413000" algn="l"/>
-                <a:tab pos="2755900" algn="l"/>
-                <a:tab pos="3098800" algn="l"/>
-                <a:tab pos="3441700" algn="l"/>
-                <a:tab pos="3784600" algn="l"/>
-                <a:tab pos="4127500" algn="l"/>
-              </a:tabLst>
-              <a:defRPr sz="2716">
-                <a:solidFill>
-                  <a:srgbClr val="34BBC8"/>
-                </a:solidFill>
-                <a:latin typeface="Monaco"/>
-                <a:ea typeface="Monaco"/>
-                <a:cs typeface="Monaco"/>
-                <a:sym typeface="Monaco"/>
-              </a:defRPr>
-            </a:pPr>
-            <a:r>
-              <a:rPr>
-                <a:solidFill>
-                  <a:srgbClr val="D53BD3"/>
-                </a:solidFill>
-              </a:rPr>
-              <a:t>@</a:t>
-            </a:r>
-            <a:r>
-              <a:t>NgModule</a:t>
-            </a:r>
-            <a:r>
-              <a:rPr>
-                <a:solidFill>
-                  <a:srgbClr val="F4F4F4"/>
-                </a:solidFill>
-              </a:rPr>
-              <a:t>({</a:t>
-            </a:r>
-            <a:endParaRPr>
-              <a:solidFill>
-                <a:srgbClr val="F4F4F4"/>
-              </a:solidFill>
-            </a:endParaRPr>
-          </a:p>
-          <a:p>
-            <a:pPr lvl="2" marL="0" indent="443484" defTabSz="443484">
-              <a:spcBef>
-                <a:spcPts val="0"/>
-              </a:spcBef>
-              <a:buSzTx/>
-              <a:buNone/>
-              <a:tabLst>
-                <a:tab pos="342900" algn="l"/>
-                <a:tab pos="685800" algn="l"/>
-                <a:tab pos="1028700" algn="l"/>
-                <a:tab pos="1371600" algn="l"/>
-                <a:tab pos="1714500" algn="l"/>
-                <a:tab pos="2057400" algn="l"/>
-                <a:tab pos="2413000" algn="l"/>
-                <a:tab pos="2755900" algn="l"/>
-                <a:tab pos="3098800" algn="l"/>
-                <a:tab pos="3441700" algn="l"/>
-                <a:tab pos="3784600" algn="l"/>
-                <a:tab pos="4127500" algn="l"/>
-              </a:tabLst>
-              <a:defRPr sz="2716">
-                <a:solidFill>
-                  <a:srgbClr val="F4F4F4"/>
-                </a:solidFill>
-                <a:latin typeface="Monaco"/>
-                <a:ea typeface="Monaco"/>
-                <a:cs typeface="Monaco"/>
-                <a:sym typeface="Monaco"/>
-              </a:defRPr>
-            </a:pPr>
-            <a:r>
-              <a:t>  imports: [</a:t>
-            </a:r>
-          </a:p>
-          <a:p>
-            <a:pPr lvl="2" marL="0" indent="443484" defTabSz="443484">
-              <a:spcBef>
-                <a:spcPts val="0"/>
-              </a:spcBef>
-              <a:buSzTx/>
-              <a:buNone/>
-              <a:tabLst>
-                <a:tab pos="342900" algn="l"/>
-                <a:tab pos="685800" algn="l"/>
-                <a:tab pos="1028700" algn="l"/>
-                <a:tab pos="1371600" algn="l"/>
-                <a:tab pos="1714500" algn="l"/>
-                <a:tab pos="2057400" algn="l"/>
-                <a:tab pos="2413000" algn="l"/>
-                <a:tab pos="2755900" algn="l"/>
-                <a:tab pos="3098800" algn="l"/>
-                <a:tab pos="3441700" algn="l"/>
-                <a:tab pos="3784600" algn="l"/>
-                <a:tab pos="4127500" algn="l"/>
-              </a:tabLst>
-              <a:defRPr sz="2716">
-                <a:solidFill>
-                  <a:srgbClr val="F4F4F4"/>
-                </a:solidFill>
-                <a:latin typeface="Monaco"/>
-                <a:ea typeface="Monaco"/>
-                <a:cs typeface="Monaco"/>
-                <a:sym typeface="Monaco"/>
-              </a:defRPr>
-            </a:pPr>
-            <a:r>
-              <a:t>    RouterModule.forRoot(appRoutes)</a:t>
+            <a:r>
+              <a:t>Forms make common operations easy</a:t>
+            </a:r>
+          </a:p>
+          <a:p>
+            <a:pPr/>
+            <a:r>
+              <a:t>Validation &amp; Messages</a:t>
+            </a:r>
+          </a:p>
+          <a:p>
+            <a:pPr/>
+            <a:r>
+              <a:t>Data binding</a:t>
+            </a:r>
+          </a:p>
+          <a:p>
+            <a:pPr/>
+            <a:r>
+              <a:t>Template reference variables</a:t>
             </a:r>
           </a:p>
         </p:txBody>
@@ -4423,25 +4424,37 @@
               <a:buNone/>
             </a:pPr>
             <a:r>
-              <a:t>Forms make common operations easy</a:t>
-            </a:r>
-          </a:p>
-          <a:p>
-            <a:pPr/>
-            <a:r>
-              <a:t>Validation &amp; Messages</a:t>
-            </a:r>
-          </a:p>
-          <a:p>
-            <a:pPr/>
-            <a:r>
-              <a:t>Data binding</a:t>
-            </a:r>
-          </a:p>
-          <a:p>
-            <a:pPr/>
-            <a:r>
-              <a:t>Template reference variables</a:t>
+              <a:t>How Forms work</a:t>
+            </a:r>
+          </a:p>
+          <a:p>
+            <a:pPr/>
+            <a:r>
+              <a:t>&lt;form&gt; is an Angular directive</a:t>
+            </a:r>
+          </a:p>
+          <a:p>
+            <a:pPr/>
+            <a:r>
+              <a:t>Binds to ngForm, which sets up</a:t>
+            </a:r>
+          </a:p>
+          <a:p>
+            <a:pPr lvl="1"/>
+            <a:r>
+              <a:t>ngModel</a:t>
+            </a:r>
+          </a:p>
+          <a:p>
+            <a:pPr lvl="1"/>
+            <a:r>
+              <a:t>ngSubmit</a:t>
+            </a:r>
+          </a:p>
+          <a:p>
+            <a:pPr lvl="1"/>
+            <a:r>
+              <a:t>Validation</a:t>
             </a:r>
           </a:p>
         </p:txBody>
@@ -4518,37 +4531,880 @@
               <a:buNone/>
             </a:pPr>
             <a:r>
-              <a:t>How Forms work</a:t>
-            </a:r>
-          </a:p>
-          <a:p>
-            <a:pPr/>
-            <a:r>
-              <a:t>&lt;form&gt; is an Angular directive</a:t>
-            </a:r>
-          </a:p>
-          <a:p>
-            <a:pPr/>
-            <a:r>
-              <a:t>Binds to ngForm, which sets up</a:t>
-            </a:r>
-          </a:p>
-          <a:p>
-            <a:pPr lvl="1"/>
-            <a:r>
-              <a:t>ngModel</a:t>
-            </a:r>
-          </a:p>
-          <a:p>
-            <a:pPr lvl="1"/>
-            <a:r>
-              <a:t>ngSubmit</a:t>
-            </a:r>
-          </a:p>
-          <a:p>
-            <a:pPr lvl="1"/>
-            <a:r>
               <a:t>Validation</a:t>
+            </a:r>
+          </a:p>
+          <a:p>
+            <a:pPr marL="0" indent="0" defTabSz="457200">
+              <a:spcBef>
+                <a:spcPts val="0"/>
+              </a:spcBef>
+              <a:buSzTx/>
+              <a:buNone/>
+              <a:tabLst>
+                <a:tab pos="355600" algn="l"/>
+                <a:tab pos="711200" algn="l"/>
+                <a:tab pos="1066800" algn="l"/>
+                <a:tab pos="1422400" algn="l"/>
+                <a:tab pos="1778000" algn="l"/>
+                <a:tab pos="2133600" algn="l"/>
+                <a:tab pos="2489200" algn="l"/>
+                <a:tab pos="2844800" algn="l"/>
+                <a:tab pos="3200400" algn="l"/>
+                <a:tab pos="3556000" algn="l"/>
+                <a:tab pos="3911600" algn="l"/>
+                <a:tab pos="4267200" algn="l"/>
+              </a:tabLst>
+              <a:defRPr sz="2100">
+                <a:solidFill>
+                  <a:srgbClr val="CD7923"/>
+                </a:solidFill>
+                <a:latin typeface="Monaco"/>
+                <a:ea typeface="Monaco"/>
+                <a:cs typeface="Monaco"/>
+                <a:sym typeface="Monaco"/>
+              </a:defRPr>
+            </a:pPr>
+            <a:endParaRPr>
+              <a:solidFill>
+                <a:srgbClr val="F4F4F4"/>
+              </a:solidFill>
+            </a:endParaRPr>
+          </a:p>
+          <a:p>
+            <a:pPr marL="0" indent="0" defTabSz="457200">
+              <a:spcBef>
+                <a:spcPts val="0"/>
+              </a:spcBef>
+              <a:buSzTx/>
+              <a:buNone/>
+              <a:tabLst>
+                <a:tab pos="355600" algn="l"/>
+                <a:tab pos="711200" algn="l"/>
+                <a:tab pos="1066800" algn="l"/>
+                <a:tab pos="1422400" algn="l"/>
+                <a:tab pos="1778000" algn="l"/>
+                <a:tab pos="2133600" algn="l"/>
+                <a:tab pos="2489200" algn="l"/>
+                <a:tab pos="2844800" algn="l"/>
+                <a:tab pos="3200400" algn="l"/>
+                <a:tab pos="3556000" algn="l"/>
+                <a:tab pos="3911600" algn="l"/>
+                <a:tab pos="4267200" algn="l"/>
+              </a:tabLst>
+              <a:defRPr sz="2100">
+                <a:solidFill>
+                  <a:srgbClr val="F4F4F4"/>
+                </a:solidFill>
+                <a:latin typeface="Monaco"/>
+                <a:ea typeface="Monaco"/>
+                <a:cs typeface="Monaco"/>
+                <a:sym typeface="Monaco"/>
+              </a:defRPr>
+            </a:pPr>
+            <a:r>
+              <a:rPr>
+                <a:solidFill>
+                  <a:srgbClr val="34BBC8"/>
+                </a:solidFill>
+              </a:rPr>
+              <a:t>&lt;</a:t>
+            </a:r>
+            <a:r>
+              <a:rPr>
+                <a:solidFill>
+                  <a:srgbClr val="CD7923"/>
+                </a:solidFill>
+              </a:rPr>
+              <a:t>label</a:t>
+            </a:r>
+            <a:r>
+              <a:rPr>
+                <a:solidFill>
+                  <a:srgbClr val="34BBC8"/>
+                </a:solidFill>
+              </a:rPr>
+              <a:t>&gt;</a:t>
+            </a:r>
+            <a:r>
+              <a:t>Artist*</a:t>
+            </a:r>
+            <a:r>
+              <a:rPr>
+                <a:solidFill>
+                  <a:srgbClr val="34BBC8"/>
+                </a:solidFill>
+              </a:rPr>
+              <a:t>&lt;/</a:t>
+            </a:r>
+            <a:r>
+              <a:rPr>
+                <a:solidFill>
+                  <a:srgbClr val="CD7923"/>
+                </a:solidFill>
+              </a:rPr>
+              <a:t>label</a:t>
+            </a:r>
+            <a:r>
+              <a:rPr>
+                <a:solidFill>
+                  <a:srgbClr val="34BBC8"/>
+                </a:solidFill>
+              </a:rPr>
+              <a:t>&gt;</a:t>
+            </a:r>
+          </a:p>
+          <a:p>
+            <a:pPr marL="0" indent="0" defTabSz="457200">
+              <a:spcBef>
+                <a:spcPts val="0"/>
+              </a:spcBef>
+              <a:buSzTx/>
+              <a:buNone/>
+              <a:tabLst>
+                <a:tab pos="355600" algn="l"/>
+                <a:tab pos="711200" algn="l"/>
+                <a:tab pos="1066800" algn="l"/>
+                <a:tab pos="1422400" algn="l"/>
+                <a:tab pos="1778000" algn="l"/>
+                <a:tab pos="2133600" algn="l"/>
+                <a:tab pos="2489200" algn="l"/>
+                <a:tab pos="2844800" algn="l"/>
+                <a:tab pos="3200400" algn="l"/>
+                <a:tab pos="3556000" algn="l"/>
+                <a:tab pos="3911600" algn="l"/>
+                <a:tab pos="4267200" algn="l"/>
+              </a:tabLst>
+              <a:defRPr sz="2100">
+                <a:solidFill>
+                  <a:srgbClr val="CD7923"/>
+                </a:solidFill>
+                <a:latin typeface="Monaco"/>
+                <a:ea typeface="Monaco"/>
+                <a:cs typeface="Monaco"/>
+                <a:sym typeface="Monaco"/>
+              </a:defRPr>
+            </a:pPr>
+            <a:r>
+              <a:rPr>
+                <a:solidFill>
+                  <a:srgbClr val="34BBC8"/>
+                </a:solidFill>
+              </a:rPr>
+              <a:t>&lt;</a:t>
+            </a:r>
+            <a:r>
+              <a:t>input</a:t>
+            </a:r>
+            <a:r>
+              <a:rPr>
+                <a:solidFill>
+                  <a:srgbClr val="34BBC8"/>
+                </a:solidFill>
+              </a:rPr>
+              <a:t> </a:t>
+            </a:r>
+            <a:endParaRPr>
+              <a:solidFill>
+                <a:srgbClr val="F4F4F4"/>
+              </a:solidFill>
+            </a:endParaRPr>
+          </a:p>
+          <a:p>
+            <a:pPr marL="0" indent="0" defTabSz="457200">
+              <a:spcBef>
+                <a:spcPts val="0"/>
+              </a:spcBef>
+              <a:buSzTx/>
+              <a:buNone/>
+              <a:tabLst>
+                <a:tab pos="355600" algn="l"/>
+                <a:tab pos="711200" algn="l"/>
+                <a:tab pos="1066800" algn="l"/>
+                <a:tab pos="1422400" algn="l"/>
+                <a:tab pos="1778000" algn="l"/>
+                <a:tab pos="2133600" algn="l"/>
+                <a:tab pos="2489200" algn="l"/>
+                <a:tab pos="2844800" algn="l"/>
+                <a:tab pos="3200400" algn="l"/>
+                <a:tab pos="3556000" algn="l"/>
+                <a:tab pos="3911600" algn="l"/>
+                <a:tab pos="4267200" algn="l"/>
+              </a:tabLst>
+              <a:defRPr sz="2100">
+                <a:solidFill>
+                  <a:srgbClr val="34BBC8"/>
+                </a:solidFill>
+                <a:latin typeface="Monaco"/>
+                <a:ea typeface="Monaco"/>
+                <a:cs typeface="Monaco"/>
+                <a:sym typeface="Monaco"/>
+              </a:defRPr>
+            </a:pPr>
+            <a:r>
+              <a:t>  required </a:t>
+            </a:r>
+            <a:endParaRPr>
+              <a:solidFill>
+                <a:srgbClr val="F4F4F4"/>
+              </a:solidFill>
+            </a:endParaRPr>
+          </a:p>
+          <a:p>
+            <a:pPr marL="0" indent="0" defTabSz="457200">
+              <a:spcBef>
+                <a:spcPts val="0"/>
+              </a:spcBef>
+              <a:buSzTx/>
+              <a:buNone/>
+              <a:tabLst>
+                <a:tab pos="355600" algn="l"/>
+                <a:tab pos="711200" algn="l"/>
+                <a:tab pos="1066800" algn="l"/>
+                <a:tab pos="1422400" algn="l"/>
+                <a:tab pos="1778000" algn="l"/>
+                <a:tab pos="2133600" algn="l"/>
+                <a:tab pos="2489200" algn="l"/>
+                <a:tab pos="2844800" algn="l"/>
+                <a:tab pos="3200400" algn="l"/>
+                <a:tab pos="3556000" algn="l"/>
+                <a:tab pos="3911600" algn="l"/>
+                <a:tab pos="4267200" algn="l"/>
+              </a:tabLst>
+              <a:defRPr sz="2100">
+                <a:solidFill>
+                  <a:srgbClr val="C33720"/>
+                </a:solidFill>
+                <a:latin typeface="Monaco"/>
+                <a:ea typeface="Monaco"/>
+                <a:cs typeface="Monaco"/>
+                <a:sym typeface="Monaco"/>
+              </a:defRPr>
+            </a:pPr>
+            <a:r>
+              <a:rPr>
+                <a:solidFill>
+                  <a:srgbClr val="34BBC8"/>
+                </a:solidFill>
+              </a:rPr>
+              <a:t>  </a:t>
+            </a:r>
+            <a:r>
+              <a:rPr>
+                <a:solidFill>
+                  <a:srgbClr val="34BC26"/>
+                </a:solidFill>
+              </a:rPr>
+              <a:t>type</a:t>
+            </a:r>
+            <a:r>
+              <a:rPr>
+                <a:solidFill>
+                  <a:srgbClr val="34BBC8"/>
+                </a:solidFill>
+              </a:rPr>
+              <a:t>=</a:t>
+            </a:r>
+            <a:r>
+              <a:t>"text"</a:t>
+            </a:r>
+            <a:endParaRPr>
+              <a:solidFill>
+                <a:srgbClr val="F4F4F4"/>
+              </a:solidFill>
+            </a:endParaRPr>
+          </a:p>
+          <a:p>
+            <a:pPr marL="0" indent="0" defTabSz="457200">
+              <a:spcBef>
+                <a:spcPts val="0"/>
+              </a:spcBef>
+              <a:buSzTx/>
+              <a:buNone/>
+              <a:tabLst>
+                <a:tab pos="355600" algn="l"/>
+                <a:tab pos="711200" algn="l"/>
+                <a:tab pos="1066800" algn="l"/>
+                <a:tab pos="1422400" algn="l"/>
+                <a:tab pos="1778000" algn="l"/>
+                <a:tab pos="2133600" algn="l"/>
+                <a:tab pos="2489200" algn="l"/>
+                <a:tab pos="2844800" algn="l"/>
+                <a:tab pos="3200400" algn="l"/>
+                <a:tab pos="3556000" algn="l"/>
+                <a:tab pos="3911600" algn="l"/>
+                <a:tab pos="4267200" algn="l"/>
+              </a:tabLst>
+              <a:defRPr sz="2100">
+                <a:solidFill>
+                  <a:srgbClr val="C33720"/>
+                </a:solidFill>
+                <a:latin typeface="Monaco"/>
+                <a:ea typeface="Monaco"/>
+                <a:cs typeface="Monaco"/>
+                <a:sym typeface="Monaco"/>
+              </a:defRPr>
+            </a:pPr>
+            <a:r>
+              <a:rPr>
+                <a:solidFill>
+                  <a:srgbClr val="34BBC8"/>
+                </a:solidFill>
+              </a:rPr>
+              <a:t>  [(ngModel)]=</a:t>
+            </a:r>
+            <a:r>
+              <a:t>"newPerformance.artist.artistName"</a:t>
+            </a:r>
+            <a:endParaRPr>
+              <a:solidFill>
+                <a:srgbClr val="F4F4F4"/>
+              </a:solidFill>
+            </a:endParaRPr>
+          </a:p>
+          <a:p>
+            <a:pPr marL="0" indent="0" defTabSz="457200">
+              <a:spcBef>
+                <a:spcPts val="0"/>
+              </a:spcBef>
+              <a:buSzTx/>
+              <a:buNone/>
+              <a:tabLst>
+                <a:tab pos="355600" algn="l"/>
+                <a:tab pos="711200" algn="l"/>
+                <a:tab pos="1066800" algn="l"/>
+                <a:tab pos="1422400" algn="l"/>
+                <a:tab pos="1778000" algn="l"/>
+                <a:tab pos="2133600" algn="l"/>
+                <a:tab pos="2489200" algn="l"/>
+                <a:tab pos="2844800" algn="l"/>
+                <a:tab pos="3200400" algn="l"/>
+                <a:tab pos="3556000" algn="l"/>
+                <a:tab pos="3911600" algn="l"/>
+                <a:tab pos="4267200" algn="l"/>
+              </a:tabLst>
+              <a:defRPr sz="2100">
+                <a:solidFill>
+                  <a:srgbClr val="C33720"/>
+                </a:solidFill>
+                <a:latin typeface="Monaco"/>
+                <a:ea typeface="Monaco"/>
+                <a:cs typeface="Monaco"/>
+                <a:sym typeface="Monaco"/>
+              </a:defRPr>
+            </a:pPr>
+            <a:r>
+              <a:rPr>
+                <a:solidFill>
+                  <a:srgbClr val="34BBC8"/>
+                </a:solidFill>
+              </a:rPr>
+              <a:t>  </a:t>
+            </a:r>
+            <a:r>
+              <a:rPr>
+                <a:solidFill>
+                  <a:srgbClr val="34BC26"/>
+                </a:solidFill>
+              </a:rPr>
+              <a:t>name</a:t>
+            </a:r>
+            <a:r>
+              <a:rPr>
+                <a:solidFill>
+                  <a:srgbClr val="34BBC8"/>
+                </a:solidFill>
+              </a:rPr>
+              <a:t>=</a:t>
+            </a:r>
+            <a:r>
+              <a:t>"artistName"</a:t>
+            </a:r>
+            <a:endParaRPr>
+              <a:solidFill>
+                <a:srgbClr val="F4F4F4"/>
+              </a:solidFill>
+            </a:endParaRPr>
+          </a:p>
+          <a:p>
+            <a:pPr marL="0" indent="0" defTabSz="457200">
+              <a:spcBef>
+                <a:spcPts val="0"/>
+              </a:spcBef>
+              <a:buSzTx/>
+              <a:buNone/>
+              <a:tabLst>
+                <a:tab pos="355600" algn="l"/>
+                <a:tab pos="711200" algn="l"/>
+                <a:tab pos="1066800" algn="l"/>
+                <a:tab pos="1422400" algn="l"/>
+                <a:tab pos="1778000" algn="l"/>
+                <a:tab pos="2133600" algn="l"/>
+                <a:tab pos="2489200" algn="l"/>
+                <a:tab pos="2844800" algn="l"/>
+                <a:tab pos="3200400" algn="l"/>
+                <a:tab pos="3556000" algn="l"/>
+                <a:tab pos="3911600" algn="l"/>
+                <a:tab pos="4267200" algn="l"/>
+              </a:tabLst>
+              <a:defRPr sz="2100">
+                <a:solidFill>
+                  <a:srgbClr val="34BBC8"/>
+                </a:solidFill>
+                <a:latin typeface="Monaco"/>
+                <a:ea typeface="Monaco"/>
+                <a:cs typeface="Monaco"/>
+                <a:sym typeface="Monaco"/>
+              </a:defRPr>
+            </a:pPr>
+            <a:r>
+              <a:t>  #artistNameInput=</a:t>
+            </a:r>
+            <a:r>
+              <a:rPr>
+                <a:solidFill>
+                  <a:srgbClr val="C33720"/>
+                </a:solidFill>
+              </a:rPr>
+              <a:t>"ngModel"</a:t>
+            </a:r>
+            <a:endParaRPr>
+              <a:solidFill>
+                <a:srgbClr val="F4F4F4"/>
+              </a:solidFill>
+            </a:endParaRPr>
+          </a:p>
+          <a:p>
+            <a:pPr marL="0" indent="0" defTabSz="457200">
+              <a:spcBef>
+                <a:spcPts val="0"/>
+              </a:spcBef>
+              <a:buSzTx/>
+              <a:buNone/>
+              <a:tabLst>
+                <a:tab pos="355600" algn="l"/>
+                <a:tab pos="711200" algn="l"/>
+                <a:tab pos="1066800" algn="l"/>
+                <a:tab pos="1422400" algn="l"/>
+                <a:tab pos="1778000" algn="l"/>
+                <a:tab pos="2133600" algn="l"/>
+                <a:tab pos="2489200" algn="l"/>
+                <a:tab pos="2844800" algn="l"/>
+                <a:tab pos="3200400" algn="l"/>
+                <a:tab pos="3556000" algn="l"/>
+                <a:tab pos="3911600" algn="l"/>
+                <a:tab pos="4267200" algn="l"/>
+              </a:tabLst>
+              <a:defRPr sz="2100">
+                <a:solidFill>
+                  <a:srgbClr val="34BBC8"/>
+                </a:solidFill>
+                <a:latin typeface="Monaco"/>
+                <a:ea typeface="Monaco"/>
+                <a:cs typeface="Monaco"/>
+                <a:sym typeface="Monaco"/>
+              </a:defRPr>
+            </a:pPr>
+            <a:r>
+              <a:t>&gt;</a:t>
+            </a:r>
+            <a:endParaRPr>
+              <a:solidFill>
+                <a:srgbClr val="F4F4F4"/>
+              </a:solidFill>
+            </a:endParaRPr>
+          </a:p>
+          <a:p>
+            <a:pPr marL="0" indent="0" defTabSz="457200">
+              <a:spcBef>
+                <a:spcPts val="0"/>
+              </a:spcBef>
+              <a:buSzTx/>
+              <a:buNone/>
+              <a:tabLst>
+                <a:tab pos="355600" algn="l"/>
+                <a:tab pos="711200" algn="l"/>
+                <a:tab pos="1066800" algn="l"/>
+                <a:tab pos="1422400" algn="l"/>
+                <a:tab pos="1778000" algn="l"/>
+                <a:tab pos="2133600" algn="l"/>
+                <a:tab pos="2489200" algn="l"/>
+                <a:tab pos="2844800" algn="l"/>
+                <a:tab pos="3200400" algn="l"/>
+                <a:tab pos="3556000" algn="l"/>
+                <a:tab pos="3911600" algn="l"/>
+                <a:tab pos="4267200" algn="l"/>
+              </a:tabLst>
+              <a:defRPr sz="2100">
+                <a:solidFill>
+                  <a:srgbClr val="C33720"/>
+                </a:solidFill>
+                <a:latin typeface="Monaco"/>
+                <a:ea typeface="Monaco"/>
+                <a:cs typeface="Monaco"/>
+                <a:sym typeface="Monaco"/>
+              </a:defRPr>
+            </a:pPr>
+            <a:r>
+              <a:rPr>
+                <a:solidFill>
+                  <a:srgbClr val="34BBC8"/>
+                </a:solidFill>
+              </a:rPr>
+              <a:t>&lt;</a:t>
+            </a:r>
+            <a:r>
+              <a:rPr>
+                <a:solidFill>
+                  <a:srgbClr val="CD7923"/>
+                </a:solidFill>
+              </a:rPr>
+              <a:t>span</a:t>
+            </a:r>
+            <a:r>
+              <a:rPr>
+                <a:solidFill>
+                  <a:srgbClr val="34BBC8"/>
+                </a:solidFill>
+              </a:rPr>
+              <a:t> [hidden]=</a:t>
+            </a:r>
+            <a:r>
+              <a:t>"artistNameInput.valid || artistNameInput.pristine"</a:t>
+            </a:r>
+            <a:r>
+              <a:rPr>
+                <a:solidFill>
+                  <a:srgbClr val="34BBC8"/>
+                </a:solidFill>
+              </a:rPr>
+              <a:t>&gt;</a:t>
+            </a:r>
+            <a:endParaRPr>
+              <a:solidFill>
+                <a:srgbClr val="34BBC8"/>
+              </a:solidFill>
+            </a:endParaRPr>
+          </a:p>
+          <a:p>
+            <a:pPr marL="0" indent="0" defTabSz="457200">
+              <a:spcBef>
+                <a:spcPts val="0"/>
+              </a:spcBef>
+              <a:buSzTx/>
+              <a:buNone/>
+              <a:tabLst>
+                <a:tab pos="355600" algn="l"/>
+                <a:tab pos="711200" algn="l"/>
+                <a:tab pos="1066800" algn="l"/>
+                <a:tab pos="1422400" algn="l"/>
+                <a:tab pos="1778000" algn="l"/>
+                <a:tab pos="2133600" algn="l"/>
+                <a:tab pos="2489200" algn="l"/>
+                <a:tab pos="2844800" algn="l"/>
+                <a:tab pos="3200400" algn="l"/>
+                <a:tab pos="3556000" algn="l"/>
+                <a:tab pos="3911600" algn="l"/>
+                <a:tab pos="4267200" algn="l"/>
+              </a:tabLst>
+              <a:defRPr sz="2100">
+                <a:solidFill>
+                  <a:srgbClr val="CD7923"/>
+                </a:solidFill>
+                <a:latin typeface="Monaco"/>
+                <a:ea typeface="Monaco"/>
+                <a:cs typeface="Monaco"/>
+                <a:sym typeface="Monaco"/>
+              </a:defRPr>
+            </a:pPr>
+            <a:r>
+              <a:rPr>
+                <a:solidFill>
+                  <a:srgbClr val="34BBC8"/>
+                </a:solidFill>
+              </a:rPr>
+              <a:t>&lt;</a:t>
+            </a:r>
+            <a:r>
+              <a:t>style</a:t>
+            </a:r>
+            <a:r>
+              <a:rPr>
+                <a:solidFill>
+                  <a:srgbClr val="34BBC8"/>
+                </a:solidFill>
+              </a:rPr>
+              <a:t>&gt;</a:t>
+            </a:r>
+            <a:endParaRPr>
+              <a:solidFill>
+                <a:srgbClr val="F4F4F4"/>
+              </a:solidFill>
+            </a:endParaRPr>
+          </a:p>
+          <a:p>
+            <a:pPr marL="0" indent="0" defTabSz="457200">
+              <a:spcBef>
+                <a:spcPts val="0"/>
+              </a:spcBef>
+              <a:buSzTx/>
+              <a:buNone/>
+              <a:tabLst>
+                <a:tab pos="355600" algn="l"/>
+                <a:tab pos="711200" algn="l"/>
+                <a:tab pos="1066800" algn="l"/>
+                <a:tab pos="1422400" algn="l"/>
+                <a:tab pos="1778000" algn="l"/>
+                <a:tab pos="2133600" algn="l"/>
+                <a:tab pos="2489200" algn="l"/>
+                <a:tab pos="2844800" algn="l"/>
+                <a:tab pos="3200400" algn="l"/>
+                <a:tab pos="3556000" algn="l"/>
+                <a:tab pos="3911600" algn="l"/>
+                <a:tab pos="4267200" algn="l"/>
+              </a:tabLst>
+              <a:defRPr sz="2100">
+                <a:solidFill>
+                  <a:srgbClr val="34BBC8"/>
+                </a:solidFill>
+                <a:latin typeface="Monaco"/>
+                <a:ea typeface="Monaco"/>
+                <a:cs typeface="Monaco"/>
+                <a:sym typeface="Monaco"/>
+              </a:defRPr>
+            </a:pPr>
+            <a:r>
+              <a:rPr>
+                <a:solidFill>
+                  <a:srgbClr val="F4F4F4"/>
+                </a:solidFill>
+              </a:rPr>
+              <a:t>  </a:t>
+            </a:r>
+            <a:r>
+              <a:rPr>
+                <a:solidFill>
+                  <a:srgbClr val="CD7923"/>
+                </a:solidFill>
+              </a:rPr>
+              <a:t>input</a:t>
+            </a:r>
+            <a:r>
+              <a:t>.ng-dirty</a:t>
+            </a:r>
+            <a:r>
+              <a:rPr>
+                <a:solidFill>
+                  <a:srgbClr val="F4F4F4"/>
+                </a:solidFill>
+              </a:rPr>
+              <a:t> </a:t>
+            </a:r>
+            <a:r>
+              <a:t>{</a:t>
+            </a:r>
+            <a:endParaRPr>
+              <a:solidFill>
+                <a:srgbClr val="F4F4F4"/>
+              </a:solidFill>
+            </a:endParaRPr>
+          </a:p>
+          <a:p>
+            <a:pPr marL="0" indent="0" defTabSz="457200">
+              <a:spcBef>
+                <a:spcPts val="0"/>
+              </a:spcBef>
+              <a:buSzTx/>
+              <a:buNone/>
+              <a:tabLst>
+                <a:tab pos="355600" algn="l"/>
+                <a:tab pos="711200" algn="l"/>
+                <a:tab pos="1066800" algn="l"/>
+                <a:tab pos="1422400" algn="l"/>
+                <a:tab pos="1778000" algn="l"/>
+                <a:tab pos="2133600" algn="l"/>
+                <a:tab pos="2489200" algn="l"/>
+                <a:tab pos="2844800" algn="l"/>
+                <a:tab pos="3200400" algn="l"/>
+                <a:tab pos="3556000" algn="l"/>
+                <a:tab pos="3911600" algn="l"/>
+                <a:tab pos="4267200" algn="l"/>
+              </a:tabLst>
+              <a:defRPr sz="2100">
+                <a:solidFill>
+                  <a:srgbClr val="34BC26"/>
+                </a:solidFill>
+                <a:latin typeface="Monaco"/>
+                <a:ea typeface="Monaco"/>
+                <a:cs typeface="Monaco"/>
+                <a:sym typeface="Monaco"/>
+              </a:defRPr>
+            </a:pPr>
+            <a:r>
+              <a:rPr>
+                <a:solidFill>
+                  <a:srgbClr val="F4F4F4"/>
+                </a:solidFill>
+              </a:rPr>
+              <a:t>    </a:t>
+            </a:r>
+            <a:r>
+              <a:t>border</a:t>
+            </a:r>
+            <a:r>
+              <a:rPr>
+                <a:solidFill>
+                  <a:srgbClr val="F4F4F4"/>
+                </a:solidFill>
+              </a:rPr>
+              <a:t>: </a:t>
+            </a:r>
+            <a:r>
+              <a:rPr>
+                <a:solidFill>
+                  <a:srgbClr val="C33720"/>
+                </a:solidFill>
+              </a:rPr>
+              <a:t>3px</a:t>
+            </a:r>
+            <a:r>
+              <a:rPr>
+                <a:solidFill>
+                  <a:srgbClr val="F4F4F4"/>
+                </a:solidFill>
+              </a:rPr>
+              <a:t> </a:t>
+            </a:r>
+            <a:r>
+              <a:rPr>
+                <a:solidFill>
+                  <a:srgbClr val="C33720"/>
+                </a:solidFill>
+              </a:rPr>
+              <a:t>solid</a:t>
+            </a:r>
+            <a:r>
+              <a:rPr>
+                <a:solidFill>
+                  <a:srgbClr val="F4F4F4"/>
+                </a:solidFill>
+              </a:rPr>
+              <a:t> </a:t>
+            </a:r>
+            <a:r>
+              <a:rPr>
+                <a:solidFill>
+                  <a:srgbClr val="C33720"/>
+                </a:solidFill>
+              </a:rPr>
+              <a:t>green</a:t>
+            </a:r>
+            <a:r>
+              <a:rPr>
+                <a:solidFill>
+                  <a:srgbClr val="F4F4F4"/>
+                </a:solidFill>
+              </a:rPr>
+              <a:t>;</a:t>
+            </a:r>
+            <a:endParaRPr>
+              <a:solidFill>
+                <a:srgbClr val="F4F4F4"/>
+              </a:solidFill>
+            </a:endParaRPr>
+          </a:p>
+          <a:p>
+            <a:pPr marL="0" indent="0" defTabSz="457200">
+              <a:spcBef>
+                <a:spcPts val="0"/>
+              </a:spcBef>
+              <a:buSzTx/>
+              <a:buNone/>
+              <a:tabLst>
+                <a:tab pos="355600" algn="l"/>
+                <a:tab pos="711200" algn="l"/>
+                <a:tab pos="1066800" algn="l"/>
+                <a:tab pos="1422400" algn="l"/>
+                <a:tab pos="1778000" algn="l"/>
+                <a:tab pos="2133600" algn="l"/>
+                <a:tab pos="2489200" algn="l"/>
+                <a:tab pos="2844800" algn="l"/>
+                <a:tab pos="3200400" algn="l"/>
+                <a:tab pos="3556000" algn="l"/>
+                <a:tab pos="3911600" algn="l"/>
+                <a:tab pos="4267200" algn="l"/>
+              </a:tabLst>
+              <a:defRPr sz="2100">
+                <a:solidFill>
+                  <a:srgbClr val="F4F4F4"/>
+                </a:solidFill>
+                <a:latin typeface="Monaco"/>
+                <a:ea typeface="Monaco"/>
+                <a:cs typeface="Monaco"/>
+                <a:sym typeface="Monaco"/>
+              </a:defRPr>
+            </a:pPr>
+            <a:r>
+              <a:t>  </a:t>
+            </a:r>
+            <a:r>
+              <a:rPr>
+                <a:solidFill>
+                  <a:srgbClr val="34BBC8"/>
+                </a:solidFill>
+              </a:rPr>
+              <a:t>}</a:t>
+            </a:r>
+          </a:p>
+          <a:p>
+            <a:pPr marL="0" indent="0" defTabSz="457200">
+              <a:spcBef>
+                <a:spcPts val="0"/>
+              </a:spcBef>
+              <a:buSzTx/>
+              <a:buNone/>
+              <a:tabLst>
+                <a:tab pos="355600" algn="l"/>
+                <a:tab pos="711200" algn="l"/>
+                <a:tab pos="1066800" algn="l"/>
+                <a:tab pos="1422400" algn="l"/>
+                <a:tab pos="1778000" algn="l"/>
+                <a:tab pos="2133600" algn="l"/>
+                <a:tab pos="2489200" algn="l"/>
+                <a:tab pos="2844800" algn="l"/>
+                <a:tab pos="3200400" algn="l"/>
+                <a:tab pos="3556000" algn="l"/>
+                <a:tab pos="3911600" algn="l"/>
+                <a:tab pos="4267200" algn="l"/>
+              </a:tabLst>
+              <a:defRPr sz="2100">
+                <a:solidFill>
+                  <a:srgbClr val="CD7923"/>
+                </a:solidFill>
+                <a:latin typeface="Monaco"/>
+                <a:ea typeface="Monaco"/>
+                <a:cs typeface="Monaco"/>
+                <a:sym typeface="Monaco"/>
+              </a:defRPr>
+            </a:pPr>
+            <a:r>
+              <a:rPr>
+                <a:solidFill>
+                  <a:srgbClr val="34BBC8"/>
+                </a:solidFill>
+              </a:rPr>
+              <a:t>&lt;/</a:t>
+            </a:r>
+            <a:r>
+              <a:t>style</a:t>
+            </a:r>
+            <a:r>
+              <a:rPr>
+                <a:solidFill>
+                  <a:srgbClr val="34BBC8"/>
+                </a:solidFill>
+              </a:rPr>
+              <a:t>&gt;</a:t>
             </a:r>
           </a:p>
         </p:txBody>
@@ -4625,880 +5481,31 @@
               <a:buNone/>
             </a:pPr>
             <a:r>
-              <a:t>Validation</a:t>
-            </a:r>
-          </a:p>
-          <a:p>
-            <a:pPr marL="0" indent="0" defTabSz="457200">
-              <a:spcBef>
-                <a:spcPts val="0"/>
-              </a:spcBef>
-              <a:buSzTx/>
-              <a:buNone/>
-              <a:tabLst>
-                <a:tab pos="355600" algn="l"/>
-                <a:tab pos="711200" algn="l"/>
-                <a:tab pos="1066800" algn="l"/>
-                <a:tab pos="1422400" algn="l"/>
-                <a:tab pos="1778000" algn="l"/>
-                <a:tab pos="2133600" algn="l"/>
-                <a:tab pos="2489200" algn="l"/>
-                <a:tab pos="2844800" algn="l"/>
-                <a:tab pos="3200400" algn="l"/>
-                <a:tab pos="3556000" algn="l"/>
-                <a:tab pos="3911600" algn="l"/>
-                <a:tab pos="4267200" algn="l"/>
-              </a:tabLst>
-              <a:defRPr sz="2100">
-                <a:solidFill>
-                  <a:srgbClr val="CD7923"/>
-                </a:solidFill>
-                <a:latin typeface="Monaco"/>
-                <a:ea typeface="Monaco"/>
-                <a:cs typeface="Monaco"/>
-                <a:sym typeface="Monaco"/>
-              </a:defRPr>
-            </a:pPr>
-            <a:endParaRPr>
-              <a:solidFill>
-                <a:srgbClr val="F4F4F4"/>
-              </a:solidFill>
-            </a:endParaRPr>
-          </a:p>
-          <a:p>
-            <a:pPr marL="0" indent="0" defTabSz="457200">
-              <a:spcBef>
-                <a:spcPts val="0"/>
-              </a:spcBef>
-              <a:buSzTx/>
-              <a:buNone/>
-              <a:tabLst>
-                <a:tab pos="355600" algn="l"/>
-                <a:tab pos="711200" algn="l"/>
-                <a:tab pos="1066800" algn="l"/>
-                <a:tab pos="1422400" algn="l"/>
-                <a:tab pos="1778000" algn="l"/>
-                <a:tab pos="2133600" algn="l"/>
-                <a:tab pos="2489200" algn="l"/>
-                <a:tab pos="2844800" algn="l"/>
-                <a:tab pos="3200400" algn="l"/>
-                <a:tab pos="3556000" algn="l"/>
-                <a:tab pos="3911600" algn="l"/>
-                <a:tab pos="4267200" algn="l"/>
-              </a:tabLst>
-              <a:defRPr sz="2100">
-                <a:solidFill>
-                  <a:srgbClr val="F4F4F4"/>
-                </a:solidFill>
-                <a:latin typeface="Monaco"/>
-                <a:ea typeface="Monaco"/>
-                <a:cs typeface="Monaco"/>
-                <a:sym typeface="Monaco"/>
-              </a:defRPr>
-            </a:pPr>
-            <a:r>
-              <a:rPr>
-                <a:solidFill>
-                  <a:srgbClr val="34BBC8"/>
-                </a:solidFill>
-              </a:rPr>
-              <a:t>&lt;</a:t>
-            </a:r>
-            <a:r>
-              <a:rPr>
-                <a:solidFill>
-                  <a:srgbClr val="CD7923"/>
-                </a:solidFill>
-              </a:rPr>
-              <a:t>label</a:t>
-            </a:r>
-            <a:r>
-              <a:rPr>
-                <a:solidFill>
-                  <a:srgbClr val="34BBC8"/>
-                </a:solidFill>
-              </a:rPr>
-              <a:t>&gt;</a:t>
-            </a:r>
-            <a:r>
-              <a:t>Artist*</a:t>
-            </a:r>
-            <a:r>
-              <a:rPr>
-                <a:solidFill>
-                  <a:srgbClr val="34BBC8"/>
-                </a:solidFill>
-              </a:rPr>
-              <a:t>&lt;/</a:t>
-            </a:r>
-            <a:r>
-              <a:rPr>
-                <a:solidFill>
-                  <a:srgbClr val="CD7923"/>
-                </a:solidFill>
-              </a:rPr>
-              <a:t>label</a:t>
-            </a:r>
-            <a:r>
-              <a:rPr>
-                <a:solidFill>
-                  <a:srgbClr val="34BBC8"/>
-                </a:solidFill>
-              </a:rPr>
-              <a:t>&gt;</a:t>
-            </a:r>
-          </a:p>
-          <a:p>
-            <a:pPr marL="0" indent="0" defTabSz="457200">
-              <a:spcBef>
-                <a:spcPts val="0"/>
-              </a:spcBef>
-              <a:buSzTx/>
-              <a:buNone/>
-              <a:tabLst>
-                <a:tab pos="355600" algn="l"/>
-                <a:tab pos="711200" algn="l"/>
-                <a:tab pos="1066800" algn="l"/>
-                <a:tab pos="1422400" algn="l"/>
-                <a:tab pos="1778000" algn="l"/>
-                <a:tab pos="2133600" algn="l"/>
-                <a:tab pos="2489200" algn="l"/>
-                <a:tab pos="2844800" algn="l"/>
-                <a:tab pos="3200400" algn="l"/>
-                <a:tab pos="3556000" algn="l"/>
-                <a:tab pos="3911600" algn="l"/>
-                <a:tab pos="4267200" algn="l"/>
-              </a:tabLst>
-              <a:defRPr sz="2100">
-                <a:solidFill>
-                  <a:srgbClr val="CD7923"/>
-                </a:solidFill>
-                <a:latin typeface="Monaco"/>
-                <a:ea typeface="Monaco"/>
-                <a:cs typeface="Monaco"/>
-                <a:sym typeface="Monaco"/>
-              </a:defRPr>
-            </a:pPr>
-            <a:r>
-              <a:rPr>
-                <a:solidFill>
-                  <a:srgbClr val="34BBC8"/>
-                </a:solidFill>
-              </a:rPr>
-              <a:t>&lt;</a:t>
-            </a:r>
-            <a:r>
-              <a:t>input</a:t>
-            </a:r>
-            <a:r>
-              <a:rPr>
-                <a:solidFill>
-                  <a:srgbClr val="34BBC8"/>
-                </a:solidFill>
-              </a:rPr>
-              <a:t> </a:t>
-            </a:r>
-            <a:endParaRPr>
-              <a:solidFill>
-                <a:srgbClr val="F4F4F4"/>
-              </a:solidFill>
-            </a:endParaRPr>
-          </a:p>
-          <a:p>
-            <a:pPr marL="0" indent="0" defTabSz="457200">
-              <a:spcBef>
-                <a:spcPts val="0"/>
-              </a:spcBef>
-              <a:buSzTx/>
-              <a:buNone/>
-              <a:tabLst>
-                <a:tab pos="355600" algn="l"/>
-                <a:tab pos="711200" algn="l"/>
-                <a:tab pos="1066800" algn="l"/>
-                <a:tab pos="1422400" algn="l"/>
-                <a:tab pos="1778000" algn="l"/>
-                <a:tab pos="2133600" algn="l"/>
-                <a:tab pos="2489200" algn="l"/>
-                <a:tab pos="2844800" algn="l"/>
-                <a:tab pos="3200400" algn="l"/>
-                <a:tab pos="3556000" algn="l"/>
-                <a:tab pos="3911600" algn="l"/>
-                <a:tab pos="4267200" algn="l"/>
-              </a:tabLst>
-              <a:defRPr sz="2100">
-                <a:solidFill>
-                  <a:srgbClr val="34BBC8"/>
-                </a:solidFill>
-                <a:latin typeface="Monaco"/>
-                <a:ea typeface="Monaco"/>
-                <a:cs typeface="Monaco"/>
-                <a:sym typeface="Monaco"/>
-              </a:defRPr>
-            </a:pPr>
-            <a:r>
-              <a:t>  required </a:t>
-            </a:r>
-            <a:endParaRPr>
-              <a:solidFill>
-                <a:srgbClr val="F4F4F4"/>
-              </a:solidFill>
-            </a:endParaRPr>
-          </a:p>
-          <a:p>
-            <a:pPr marL="0" indent="0" defTabSz="457200">
-              <a:spcBef>
-                <a:spcPts val="0"/>
-              </a:spcBef>
-              <a:buSzTx/>
-              <a:buNone/>
-              <a:tabLst>
-                <a:tab pos="355600" algn="l"/>
-                <a:tab pos="711200" algn="l"/>
-                <a:tab pos="1066800" algn="l"/>
-                <a:tab pos="1422400" algn="l"/>
-                <a:tab pos="1778000" algn="l"/>
-                <a:tab pos="2133600" algn="l"/>
-                <a:tab pos="2489200" algn="l"/>
-                <a:tab pos="2844800" algn="l"/>
-                <a:tab pos="3200400" algn="l"/>
-                <a:tab pos="3556000" algn="l"/>
-                <a:tab pos="3911600" algn="l"/>
-                <a:tab pos="4267200" algn="l"/>
-              </a:tabLst>
-              <a:defRPr sz="2100">
-                <a:solidFill>
-                  <a:srgbClr val="C33720"/>
-                </a:solidFill>
-                <a:latin typeface="Monaco"/>
-                <a:ea typeface="Monaco"/>
-                <a:cs typeface="Monaco"/>
-                <a:sym typeface="Monaco"/>
-              </a:defRPr>
-            </a:pPr>
-            <a:r>
-              <a:rPr>
-                <a:solidFill>
-                  <a:srgbClr val="34BBC8"/>
-                </a:solidFill>
-              </a:rPr>
-              <a:t>  </a:t>
-            </a:r>
-            <a:r>
-              <a:rPr>
-                <a:solidFill>
-                  <a:srgbClr val="34BC26"/>
-                </a:solidFill>
-              </a:rPr>
-              <a:t>type</a:t>
-            </a:r>
-            <a:r>
-              <a:rPr>
-                <a:solidFill>
-                  <a:srgbClr val="34BBC8"/>
-                </a:solidFill>
-              </a:rPr>
-              <a:t>=</a:t>
-            </a:r>
-            <a:r>
-              <a:t>"text"</a:t>
-            </a:r>
-            <a:endParaRPr>
-              <a:solidFill>
-                <a:srgbClr val="F4F4F4"/>
-              </a:solidFill>
-            </a:endParaRPr>
-          </a:p>
-          <a:p>
-            <a:pPr marL="0" indent="0" defTabSz="457200">
-              <a:spcBef>
-                <a:spcPts val="0"/>
-              </a:spcBef>
-              <a:buSzTx/>
-              <a:buNone/>
-              <a:tabLst>
-                <a:tab pos="355600" algn="l"/>
-                <a:tab pos="711200" algn="l"/>
-                <a:tab pos="1066800" algn="l"/>
-                <a:tab pos="1422400" algn="l"/>
-                <a:tab pos="1778000" algn="l"/>
-                <a:tab pos="2133600" algn="l"/>
-                <a:tab pos="2489200" algn="l"/>
-                <a:tab pos="2844800" algn="l"/>
-                <a:tab pos="3200400" algn="l"/>
-                <a:tab pos="3556000" algn="l"/>
-                <a:tab pos="3911600" algn="l"/>
-                <a:tab pos="4267200" algn="l"/>
-              </a:tabLst>
-              <a:defRPr sz="2100">
-                <a:solidFill>
-                  <a:srgbClr val="C33720"/>
-                </a:solidFill>
-                <a:latin typeface="Monaco"/>
-                <a:ea typeface="Monaco"/>
-                <a:cs typeface="Monaco"/>
-                <a:sym typeface="Monaco"/>
-              </a:defRPr>
-            </a:pPr>
-            <a:r>
-              <a:rPr>
-                <a:solidFill>
-                  <a:srgbClr val="34BBC8"/>
-                </a:solidFill>
-              </a:rPr>
-              <a:t>  [(ngModel)]=</a:t>
-            </a:r>
-            <a:r>
-              <a:t>"newPerformance.artist.artistName"</a:t>
-            </a:r>
-            <a:endParaRPr>
-              <a:solidFill>
-                <a:srgbClr val="F4F4F4"/>
-              </a:solidFill>
-            </a:endParaRPr>
-          </a:p>
-          <a:p>
-            <a:pPr marL="0" indent="0" defTabSz="457200">
-              <a:spcBef>
-                <a:spcPts val="0"/>
-              </a:spcBef>
-              <a:buSzTx/>
-              <a:buNone/>
-              <a:tabLst>
-                <a:tab pos="355600" algn="l"/>
-                <a:tab pos="711200" algn="l"/>
-                <a:tab pos="1066800" algn="l"/>
-                <a:tab pos="1422400" algn="l"/>
-                <a:tab pos="1778000" algn="l"/>
-                <a:tab pos="2133600" algn="l"/>
-                <a:tab pos="2489200" algn="l"/>
-                <a:tab pos="2844800" algn="l"/>
-                <a:tab pos="3200400" algn="l"/>
-                <a:tab pos="3556000" algn="l"/>
-                <a:tab pos="3911600" algn="l"/>
-                <a:tab pos="4267200" algn="l"/>
-              </a:tabLst>
-              <a:defRPr sz="2100">
-                <a:solidFill>
-                  <a:srgbClr val="C33720"/>
-                </a:solidFill>
-                <a:latin typeface="Monaco"/>
-                <a:ea typeface="Monaco"/>
-                <a:cs typeface="Monaco"/>
-                <a:sym typeface="Monaco"/>
-              </a:defRPr>
-            </a:pPr>
-            <a:r>
-              <a:rPr>
-                <a:solidFill>
-                  <a:srgbClr val="34BBC8"/>
-                </a:solidFill>
-              </a:rPr>
-              <a:t>  </a:t>
-            </a:r>
-            <a:r>
-              <a:rPr>
-                <a:solidFill>
-                  <a:srgbClr val="34BC26"/>
-                </a:solidFill>
-              </a:rPr>
-              <a:t>name</a:t>
-            </a:r>
-            <a:r>
-              <a:rPr>
-                <a:solidFill>
-                  <a:srgbClr val="34BBC8"/>
-                </a:solidFill>
-              </a:rPr>
-              <a:t>=</a:t>
-            </a:r>
-            <a:r>
-              <a:t>"artistName"</a:t>
-            </a:r>
-            <a:endParaRPr>
-              <a:solidFill>
-                <a:srgbClr val="F4F4F4"/>
-              </a:solidFill>
-            </a:endParaRPr>
-          </a:p>
-          <a:p>
-            <a:pPr marL="0" indent="0" defTabSz="457200">
-              <a:spcBef>
-                <a:spcPts val="0"/>
-              </a:spcBef>
-              <a:buSzTx/>
-              <a:buNone/>
-              <a:tabLst>
-                <a:tab pos="355600" algn="l"/>
-                <a:tab pos="711200" algn="l"/>
-                <a:tab pos="1066800" algn="l"/>
-                <a:tab pos="1422400" algn="l"/>
-                <a:tab pos="1778000" algn="l"/>
-                <a:tab pos="2133600" algn="l"/>
-                <a:tab pos="2489200" algn="l"/>
-                <a:tab pos="2844800" algn="l"/>
-                <a:tab pos="3200400" algn="l"/>
-                <a:tab pos="3556000" algn="l"/>
-                <a:tab pos="3911600" algn="l"/>
-                <a:tab pos="4267200" algn="l"/>
-              </a:tabLst>
-              <a:defRPr sz="2100">
-                <a:solidFill>
-                  <a:srgbClr val="34BBC8"/>
-                </a:solidFill>
-                <a:latin typeface="Monaco"/>
-                <a:ea typeface="Monaco"/>
-                <a:cs typeface="Monaco"/>
-                <a:sym typeface="Monaco"/>
-              </a:defRPr>
-            </a:pPr>
-            <a:r>
-              <a:t>  #artistNameInput=</a:t>
-            </a:r>
-            <a:r>
-              <a:rPr>
-                <a:solidFill>
-                  <a:srgbClr val="C33720"/>
-                </a:solidFill>
-              </a:rPr>
-              <a:t>"ngModel"</a:t>
-            </a:r>
-            <a:endParaRPr>
-              <a:solidFill>
-                <a:srgbClr val="F4F4F4"/>
-              </a:solidFill>
-            </a:endParaRPr>
-          </a:p>
-          <a:p>
-            <a:pPr marL="0" indent="0" defTabSz="457200">
-              <a:spcBef>
-                <a:spcPts val="0"/>
-              </a:spcBef>
-              <a:buSzTx/>
-              <a:buNone/>
-              <a:tabLst>
-                <a:tab pos="355600" algn="l"/>
-                <a:tab pos="711200" algn="l"/>
-                <a:tab pos="1066800" algn="l"/>
-                <a:tab pos="1422400" algn="l"/>
-                <a:tab pos="1778000" algn="l"/>
-                <a:tab pos="2133600" algn="l"/>
-                <a:tab pos="2489200" algn="l"/>
-                <a:tab pos="2844800" algn="l"/>
-                <a:tab pos="3200400" algn="l"/>
-                <a:tab pos="3556000" algn="l"/>
-                <a:tab pos="3911600" algn="l"/>
-                <a:tab pos="4267200" algn="l"/>
-              </a:tabLst>
-              <a:defRPr sz="2100">
-                <a:solidFill>
-                  <a:srgbClr val="34BBC8"/>
-                </a:solidFill>
-                <a:latin typeface="Monaco"/>
-                <a:ea typeface="Monaco"/>
-                <a:cs typeface="Monaco"/>
-                <a:sym typeface="Monaco"/>
-              </a:defRPr>
-            </a:pPr>
-            <a:r>
-              <a:t>&gt;</a:t>
-            </a:r>
-            <a:endParaRPr>
-              <a:solidFill>
-                <a:srgbClr val="F4F4F4"/>
-              </a:solidFill>
-            </a:endParaRPr>
-          </a:p>
-          <a:p>
-            <a:pPr marL="0" indent="0" defTabSz="457200">
-              <a:spcBef>
-                <a:spcPts val="0"/>
-              </a:spcBef>
-              <a:buSzTx/>
-              <a:buNone/>
-              <a:tabLst>
-                <a:tab pos="355600" algn="l"/>
-                <a:tab pos="711200" algn="l"/>
-                <a:tab pos="1066800" algn="l"/>
-                <a:tab pos="1422400" algn="l"/>
-                <a:tab pos="1778000" algn="l"/>
-                <a:tab pos="2133600" algn="l"/>
-                <a:tab pos="2489200" algn="l"/>
-                <a:tab pos="2844800" algn="l"/>
-                <a:tab pos="3200400" algn="l"/>
-                <a:tab pos="3556000" algn="l"/>
-                <a:tab pos="3911600" algn="l"/>
-                <a:tab pos="4267200" algn="l"/>
-              </a:tabLst>
-              <a:defRPr sz="2100">
-                <a:solidFill>
-                  <a:srgbClr val="C33720"/>
-                </a:solidFill>
-                <a:latin typeface="Monaco"/>
-                <a:ea typeface="Monaco"/>
-                <a:cs typeface="Monaco"/>
-                <a:sym typeface="Monaco"/>
-              </a:defRPr>
-            </a:pPr>
-            <a:r>
-              <a:rPr>
-                <a:solidFill>
-                  <a:srgbClr val="34BBC8"/>
-                </a:solidFill>
-              </a:rPr>
-              <a:t>&lt;</a:t>
-            </a:r>
-            <a:r>
-              <a:rPr>
-                <a:solidFill>
-                  <a:srgbClr val="CD7923"/>
-                </a:solidFill>
-              </a:rPr>
-              <a:t>span</a:t>
-            </a:r>
-            <a:r>
-              <a:rPr>
-                <a:solidFill>
-                  <a:srgbClr val="34BBC8"/>
-                </a:solidFill>
-              </a:rPr>
-              <a:t> [hidden]=</a:t>
-            </a:r>
-            <a:r>
-              <a:t>"artistNameInput.valid || artistNameInput.pristine"</a:t>
-            </a:r>
-            <a:r>
-              <a:rPr>
-                <a:solidFill>
-                  <a:srgbClr val="34BBC8"/>
-                </a:solidFill>
-              </a:rPr>
-              <a:t>&gt;</a:t>
-            </a:r>
-            <a:endParaRPr>
-              <a:solidFill>
-                <a:srgbClr val="34BBC8"/>
-              </a:solidFill>
-            </a:endParaRPr>
-          </a:p>
-          <a:p>
-            <a:pPr marL="0" indent="0" defTabSz="457200">
-              <a:spcBef>
-                <a:spcPts val="0"/>
-              </a:spcBef>
-              <a:buSzTx/>
-              <a:buNone/>
-              <a:tabLst>
-                <a:tab pos="355600" algn="l"/>
-                <a:tab pos="711200" algn="l"/>
-                <a:tab pos="1066800" algn="l"/>
-                <a:tab pos="1422400" algn="l"/>
-                <a:tab pos="1778000" algn="l"/>
-                <a:tab pos="2133600" algn="l"/>
-                <a:tab pos="2489200" algn="l"/>
-                <a:tab pos="2844800" algn="l"/>
-                <a:tab pos="3200400" algn="l"/>
-                <a:tab pos="3556000" algn="l"/>
-                <a:tab pos="3911600" algn="l"/>
-                <a:tab pos="4267200" algn="l"/>
-              </a:tabLst>
-              <a:defRPr sz="2100">
-                <a:solidFill>
-                  <a:srgbClr val="CD7923"/>
-                </a:solidFill>
-                <a:latin typeface="Monaco"/>
-                <a:ea typeface="Monaco"/>
-                <a:cs typeface="Monaco"/>
-                <a:sym typeface="Monaco"/>
-              </a:defRPr>
-            </a:pPr>
-            <a:r>
-              <a:rPr>
-                <a:solidFill>
-                  <a:srgbClr val="34BBC8"/>
-                </a:solidFill>
-              </a:rPr>
-              <a:t>&lt;</a:t>
-            </a:r>
-            <a:r>
-              <a:t>style</a:t>
-            </a:r>
-            <a:r>
-              <a:rPr>
-                <a:solidFill>
-                  <a:srgbClr val="34BBC8"/>
-                </a:solidFill>
-              </a:rPr>
-              <a:t>&gt;</a:t>
-            </a:r>
-            <a:endParaRPr>
-              <a:solidFill>
-                <a:srgbClr val="F4F4F4"/>
-              </a:solidFill>
-            </a:endParaRPr>
-          </a:p>
-          <a:p>
-            <a:pPr marL="0" indent="0" defTabSz="457200">
-              <a:spcBef>
-                <a:spcPts val="0"/>
-              </a:spcBef>
-              <a:buSzTx/>
-              <a:buNone/>
-              <a:tabLst>
-                <a:tab pos="355600" algn="l"/>
-                <a:tab pos="711200" algn="l"/>
-                <a:tab pos="1066800" algn="l"/>
-                <a:tab pos="1422400" algn="l"/>
-                <a:tab pos="1778000" algn="l"/>
-                <a:tab pos="2133600" algn="l"/>
-                <a:tab pos="2489200" algn="l"/>
-                <a:tab pos="2844800" algn="l"/>
-                <a:tab pos="3200400" algn="l"/>
-                <a:tab pos="3556000" algn="l"/>
-                <a:tab pos="3911600" algn="l"/>
-                <a:tab pos="4267200" algn="l"/>
-              </a:tabLst>
-              <a:defRPr sz="2100">
-                <a:solidFill>
-                  <a:srgbClr val="34BBC8"/>
-                </a:solidFill>
-                <a:latin typeface="Monaco"/>
-                <a:ea typeface="Monaco"/>
-                <a:cs typeface="Monaco"/>
-                <a:sym typeface="Monaco"/>
-              </a:defRPr>
-            </a:pPr>
-            <a:r>
-              <a:rPr>
-                <a:solidFill>
-                  <a:srgbClr val="F4F4F4"/>
-                </a:solidFill>
-              </a:rPr>
-              <a:t>  </a:t>
-            </a:r>
-            <a:r>
-              <a:rPr>
-                <a:solidFill>
-                  <a:srgbClr val="CD7923"/>
-                </a:solidFill>
-              </a:rPr>
-              <a:t>input</a:t>
-            </a:r>
-            <a:r>
-              <a:t>.ng-dirty</a:t>
-            </a:r>
-            <a:r>
-              <a:rPr>
-                <a:solidFill>
-                  <a:srgbClr val="F4F4F4"/>
-                </a:solidFill>
-              </a:rPr>
-              <a:t> </a:t>
-            </a:r>
-            <a:r>
-              <a:t>{</a:t>
-            </a:r>
-            <a:endParaRPr>
-              <a:solidFill>
-                <a:srgbClr val="F4F4F4"/>
-              </a:solidFill>
-            </a:endParaRPr>
-          </a:p>
-          <a:p>
-            <a:pPr marL="0" indent="0" defTabSz="457200">
-              <a:spcBef>
-                <a:spcPts val="0"/>
-              </a:spcBef>
-              <a:buSzTx/>
-              <a:buNone/>
-              <a:tabLst>
-                <a:tab pos="355600" algn="l"/>
-                <a:tab pos="711200" algn="l"/>
-                <a:tab pos="1066800" algn="l"/>
-                <a:tab pos="1422400" algn="l"/>
-                <a:tab pos="1778000" algn="l"/>
-                <a:tab pos="2133600" algn="l"/>
-                <a:tab pos="2489200" algn="l"/>
-                <a:tab pos="2844800" algn="l"/>
-                <a:tab pos="3200400" algn="l"/>
-                <a:tab pos="3556000" algn="l"/>
-                <a:tab pos="3911600" algn="l"/>
-                <a:tab pos="4267200" algn="l"/>
-              </a:tabLst>
-              <a:defRPr sz="2100">
-                <a:solidFill>
-                  <a:srgbClr val="34BC26"/>
-                </a:solidFill>
-                <a:latin typeface="Monaco"/>
-                <a:ea typeface="Monaco"/>
-                <a:cs typeface="Monaco"/>
-                <a:sym typeface="Monaco"/>
-              </a:defRPr>
-            </a:pPr>
-            <a:r>
-              <a:rPr>
-                <a:solidFill>
-                  <a:srgbClr val="F4F4F4"/>
-                </a:solidFill>
-              </a:rPr>
-              <a:t>    </a:t>
-            </a:r>
-            <a:r>
-              <a:t>border</a:t>
-            </a:r>
-            <a:r>
-              <a:rPr>
-                <a:solidFill>
-                  <a:srgbClr val="F4F4F4"/>
-                </a:solidFill>
-              </a:rPr>
-              <a:t>: </a:t>
-            </a:r>
-            <a:r>
-              <a:rPr>
-                <a:solidFill>
-                  <a:srgbClr val="C33720"/>
-                </a:solidFill>
-              </a:rPr>
-              <a:t>3px</a:t>
-            </a:r>
-            <a:r>
-              <a:rPr>
-                <a:solidFill>
-                  <a:srgbClr val="F4F4F4"/>
-                </a:solidFill>
-              </a:rPr>
-              <a:t> </a:t>
-            </a:r>
-            <a:r>
-              <a:rPr>
-                <a:solidFill>
-                  <a:srgbClr val="C33720"/>
-                </a:solidFill>
-              </a:rPr>
-              <a:t>solid</a:t>
-            </a:r>
-            <a:r>
-              <a:rPr>
-                <a:solidFill>
-                  <a:srgbClr val="F4F4F4"/>
-                </a:solidFill>
-              </a:rPr>
-              <a:t> </a:t>
-            </a:r>
-            <a:r>
-              <a:rPr>
-                <a:solidFill>
-                  <a:srgbClr val="C33720"/>
-                </a:solidFill>
-              </a:rPr>
-              <a:t>green</a:t>
-            </a:r>
-            <a:r>
-              <a:rPr>
-                <a:solidFill>
-                  <a:srgbClr val="F4F4F4"/>
-                </a:solidFill>
-              </a:rPr>
-              <a:t>;</a:t>
-            </a:r>
-            <a:endParaRPr>
-              <a:solidFill>
-                <a:srgbClr val="F4F4F4"/>
-              </a:solidFill>
-            </a:endParaRPr>
-          </a:p>
-          <a:p>
-            <a:pPr marL="0" indent="0" defTabSz="457200">
-              <a:spcBef>
-                <a:spcPts val="0"/>
-              </a:spcBef>
-              <a:buSzTx/>
-              <a:buNone/>
-              <a:tabLst>
-                <a:tab pos="355600" algn="l"/>
-                <a:tab pos="711200" algn="l"/>
-                <a:tab pos="1066800" algn="l"/>
-                <a:tab pos="1422400" algn="l"/>
-                <a:tab pos="1778000" algn="l"/>
-                <a:tab pos="2133600" algn="l"/>
-                <a:tab pos="2489200" algn="l"/>
-                <a:tab pos="2844800" algn="l"/>
-                <a:tab pos="3200400" algn="l"/>
-                <a:tab pos="3556000" algn="l"/>
-                <a:tab pos="3911600" algn="l"/>
-                <a:tab pos="4267200" algn="l"/>
-              </a:tabLst>
-              <a:defRPr sz="2100">
-                <a:solidFill>
-                  <a:srgbClr val="F4F4F4"/>
-                </a:solidFill>
-                <a:latin typeface="Monaco"/>
-                <a:ea typeface="Monaco"/>
-                <a:cs typeface="Monaco"/>
-                <a:sym typeface="Monaco"/>
-              </a:defRPr>
-            </a:pPr>
-            <a:r>
-              <a:t>  </a:t>
-            </a:r>
-            <a:r>
-              <a:rPr>
-                <a:solidFill>
-                  <a:srgbClr val="34BBC8"/>
-                </a:solidFill>
-              </a:rPr>
-              <a:t>}</a:t>
-            </a:r>
-          </a:p>
-          <a:p>
-            <a:pPr marL="0" indent="0" defTabSz="457200">
-              <a:spcBef>
-                <a:spcPts val="0"/>
-              </a:spcBef>
-              <a:buSzTx/>
-              <a:buNone/>
-              <a:tabLst>
-                <a:tab pos="355600" algn="l"/>
-                <a:tab pos="711200" algn="l"/>
-                <a:tab pos="1066800" algn="l"/>
-                <a:tab pos="1422400" algn="l"/>
-                <a:tab pos="1778000" algn="l"/>
-                <a:tab pos="2133600" algn="l"/>
-                <a:tab pos="2489200" algn="l"/>
-                <a:tab pos="2844800" algn="l"/>
-                <a:tab pos="3200400" algn="l"/>
-                <a:tab pos="3556000" algn="l"/>
-                <a:tab pos="3911600" algn="l"/>
-                <a:tab pos="4267200" algn="l"/>
-              </a:tabLst>
-              <a:defRPr sz="2100">
-                <a:solidFill>
-                  <a:srgbClr val="CD7923"/>
-                </a:solidFill>
-                <a:latin typeface="Monaco"/>
-                <a:ea typeface="Monaco"/>
-                <a:cs typeface="Monaco"/>
-                <a:sym typeface="Monaco"/>
-              </a:defRPr>
-            </a:pPr>
-            <a:r>
-              <a:rPr>
-                <a:solidFill>
-                  <a:srgbClr val="34BBC8"/>
-                </a:solidFill>
-              </a:rPr>
-              <a:t>&lt;/</a:t>
-            </a:r>
-            <a:r>
-              <a:t>style</a:t>
-            </a:r>
-            <a:r>
-              <a:rPr>
-                <a:solidFill>
-                  <a:srgbClr val="34BBC8"/>
-                </a:solidFill>
-              </a:rPr>
-              <a:t>&gt;</a:t>
+              <a:t>Template reference variables</a:t>
+            </a:r>
+          </a:p>
+          <a:p>
+            <a:pPr/>
+            <a:r>
+              <a:t>Set a component property from an attribute</a:t>
+            </a:r>
+          </a:p>
+          <a:p>
+            <a:pPr/>
+            <a:r>
+              <a:t>&lt;input #phoneNumber="867-5309"&gt;</a:t>
+            </a:r>
+          </a:p>
+          <a:p>
+            <a:pPr/>
+            <a:r>
+              <a:t>Reference it in other elements' expressions</a:t>
+            </a:r>
+          </a:p>
+          <a:p>
+            <a:pPr/>
+            <a:r>
+              <a:t>&lt;span&gt;{{ phoneNumber.length }}&lt;/span&gt;</a:t>
             </a:r>
           </a:p>
         </p:txBody>
@@ -5652,7 +5659,7 @@
           <a:p>
             <a:pPr/>
             <a:r>
-              <a:t>Forms</a:t>
+              <a:t>Forms Lab 1</a:t>
             </a:r>
           </a:p>
         </p:txBody>
@@ -5674,36 +5681,213 @@
           <a:bodyPr anchor="t"/>
           <a:lstStyle/>
           <a:p>
-            <a:pPr marL="0" indent="0">
+            <a:pPr marL="0" indent="0" defTabSz="496570">
+              <a:spcBef>
+                <a:spcPts val="3500"/>
+              </a:spcBef>
               <a:buSzTx/>
               <a:buNone/>
+              <a:defRPr sz="3230"/>
             </a:pPr>
             <a:r>
-              <a:t>Template reference variables</a:t>
-            </a:r>
-          </a:p>
-          <a:p>
-            <a:pPr/>
-            <a:r>
-              <a:t>Set a component property from an attribute</a:t>
-            </a:r>
-          </a:p>
-          <a:p>
-            <a:pPr/>
-            <a:r>
-              <a:t>&lt;input #phoneNumber="867-5309"&gt;</a:t>
-            </a:r>
-          </a:p>
-          <a:p>
-            <a:pPr/>
-            <a:r>
-              <a:t>Reference it in other elements' expressions</a:t>
-            </a:r>
-          </a:p>
-          <a:p>
-            <a:pPr/>
-            <a:r>
-              <a:t>&lt;span&gt;{{ phoneNumber.length }}&lt;/span&gt;</a:t>
+              <a:t>Goal: Break newPerformance method in two</a:t>
+            </a:r>
+          </a:p>
+          <a:p>
+            <a:pPr marL="377825" indent="-377825" defTabSz="496570">
+              <a:spcBef>
+                <a:spcPts val="3500"/>
+              </a:spcBef>
+              <a:defRPr sz="3230"/>
+            </a:pPr>
+            <a:r>
+              <a:t>addPerformance</a:t>
+            </a:r>
+          </a:p>
+          <a:p>
+            <a:pPr lvl="1" marL="755650" indent="-377825" defTabSz="496570">
+              <a:spcBef>
+                <a:spcPts val="3500"/>
+              </a:spcBef>
+              <a:defRPr sz="3230"/>
+            </a:pPr>
+            <a:r>
+              <a:t>Shows the form </a:t>
+            </a:r>
+          </a:p>
+          <a:p>
+            <a:pPr lvl="2" marL="0" indent="388620" defTabSz="388620">
+              <a:spcBef>
+                <a:spcPts val="0"/>
+              </a:spcBef>
+              <a:buSzTx/>
+              <a:buNone/>
+              <a:tabLst>
+                <a:tab pos="292100" algn="l"/>
+                <a:tab pos="596900" algn="l"/>
+                <a:tab pos="901700" algn="l"/>
+                <a:tab pos="1206500" algn="l"/>
+                <a:tab pos="1511300" algn="l"/>
+                <a:tab pos="1803400" algn="l"/>
+                <a:tab pos="2108200" algn="l"/>
+                <a:tab pos="2413000" algn="l"/>
+                <a:tab pos="2717800" algn="l"/>
+                <a:tab pos="3022600" algn="l"/>
+                <a:tab pos="3314700" algn="l"/>
+                <a:tab pos="3619500" algn="l"/>
+              </a:tabLst>
+              <a:defRPr sz="2975">
+                <a:solidFill>
+                  <a:srgbClr val="C33720"/>
+                </a:solidFill>
+                <a:latin typeface="Monaco"/>
+                <a:ea typeface="Monaco"/>
+                <a:cs typeface="Monaco"/>
+                <a:sym typeface="Monaco"/>
+              </a:defRPr>
+            </a:pPr>
+          </a:p>
+          <a:p>
+            <a:pPr lvl="4" marL="0" indent="777240" defTabSz="388620">
+              <a:spcBef>
+                <a:spcPts val="0"/>
+              </a:spcBef>
+              <a:buSzTx/>
+              <a:buNone/>
+              <a:tabLst>
+                <a:tab pos="292100" algn="l"/>
+                <a:tab pos="596900" algn="l"/>
+                <a:tab pos="901700" algn="l"/>
+                <a:tab pos="1206500" algn="l"/>
+                <a:tab pos="1511300" algn="l"/>
+                <a:tab pos="1803400" algn="l"/>
+                <a:tab pos="2108200" algn="l"/>
+                <a:tab pos="2413000" algn="l"/>
+                <a:tab pos="2717800" algn="l"/>
+                <a:tab pos="3022600" algn="l"/>
+                <a:tab pos="3314700" algn="l"/>
+                <a:tab pos="3619500" algn="l"/>
+              </a:tabLst>
+              <a:defRPr sz="2975">
+                <a:solidFill>
+                  <a:srgbClr val="C33720"/>
+                </a:solidFill>
+                <a:latin typeface="Monaco"/>
+                <a:ea typeface="Monaco"/>
+                <a:cs typeface="Monaco"/>
+                <a:sym typeface="Monaco"/>
+              </a:defRPr>
+            </a:pPr>
+            <a:r>
+              <a:rPr>
+                <a:solidFill>
+                  <a:srgbClr val="34BBC8"/>
+                </a:solidFill>
+              </a:rPr>
+              <a:t>*ngIf=</a:t>
+            </a:r>
+            <a:r>
+              <a:t>"addingPerformance === true"</a:t>
+            </a:r>
+          </a:p>
+          <a:p>
+            <a:pPr lvl="1" marL="755650" indent="-377825" defTabSz="496570">
+              <a:spcBef>
+                <a:spcPts val="3500"/>
+              </a:spcBef>
+              <a:defRPr sz="3230"/>
+            </a:pPr>
+            <a:r>
+              <a:t>Creates a blank instance var</a:t>
+            </a:r>
+          </a:p>
+          <a:p>
+            <a:pPr marL="377825" indent="-377825" defTabSz="496570">
+              <a:spcBef>
+                <a:spcPts val="3500"/>
+              </a:spcBef>
+              <a:defRPr sz="3230"/>
+            </a:pPr>
+            <a:r>
+              <a:t>submitPerformance, which pushes var on array</a:t>
+            </a:r>
+          </a:p>
+          <a:p>
+            <a:pPr marL="0" indent="0" defTabSz="388620">
+              <a:spcBef>
+                <a:spcPts val="0"/>
+              </a:spcBef>
+              <a:buSzTx/>
+              <a:buNone/>
+              <a:tabLst>
+                <a:tab pos="292100" algn="l"/>
+                <a:tab pos="596900" algn="l"/>
+                <a:tab pos="901700" algn="l"/>
+                <a:tab pos="1206500" algn="l"/>
+                <a:tab pos="1511300" algn="l"/>
+                <a:tab pos="1803400" algn="l"/>
+                <a:tab pos="2108200" algn="l"/>
+                <a:tab pos="2413000" algn="l"/>
+                <a:tab pos="2717800" algn="l"/>
+                <a:tab pos="3022600" algn="l"/>
+                <a:tab pos="3314700" algn="l"/>
+                <a:tab pos="3619500" algn="l"/>
+              </a:tabLst>
+              <a:defRPr sz="2550">
+                <a:solidFill>
+                  <a:srgbClr val="F4F4F4"/>
+                </a:solidFill>
+                <a:latin typeface="Monaco"/>
+                <a:ea typeface="Monaco"/>
+                <a:cs typeface="Monaco"/>
+                <a:sym typeface="Monaco"/>
+              </a:defRPr>
+            </a:pPr>
+          </a:p>
+          <a:p>
+            <a:pPr lvl="2" marL="0" indent="388620" defTabSz="388620">
+              <a:spcBef>
+                <a:spcPts val="0"/>
+              </a:spcBef>
+              <a:buSzTx/>
+              <a:buNone/>
+              <a:tabLst>
+                <a:tab pos="292100" algn="l"/>
+                <a:tab pos="596900" algn="l"/>
+                <a:tab pos="901700" algn="l"/>
+                <a:tab pos="1206500" algn="l"/>
+                <a:tab pos="1511300" algn="l"/>
+                <a:tab pos="1803400" algn="l"/>
+                <a:tab pos="2108200" algn="l"/>
+                <a:tab pos="2413000" algn="l"/>
+                <a:tab pos="2717800" algn="l"/>
+                <a:tab pos="3022600" algn="l"/>
+                <a:tab pos="3314700" algn="l"/>
+                <a:tab pos="3619500" algn="l"/>
+              </a:tabLst>
+              <a:defRPr sz="3060">
+                <a:solidFill>
+                  <a:srgbClr val="F4F4F4"/>
+                </a:solidFill>
+                <a:latin typeface="Monaco"/>
+                <a:ea typeface="Monaco"/>
+                <a:cs typeface="Monaco"/>
+                <a:sym typeface="Monaco"/>
+              </a:defRPr>
+            </a:pPr>
+            <a:r>
+              <a:t>performanceArray.push( </a:t>
+            </a:r>
+            <a:r>
+              <a:rPr>
+                <a:solidFill>
+                  <a:srgbClr val="D53BD3"/>
+                </a:solidFill>
+              </a:rPr>
+              <a:t>this</a:t>
+            </a:r>
+            <a:r>
+              <a:t>.newPerformance );</a:t>
             </a:r>
           </a:p>
         </p:txBody>
@@ -5753,7 +5937,7 @@
           <a:p>
             <a:pPr/>
             <a:r>
-              <a:t>Forms Lab 1</a:t>
+              <a:t>Forms Lab 2</a:t>
             </a:r>
           </a:p>
         </p:txBody>
@@ -5775,213 +5959,21 @@
           <a:bodyPr anchor="t"/>
           <a:lstStyle/>
           <a:p>
-            <a:pPr marL="0" indent="0" defTabSz="496570">
-              <a:spcBef>
-                <a:spcPts val="3500"/>
-              </a:spcBef>
-              <a:buSzTx/>
-              <a:buNone/>
-              <a:defRPr sz="3230"/>
-            </a:pPr>
-            <a:r>
-              <a:t>Goal: Break newPerformance method in two</a:t>
-            </a:r>
-          </a:p>
-          <a:p>
-            <a:pPr marL="377825" indent="-377825" defTabSz="496570">
-              <a:spcBef>
-                <a:spcPts val="3500"/>
-              </a:spcBef>
-              <a:defRPr sz="3230"/>
-            </a:pPr>
-            <a:r>
-              <a:t>addPerformance</a:t>
-            </a:r>
-          </a:p>
-          <a:p>
-            <a:pPr lvl="1" marL="755650" indent="-377825" defTabSz="496570">
-              <a:spcBef>
-                <a:spcPts val="3500"/>
-              </a:spcBef>
-              <a:defRPr sz="3230"/>
-            </a:pPr>
-            <a:r>
-              <a:t>Shows the form </a:t>
-            </a:r>
-          </a:p>
-          <a:p>
-            <a:pPr lvl="2" marL="0" indent="388620" defTabSz="388620">
-              <a:spcBef>
-                <a:spcPts val="0"/>
-              </a:spcBef>
-              <a:buSzTx/>
-              <a:buNone/>
-              <a:tabLst>
-                <a:tab pos="292100" algn="l"/>
-                <a:tab pos="596900" algn="l"/>
-                <a:tab pos="901700" algn="l"/>
-                <a:tab pos="1206500" algn="l"/>
-                <a:tab pos="1511300" algn="l"/>
-                <a:tab pos="1803400" algn="l"/>
-                <a:tab pos="2108200" algn="l"/>
-                <a:tab pos="2413000" algn="l"/>
-                <a:tab pos="2717800" algn="l"/>
-                <a:tab pos="3022600" algn="l"/>
-                <a:tab pos="3314700" algn="l"/>
-                <a:tab pos="3619500" algn="l"/>
-              </a:tabLst>
-              <a:defRPr sz="2975">
-                <a:solidFill>
-                  <a:srgbClr val="C33720"/>
-                </a:solidFill>
-                <a:latin typeface="Monaco"/>
-                <a:ea typeface="Monaco"/>
-                <a:cs typeface="Monaco"/>
-                <a:sym typeface="Monaco"/>
-              </a:defRPr>
-            </a:pPr>
-          </a:p>
-          <a:p>
-            <a:pPr lvl="4" marL="0" indent="777240" defTabSz="388620">
-              <a:spcBef>
-                <a:spcPts val="0"/>
-              </a:spcBef>
-              <a:buSzTx/>
-              <a:buNone/>
-              <a:tabLst>
-                <a:tab pos="292100" algn="l"/>
-                <a:tab pos="596900" algn="l"/>
-                <a:tab pos="901700" algn="l"/>
-                <a:tab pos="1206500" algn="l"/>
-                <a:tab pos="1511300" algn="l"/>
-                <a:tab pos="1803400" algn="l"/>
-                <a:tab pos="2108200" algn="l"/>
-                <a:tab pos="2413000" algn="l"/>
-                <a:tab pos="2717800" algn="l"/>
-                <a:tab pos="3022600" algn="l"/>
-                <a:tab pos="3314700" algn="l"/>
-                <a:tab pos="3619500" algn="l"/>
-              </a:tabLst>
-              <a:defRPr sz="2975">
-                <a:solidFill>
-                  <a:srgbClr val="C33720"/>
-                </a:solidFill>
-                <a:latin typeface="Monaco"/>
-                <a:ea typeface="Monaco"/>
-                <a:cs typeface="Monaco"/>
-                <a:sym typeface="Monaco"/>
-              </a:defRPr>
-            </a:pPr>
-            <a:r>
-              <a:rPr>
-                <a:solidFill>
-                  <a:srgbClr val="34BBC8"/>
-                </a:solidFill>
-              </a:rPr>
-              <a:t>*ngIf=</a:t>
-            </a:r>
-            <a:r>
-              <a:t>"addingPerformance === true"</a:t>
-            </a:r>
-          </a:p>
-          <a:p>
-            <a:pPr lvl="1" marL="755650" indent="-377825" defTabSz="496570">
-              <a:spcBef>
-                <a:spcPts val="3500"/>
-              </a:spcBef>
-              <a:defRPr sz="3230"/>
-            </a:pPr>
-            <a:r>
-              <a:t>Creates a blank instance var</a:t>
-            </a:r>
-          </a:p>
-          <a:p>
-            <a:pPr marL="377825" indent="-377825" defTabSz="496570">
-              <a:spcBef>
-                <a:spcPts val="3500"/>
-              </a:spcBef>
-              <a:defRPr sz="3230"/>
-            </a:pPr>
-            <a:r>
-              <a:t>submitPerformance, which pushes var on array</a:t>
-            </a:r>
-          </a:p>
-          <a:p>
-            <a:pPr marL="0" indent="0" defTabSz="388620">
-              <a:spcBef>
-                <a:spcPts val="0"/>
-              </a:spcBef>
-              <a:buSzTx/>
-              <a:buNone/>
-              <a:tabLst>
-                <a:tab pos="292100" algn="l"/>
-                <a:tab pos="596900" algn="l"/>
-                <a:tab pos="901700" algn="l"/>
-                <a:tab pos="1206500" algn="l"/>
-                <a:tab pos="1511300" algn="l"/>
-                <a:tab pos="1803400" algn="l"/>
-                <a:tab pos="2108200" algn="l"/>
-                <a:tab pos="2413000" algn="l"/>
-                <a:tab pos="2717800" algn="l"/>
-                <a:tab pos="3022600" algn="l"/>
-                <a:tab pos="3314700" algn="l"/>
-                <a:tab pos="3619500" algn="l"/>
-              </a:tabLst>
-              <a:defRPr sz="2550">
-                <a:solidFill>
-                  <a:srgbClr val="F4F4F4"/>
-                </a:solidFill>
-                <a:latin typeface="Monaco"/>
-                <a:ea typeface="Monaco"/>
-                <a:cs typeface="Monaco"/>
-                <a:sym typeface="Monaco"/>
-              </a:defRPr>
-            </a:pPr>
-          </a:p>
-          <a:p>
-            <a:pPr lvl="2" marL="0" indent="388620" defTabSz="388620">
-              <a:spcBef>
-                <a:spcPts val="0"/>
-              </a:spcBef>
-              <a:buSzTx/>
-              <a:buNone/>
-              <a:tabLst>
-                <a:tab pos="292100" algn="l"/>
-                <a:tab pos="596900" algn="l"/>
-                <a:tab pos="901700" algn="l"/>
-                <a:tab pos="1206500" algn="l"/>
-                <a:tab pos="1511300" algn="l"/>
-                <a:tab pos="1803400" algn="l"/>
-                <a:tab pos="2108200" algn="l"/>
-                <a:tab pos="2413000" algn="l"/>
-                <a:tab pos="2717800" algn="l"/>
-                <a:tab pos="3022600" algn="l"/>
-                <a:tab pos="3314700" algn="l"/>
-                <a:tab pos="3619500" algn="l"/>
-              </a:tabLst>
-              <a:defRPr sz="3060">
-                <a:solidFill>
-                  <a:srgbClr val="F4F4F4"/>
-                </a:solidFill>
-                <a:latin typeface="Monaco"/>
-                <a:ea typeface="Monaco"/>
-                <a:cs typeface="Monaco"/>
-                <a:sym typeface="Monaco"/>
-              </a:defRPr>
-            </a:pPr>
-            <a:r>
-              <a:t>performanceArray.push( </a:t>
-            </a:r>
-            <a:r>
-              <a:rPr>
-                <a:solidFill>
-                  <a:srgbClr val="D53BD3"/>
-                </a:solidFill>
-              </a:rPr>
-              <a:t>this</a:t>
-            </a:r>
-            <a:r>
-              <a:t>.newPerformance );</a:t>
+            <a:pPr/>
+            <a:r>
+              <a:t>Hook up input</a:t>
+            </a:r>
+          </a:p>
+          <a:p>
+            <a:pPr/>
+            <a:r>
+              <a:t>Validation too</a:t>
+            </a:r>
+          </a:p>
+          <a:p>
+            <a:pPr/>
+            <a:r>
+              <a:t>Handle ngSubmit event</a:t>
             </a:r>
           </a:p>
         </p:txBody>
@@ -6031,7 +6023,7 @@
           <a:p>
             <a:pPr/>
             <a:r>
-              <a:t>Forms Lab 2</a:t>
+              <a:t>Forms</a:t>
             </a:r>
           </a:p>
         </p:txBody>
@@ -6039,166 +6031,6 @@
       <p:sp>
         <p:nvSpPr>
           <p:cNvPr id="183" name="Shape 183"/>
-          <p:cNvSpPr/>
-          <p:nvPr>
-            <p:ph type="body" idx="1"/>
-          </p:nvPr>
-        </p:nvSpPr>
-        <p:spPr>
-          <a:prstGeom prst="rect">
-            <a:avLst/>
-          </a:prstGeom>
-        </p:spPr>
-        <p:txBody>
-          <a:bodyPr anchor="t"/>
-          <a:lstStyle/>
-          <a:p>
-            <a:pPr/>
-            <a:r>
-              <a:t>Hook up input</a:t>
-            </a:r>
-          </a:p>
-          <a:p>
-            <a:pPr/>
-            <a:r>
-              <a:t>Validation too</a:t>
-            </a:r>
-          </a:p>
-          <a:p>
-            <a:pPr/>
-            <a:r>
-              <a:t>Handle ngSubmit event</a:t>
-            </a:r>
-          </a:p>
-        </p:txBody>
-      </p:sp>
-    </p:spTree>
-  </p:cSld>
-  <p:clrMapOvr>
-    <a:masterClrMapping/>
-  </p:clrMapOvr>
-  <p:transition xmlns:p14="http://schemas.microsoft.com/office/powerpoint/2010/main" spd="med" advClick="1"/>
-</p:sld>
-</file>
-
-<file path=ppt/slides/slide23.xml><?xml version="1.0" encoding="utf-8"?>
-<p:sld xmlns:a="http://schemas.openxmlformats.org/drawingml/2006/main" xmlns:r="http://schemas.openxmlformats.org/officeDocument/2006/relationships" xmlns:p="http://schemas.openxmlformats.org/presentationml/2006/main" showMasterSp="1" showMasterPhAnim="1">
-  <p:cSld>
-    <p:spTree>
-      <p:nvGrpSpPr>
-        <p:cNvPr id="1" name=""/>
-        <p:cNvGrpSpPr/>
-        <p:nvPr/>
-      </p:nvGrpSpPr>
-      <p:grpSpPr>
-        <a:xfrm>
-          <a:off x="0" y="0"/>
-          <a:ext cx="0" cy="0"/>
-          <a:chOff x="0" y="0"/>
-          <a:chExt cx="0" cy="0"/>
-        </a:xfrm>
-      </p:grpSpPr>
-      <p:sp>
-        <p:nvSpPr>
-          <p:cNvPr id="185" name="Shape 185"/>
-          <p:cNvSpPr/>
-          <p:nvPr>
-            <p:ph type="title"/>
-          </p:nvPr>
-        </p:nvSpPr>
-        <p:spPr>
-          <a:prstGeom prst="rect">
-            <a:avLst/>
-          </a:prstGeom>
-        </p:spPr>
-        <p:txBody>
-          <a:bodyPr/>
-          <a:lstStyle/>
-          <a:p>
-            <a:pPr/>
-            <a:r>
-              <a:t>Forms Lab 2</a:t>
-            </a:r>
-          </a:p>
-        </p:txBody>
-      </p:sp>
-      <p:sp>
-        <p:nvSpPr>
-          <p:cNvPr id="186" name="Shape 186"/>
-          <p:cNvSpPr/>
-          <p:nvPr>
-            <p:ph type="body" idx="1"/>
-          </p:nvPr>
-        </p:nvSpPr>
-        <p:spPr>
-          <a:prstGeom prst="rect">
-            <a:avLst/>
-          </a:prstGeom>
-        </p:spPr>
-        <p:txBody>
-          <a:bodyPr anchor="t"/>
-          <a:lstStyle/>
-          <a:p>
-            <a:pPr/>
-            <a:r>
-              <a:t>Hook up &lt;input&gt;</a:t>
-            </a:r>
-          </a:p>
-        </p:txBody>
-      </p:sp>
-    </p:spTree>
-  </p:cSld>
-  <p:clrMapOvr>
-    <a:masterClrMapping/>
-  </p:clrMapOvr>
-  <p:transition xmlns:p14="http://schemas.microsoft.com/office/powerpoint/2010/main" spd="med" advClick="1"/>
-</p:sld>
-</file>
-
-<file path=ppt/slides/slide24.xml><?xml version="1.0" encoding="utf-8"?>
-<p:sld xmlns:a="http://schemas.openxmlformats.org/drawingml/2006/main" xmlns:r="http://schemas.openxmlformats.org/officeDocument/2006/relationships" xmlns:p="http://schemas.openxmlformats.org/presentationml/2006/main" showMasterSp="1" showMasterPhAnim="1">
-  <p:cSld>
-    <p:spTree>
-      <p:nvGrpSpPr>
-        <p:cNvPr id="1" name=""/>
-        <p:cNvGrpSpPr/>
-        <p:nvPr/>
-      </p:nvGrpSpPr>
-      <p:grpSpPr>
-        <a:xfrm>
-          <a:off x="0" y="0"/>
-          <a:ext cx="0" cy="0"/>
-          <a:chOff x="0" y="0"/>
-          <a:chExt cx="0" cy="0"/>
-        </a:xfrm>
-      </p:grpSpPr>
-      <p:sp>
-        <p:nvSpPr>
-          <p:cNvPr id="188" name="Shape 188"/>
-          <p:cNvSpPr/>
-          <p:nvPr>
-            <p:ph type="title"/>
-          </p:nvPr>
-        </p:nvSpPr>
-        <p:spPr>
-          <a:prstGeom prst="rect">
-            <a:avLst/>
-          </a:prstGeom>
-        </p:spPr>
-        <p:txBody>
-          <a:bodyPr/>
-          <a:lstStyle/>
-          <a:p>
-            <a:pPr/>
-            <a:r>
-              <a:t>Forms</a:t>
-            </a:r>
-          </a:p>
-        </p:txBody>
-      </p:sp>
-      <p:sp>
-        <p:nvSpPr>
-          <p:cNvPr id="189" name="Shape 189"/>
           <p:cNvSpPr/>
           <p:nvPr>
             <p:ph type="body" idx="1"/>
@@ -6813,36 +6645,520 @@
           <a:bodyPr anchor="t"/>
           <a:lstStyle/>
           <a:p>
-            <a:pPr marL="0" indent="0">
+            <a:pPr marL="0" indent="0" defTabSz="496570">
+              <a:spcBef>
+                <a:spcPts val="3500"/>
+              </a:spcBef>
               <a:buSzTx/>
               <a:buNone/>
+              <a:defRPr sz="3230"/>
             </a:pPr>
             <a:r>
-              <a:t>Custom Pipes Best Practices</a:t>
-            </a:r>
-          </a:p>
-          <a:p>
-            <a:pPr/>
-            <a:r>
-              <a:t>Simplicity</a:t>
-            </a:r>
-          </a:p>
-          <a:p>
-            <a:pPr/>
-            <a:r>
-              <a:t>No side effects</a:t>
-            </a:r>
-          </a:p>
-          <a:p>
-            <a:pPr/>
-            <a:r>
-              <a:t>A pipe should not "do" anything</a:t>
-            </a:r>
-          </a:p>
-          <a:p>
-            <a:pPr/>
-            <a:r>
-              <a:t>When in doubt, use Component methods</a:t>
+              <a:t>Custom Pipe</a:t>
+            </a:r>
+          </a:p>
+          <a:p>
+            <a:pPr marL="0" indent="0" defTabSz="388620">
+              <a:spcBef>
+                <a:spcPts val="0"/>
+              </a:spcBef>
+              <a:buSzTx/>
+              <a:buNone/>
+              <a:tabLst>
+                <a:tab pos="292100" algn="l"/>
+                <a:tab pos="596900" algn="l"/>
+                <a:tab pos="901700" algn="l"/>
+                <a:tab pos="1206500" algn="l"/>
+                <a:tab pos="1511300" algn="l"/>
+                <a:tab pos="1803400" algn="l"/>
+                <a:tab pos="2108200" algn="l"/>
+                <a:tab pos="2413000" algn="l"/>
+                <a:tab pos="2717800" algn="l"/>
+                <a:tab pos="3022600" algn="l"/>
+                <a:tab pos="3314700" algn="l"/>
+                <a:tab pos="3619500" algn="l"/>
+              </a:tabLst>
+              <a:defRPr sz="1530">
+                <a:solidFill>
+                  <a:srgbClr val="F4F4F4"/>
+                </a:solidFill>
+                <a:latin typeface="Monaco"/>
+                <a:ea typeface="Monaco"/>
+                <a:cs typeface="Monaco"/>
+                <a:sym typeface="Monaco"/>
+              </a:defRPr>
+            </a:pPr>
+          </a:p>
+          <a:p>
+            <a:pPr marL="0" indent="0" defTabSz="388620">
+              <a:spcBef>
+                <a:spcPts val="0"/>
+              </a:spcBef>
+              <a:buSzTx/>
+              <a:buNone/>
+              <a:tabLst>
+                <a:tab pos="292100" algn="l"/>
+                <a:tab pos="596900" algn="l"/>
+                <a:tab pos="901700" algn="l"/>
+                <a:tab pos="1206500" algn="l"/>
+                <a:tab pos="1511300" algn="l"/>
+                <a:tab pos="1803400" algn="l"/>
+                <a:tab pos="2108200" algn="l"/>
+                <a:tab pos="2413000" algn="l"/>
+                <a:tab pos="2717800" algn="l"/>
+                <a:tab pos="3022600" algn="l"/>
+                <a:tab pos="3314700" algn="l"/>
+                <a:tab pos="3619500" algn="l"/>
+              </a:tabLst>
+              <a:defRPr sz="1785">
+                <a:solidFill>
+                  <a:srgbClr val="F4F4F4"/>
+                </a:solidFill>
+                <a:latin typeface="Monaco"/>
+                <a:ea typeface="Monaco"/>
+                <a:cs typeface="Monaco"/>
+                <a:sym typeface="Monaco"/>
+              </a:defRPr>
+            </a:pPr>
+            <a:r>
+              <a:rPr>
+                <a:solidFill>
+                  <a:srgbClr val="D53BD3"/>
+                </a:solidFill>
+              </a:rPr>
+              <a:t>import</a:t>
+            </a:r>
+            <a:r>
+              <a:t> { Pipe, PipeTransform } </a:t>
+            </a:r>
+            <a:r>
+              <a:rPr>
+                <a:solidFill>
+                  <a:srgbClr val="D53BD3"/>
+                </a:solidFill>
+              </a:rPr>
+              <a:t>from</a:t>
+            </a:r>
+            <a:r>
+              <a:t> </a:t>
+            </a:r>
+            <a:r>
+              <a:rPr>
+                <a:solidFill>
+                  <a:srgbClr val="C33720"/>
+                </a:solidFill>
+              </a:rPr>
+              <a:t>'@angular/core'</a:t>
+            </a:r>
+            <a:r>
+              <a:t>;                                  </a:t>
+            </a:r>
+          </a:p>
+          <a:p>
+            <a:pPr marL="0" indent="0" defTabSz="388620">
+              <a:spcBef>
+                <a:spcPts val="0"/>
+              </a:spcBef>
+              <a:buSzTx/>
+              <a:buNone/>
+              <a:tabLst>
+                <a:tab pos="292100" algn="l"/>
+                <a:tab pos="596900" algn="l"/>
+                <a:tab pos="901700" algn="l"/>
+                <a:tab pos="1206500" algn="l"/>
+                <a:tab pos="1511300" algn="l"/>
+                <a:tab pos="1803400" algn="l"/>
+                <a:tab pos="2108200" algn="l"/>
+                <a:tab pos="2413000" algn="l"/>
+                <a:tab pos="2717800" algn="l"/>
+                <a:tab pos="3022600" algn="l"/>
+                <a:tab pos="3314700" algn="l"/>
+                <a:tab pos="3619500" algn="l"/>
+              </a:tabLst>
+              <a:defRPr sz="1785">
+                <a:solidFill>
+                  <a:srgbClr val="F4F4F4"/>
+                </a:solidFill>
+                <a:latin typeface="Monaco"/>
+                <a:ea typeface="Monaco"/>
+                <a:cs typeface="Monaco"/>
+                <a:sym typeface="Monaco"/>
+              </a:defRPr>
+            </a:pPr>
+          </a:p>
+          <a:p>
+            <a:pPr marL="0" indent="0" defTabSz="388620">
+              <a:spcBef>
+                <a:spcPts val="0"/>
+              </a:spcBef>
+              <a:buSzTx/>
+              <a:buNone/>
+              <a:tabLst>
+                <a:tab pos="292100" algn="l"/>
+                <a:tab pos="596900" algn="l"/>
+                <a:tab pos="901700" algn="l"/>
+                <a:tab pos="1206500" algn="l"/>
+                <a:tab pos="1511300" algn="l"/>
+                <a:tab pos="1803400" algn="l"/>
+                <a:tab pos="2108200" algn="l"/>
+                <a:tab pos="2413000" algn="l"/>
+                <a:tab pos="2717800" algn="l"/>
+                <a:tab pos="3022600" algn="l"/>
+                <a:tab pos="3314700" algn="l"/>
+                <a:tab pos="3619500" algn="l"/>
+              </a:tabLst>
+              <a:defRPr sz="1785">
+                <a:solidFill>
+                  <a:srgbClr val="C33720"/>
+                </a:solidFill>
+                <a:latin typeface="Monaco"/>
+                <a:ea typeface="Monaco"/>
+                <a:cs typeface="Monaco"/>
+                <a:sym typeface="Monaco"/>
+              </a:defRPr>
+            </a:pPr>
+            <a:r>
+              <a:rPr>
+                <a:solidFill>
+                  <a:srgbClr val="D53BD3"/>
+                </a:solidFill>
+              </a:rPr>
+              <a:t>@</a:t>
+            </a:r>
+            <a:r>
+              <a:rPr>
+                <a:solidFill>
+                  <a:srgbClr val="34BBC8"/>
+                </a:solidFill>
+              </a:rPr>
+              <a:t>Pipe</a:t>
+            </a:r>
+            <a:r>
+              <a:rPr>
+                <a:solidFill>
+                  <a:srgbClr val="F4F4F4"/>
+                </a:solidFill>
+              </a:rPr>
+              <a:t>({ name: </a:t>
+            </a:r>
+            <a:r>
+              <a:t>'artistBirthdate'</a:t>
+            </a:r>
+            <a:r>
+              <a:rPr>
+                <a:solidFill>
+                  <a:srgbClr val="F4F4F4"/>
+                </a:solidFill>
+              </a:rPr>
+              <a:t> })</a:t>
+            </a:r>
+            <a:endParaRPr>
+              <a:solidFill>
+                <a:srgbClr val="F4F4F4"/>
+              </a:solidFill>
+            </a:endParaRPr>
+          </a:p>
+          <a:p>
+            <a:pPr marL="0" indent="0" defTabSz="388620">
+              <a:spcBef>
+                <a:spcPts val="0"/>
+              </a:spcBef>
+              <a:buSzTx/>
+              <a:buNone/>
+              <a:tabLst>
+                <a:tab pos="292100" algn="l"/>
+                <a:tab pos="596900" algn="l"/>
+                <a:tab pos="901700" algn="l"/>
+                <a:tab pos="1206500" algn="l"/>
+                <a:tab pos="1511300" algn="l"/>
+                <a:tab pos="1803400" algn="l"/>
+                <a:tab pos="2108200" algn="l"/>
+                <a:tab pos="2413000" algn="l"/>
+                <a:tab pos="2717800" algn="l"/>
+                <a:tab pos="3022600" algn="l"/>
+                <a:tab pos="3314700" algn="l"/>
+                <a:tab pos="3619500" algn="l"/>
+              </a:tabLst>
+              <a:defRPr sz="1785">
+                <a:solidFill>
+                  <a:srgbClr val="F4F4F4"/>
+                </a:solidFill>
+                <a:latin typeface="Monaco"/>
+                <a:ea typeface="Monaco"/>
+                <a:cs typeface="Monaco"/>
+                <a:sym typeface="Monaco"/>
+              </a:defRPr>
+            </a:pPr>
+            <a:r>
+              <a:rPr>
+                <a:solidFill>
+                  <a:srgbClr val="D53BD3"/>
+                </a:solidFill>
+              </a:rPr>
+              <a:t>export</a:t>
+            </a:r>
+            <a:r>
+              <a:t> </a:t>
+            </a:r>
+            <a:r>
+              <a:rPr>
+                <a:solidFill>
+                  <a:srgbClr val="CD7923"/>
+                </a:solidFill>
+              </a:rPr>
+              <a:t>class</a:t>
+            </a:r>
+            <a:r>
+              <a:rPr>
+                <a:solidFill>
+                  <a:srgbClr val="34BBC8"/>
+                </a:solidFill>
+              </a:rPr>
+              <a:t> ArtistBirthdayPipe </a:t>
+            </a:r>
+            <a:r>
+              <a:t>implements</a:t>
+            </a:r>
+            <a:r>
+              <a:rPr>
+                <a:solidFill>
+                  <a:srgbClr val="34BBC8"/>
+                </a:solidFill>
+              </a:rPr>
+              <a:t> PipeTransform </a:t>
+            </a:r>
+            <a:r>
+              <a:t>{                            </a:t>
+            </a:r>
+          </a:p>
+          <a:p>
+            <a:pPr marL="0" indent="0" defTabSz="388620">
+              <a:spcBef>
+                <a:spcPts val="0"/>
+              </a:spcBef>
+              <a:buSzTx/>
+              <a:buNone/>
+              <a:tabLst>
+                <a:tab pos="292100" algn="l"/>
+                <a:tab pos="596900" algn="l"/>
+                <a:tab pos="901700" algn="l"/>
+                <a:tab pos="1206500" algn="l"/>
+                <a:tab pos="1511300" algn="l"/>
+                <a:tab pos="1803400" algn="l"/>
+                <a:tab pos="2108200" algn="l"/>
+                <a:tab pos="2413000" algn="l"/>
+                <a:tab pos="2717800" algn="l"/>
+                <a:tab pos="3022600" algn="l"/>
+                <a:tab pos="3314700" algn="l"/>
+                <a:tab pos="3619500" algn="l"/>
+              </a:tabLst>
+              <a:defRPr sz="1785">
+                <a:solidFill>
+                  <a:srgbClr val="F4F4F4"/>
+                </a:solidFill>
+                <a:latin typeface="Monaco"/>
+                <a:ea typeface="Monaco"/>
+                <a:cs typeface="Monaco"/>
+                <a:sym typeface="Monaco"/>
+              </a:defRPr>
+            </a:pPr>
+            <a:r>
+              <a:t>  </a:t>
+            </a:r>
+            <a:r>
+              <a:rPr>
+                <a:solidFill>
+                  <a:srgbClr val="34BBC8"/>
+                </a:solidFill>
+              </a:rPr>
+              <a:t>transform</a:t>
+            </a:r>
+            <a:r>
+              <a:t>( birthdate: string ) {</a:t>
+            </a:r>
+          </a:p>
+          <a:p>
+            <a:pPr marL="0" indent="0" defTabSz="388620">
+              <a:spcBef>
+                <a:spcPts val="0"/>
+              </a:spcBef>
+              <a:buSzTx/>
+              <a:buNone/>
+              <a:tabLst>
+                <a:tab pos="292100" algn="l"/>
+                <a:tab pos="596900" algn="l"/>
+                <a:tab pos="901700" algn="l"/>
+                <a:tab pos="1206500" algn="l"/>
+                <a:tab pos="1511300" algn="l"/>
+                <a:tab pos="1803400" algn="l"/>
+                <a:tab pos="2108200" algn="l"/>
+                <a:tab pos="2413000" algn="l"/>
+                <a:tab pos="2717800" algn="l"/>
+                <a:tab pos="3022600" algn="l"/>
+                <a:tab pos="3314700" algn="l"/>
+                <a:tab pos="3619500" algn="l"/>
+              </a:tabLst>
+              <a:defRPr sz="1785">
+                <a:solidFill>
+                  <a:srgbClr val="F4F4F4"/>
+                </a:solidFill>
+                <a:latin typeface="Monaco"/>
+                <a:ea typeface="Monaco"/>
+                <a:cs typeface="Monaco"/>
+                <a:sym typeface="Monaco"/>
+              </a:defRPr>
+            </a:pPr>
+            <a:r>
+              <a:t>    </a:t>
+            </a:r>
+            <a:r>
+              <a:rPr>
+                <a:solidFill>
+                  <a:srgbClr val="CD7923"/>
+                </a:solidFill>
+              </a:rPr>
+              <a:t>return</a:t>
+            </a:r>
+            <a:r>
+              <a:t> ( birthdate ) </a:t>
+            </a:r>
+            <a:r>
+              <a:rPr>
+                <a:solidFill>
+                  <a:srgbClr val="CD7923"/>
+                </a:solidFill>
+              </a:rPr>
+              <a:t>?</a:t>
+            </a:r>
+            <a:r>
+              <a:t> birthdate </a:t>
+            </a:r>
+            <a:r>
+              <a:rPr>
+                <a:solidFill>
+                  <a:srgbClr val="CD7923"/>
+                </a:solidFill>
+              </a:rPr>
+              <a:t>:</a:t>
+            </a:r>
+            <a:r>
+              <a:t> </a:t>
+            </a:r>
+            <a:r>
+              <a:rPr>
+                <a:solidFill>
+                  <a:srgbClr val="C33720"/>
+                </a:solidFill>
+              </a:rPr>
+              <a:t>'N/A'</a:t>
+            </a:r>
+            <a:r>
+              <a:t>;</a:t>
+            </a:r>
+          </a:p>
+          <a:p>
+            <a:pPr marL="0" indent="0" defTabSz="388620">
+              <a:spcBef>
+                <a:spcPts val="0"/>
+              </a:spcBef>
+              <a:buSzTx/>
+              <a:buNone/>
+              <a:tabLst>
+                <a:tab pos="292100" algn="l"/>
+                <a:tab pos="596900" algn="l"/>
+                <a:tab pos="901700" algn="l"/>
+                <a:tab pos="1206500" algn="l"/>
+                <a:tab pos="1511300" algn="l"/>
+                <a:tab pos="1803400" algn="l"/>
+                <a:tab pos="2108200" algn="l"/>
+                <a:tab pos="2413000" algn="l"/>
+                <a:tab pos="2717800" algn="l"/>
+                <a:tab pos="3022600" algn="l"/>
+                <a:tab pos="3314700" algn="l"/>
+                <a:tab pos="3619500" algn="l"/>
+              </a:tabLst>
+              <a:defRPr sz="1785">
+                <a:solidFill>
+                  <a:srgbClr val="F4F4F4"/>
+                </a:solidFill>
+                <a:latin typeface="Monaco"/>
+                <a:ea typeface="Monaco"/>
+                <a:cs typeface="Monaco"/>
+                <a:sym typeface="Monaco"/>
+              </a:defRPr>
+            </a:pPr>
+            <a:r>
+              <a:t>  }</a:t>
+            </a:r>
+          </a:p>
+          <a:p>
+            <a:pPr marL="0" indent="0" defTabSz="388620">
+              <a:spcBef>
+                <a:spcPts val="0"/>
+              </a:spcBef>
+              <a:buSzTx/>
+              <a:buNone/>
+              <a:tabLst>
+                <a:tab pos="292100" algn="l"/>
+                <a:tab pos="596900" algn="l"/>
+                <a:tab pos="901700" algn="l"/>
+                <a:tab pos="1206500" algn="l"/>
+                <a:tab pos="1511300" algn="l"/>
+                <a:tab pos="1803400" algn="l"/>
+                <a:tab pos="2108200" algn="l"/>
+                <a:tab pos="2413000" algn="l"/>
+                <a:tab pos="2717800" algn="l"/>
+                <a:tab pos="3022600" algn="l"/>
+                <a:tab pos="3314700" algn="l"/>
+                <a:tab pos="3619500" algn="l"/>
+              </a:tabLst>
+              <a:defRPr sz="1785">
+                <a:solidFill>
+                  <a:srgbClr val="F4F4F4"/>
+                </a:solidFill>
+                <a:latin typeface="Monaco"/>
+                <a:ea typeface="Monaco"/>
+                <a:cs typeface="Monaco"/>
+                <a:sym typeface="Monaco"/>
+              </a:defRPr>
+            </a:pPr>
+            <a:r>
+              <a:t>}</a:t>
+            </a:r>
+          </a:p>
+          <a:p>
+            <a:pPr marL="0" indent="0" defTabSz="496570">
+              <a:spcBef>
+                <a:spcPts val="3500"/>
+              </a:spcBef>
+              <a:buSzTx/>
+              <a:buNone/>
+              <a:defRPr sz="3230"/>
+            </a:pPr>
+            <a:r>
+              <a:t>"transform" method </a:t>
+            </a:r>
+          </a:p>
+          <a:p>
+            <a:pPr marL="377825" indent="-377825" defTabSz="496570">
+              <a:spcBef>
+                <a:spcPts val="3500"/>
+              </a:spcBef>
+              <a:defRPr sz="3230"/>
+            </a:pPr>
+            <a:r>
+              <a:t>Connects piped expression to function argument</a:t>
+            </a:r>
+          </a:p>
+          <a:p>
+            <a:pPr marL="377825" indent="-377825" defTabSz="496570">
+              <a:spcBef>
+                <a:spcPts val="3500"/>
+              </a:spcBef>
+              <a:defRPr sz="3230"/>
+            </a:pPr>
+            <a:r>
+              <a:t>Return value sent to next pipe or display</a:t>
             </a:r>
           </a:p>
         </p:txBody>
@@ -6892,7 +7208,7 @@
           <a:p>
             <a:pPr/>
             <a:r>
-              <a:t>Pipes</a:t>
+              <a:t>Lab: Builtin Pipe</a:t>
             </a:r>
           </a:p>
         </p:txBody>
@@ -6914,520 +7230,27 @@
           <a:bodyPr anchor="t"/>
           <a:lstStyle/>
           <a:p>
-            <a:pPr marL="0" indent="0" defTabSz="496570">
-              <a:spcBef>
-                <a:spcPts val="3500"/>
-              </a:spcBef>
-              <a:buSzTx/>
-              <a:buNone/>
-              <a:defRPr sz="3230"/>
-            </a:pPr>
-            <a:r>
-              <a:t>Custom Pipe</a:t>
-            </a:r>
-          </a:p>
-          <a:p>
-            <a:pPr marL="0" indent="0" defTabSz="388620">
-              <a:spcBef>
-                <a:spcPts val="0"/>
-              </a:spcBef>
-              <a:buSzTx/>
-              <a:buNone/>
-              <a:tabLst>
-                <a:tab pos="292100" algn="l"/>
-                <a:tab pos="596900" algn="l"/>
-                <a:tab pos="901700" algn="l"/>
-                <a:tab pos="1206500" algn="l"/>
-                <a:tab pos="1511300" algn="l"/>
-                <a:tab pos="1803400" algn="l"/>
-                <a:tab pos="2108200" algn="l"/>
-                <a:tab pos="2413000" algn="l"/>
-                <a:tab pos="2717800" algn="l"/>
-                <a:tab pos="3022600" algn="l"/>
-                <a:tab pos="3314700" algn="l"/>
-                <a:tab pos="3619500" algn="l"/>
-              </a:tabLst>
-              <a:defRPr sz="1530">
-                <a:solidFill>
-                  <a:srgbClr val="F4F4F4"/>
-                </a:solidFill>
-                <a:latin typeface="Monaco"/>
-                <a:ea typeface="Monaco"/>
-                <a:cs typeface="Monaco"/>
-                <a:sym typeface="Monaco"/>
-              </a:defRPr>
-            </a:pPr>
-          </a:p>
-          <a:p>
-            <a:pPr marL="0" indent="0" defTabSz="388620">
-              <a:spcBef>
-                <a:spcPts val="0"/>
-              </a:spcBef>
-              <a:buSzTx/>
-              <a:buNone/>
-              <a:tabLst>
-                <a:tab pos="292100" algn="l"/>
-                <a:tab pos="596900" algn="l"/>
-                <a:tab pos="901700" algn="l"/>
-                <a:tab pos="1206500" algn="l"/>
-                <a:tab pos="1511300" algn="l"/>
-                <a:tab pos="1803400" algn="l"/>
-                <a:tab pos="2108200" algn="l"/>
-                <a:tab pos="2413000" algn="l"/>
-                <a:tab pos="2717800" algn="l"/>
-                <a:tab pos="3022600" algn="l"/>
-                <a:tab pos="3314700" algn="l"/>
-                <a:tab pos="3619500" algn="l"/>
-              </a:tabLst>
-              <a:defRPr sz="1785">
-                <a:solidFill>
-                  <a:srgbClr val="F4F4F4"/>
-                </a:solidFill>
-                <a:latin typeface="Monaco"/>
-                <a:ea typeface="Monaco"/>
-                <a:cs typeface="Monaco"/>
-                <a:sym typeface="Monaco"/>
-              </a:defRPr>
-            </a:pPr>
-            <a:r>
-              <a:rPr>
-                <a:solidFill>
-                  <a:srgbClr val="D53BD3"/>
-                </a:solidFill>
-              </a:rPr>
-              <a:t>import</a:t>
-            </a:r>
-            <a:r>
-              <a:t> { Pipe, PipeTransform } </a:t>
-            </a:r>
-            <a:r>
-              <a:rPr>
-                <a:solidFill>
-                  <a:srgbClr val="D53BD3"/>
-                </a:solidFill>
-              </a:rPr>
-              <a:t>from</a:t>
-            </a:r>
-            <a:r>
-              <a:t> </a:t>
-            </a:r>
-            <a:r>
-              <a:rPr>
-                <a:solidFill>
-                  <a:srgbClr val="C33720"/>
-                </a:solidFill>
-              </a:rPr>
-              <a:t>'@angular/core'</a:t>
-            </a:r>
-            <a:r>
-              <a:t>;                                  </a:t>
-            </a:r>
-          </a:p>
-          <a:p>
-            <a:pPr marL="0" indent="0" defTabSz="388620">
-              <a:spcBef>
-                <a:spcPts val="0"/>
-              </a:spcBef>
-              <a:buSzTx/>
-              <a:buNone/>
-              <a:tabLst>
-                <a:tab pos="292100" algn="l"/>
-                <a:tab pos="596900" algn="l"/>
-                <a:tab pos="901700" algn="l"/>
-                <a:tab pos="1206500" algn="l"/>
-                <a:tab pos="1511300" algn="l"/>
-                <a:tab pos="1803400" algn="l"/>
-                <a:tab pos="2108200" algn="l"/>
-                <a:tab pos="2413000" algn="l"/>
-                <a:tab pos="2717800" algn="l"/>
-                <a:tab pos="3022600" algn="l"/>
-                <a:tab pos="3314700" algn="l"/>
-                <a:tab pos="3619500" algn="l"/>
-              </a:tabLst>
-              <a:defRPr sz="1785">
-                <a:solidFill>
-                  <a:srgbClr val="F4F4F4"/>
-                </a:solidFill>
-                <a:latin typeface="Monaco"/>
-                <a:ea typeface="Monaco"/>
-                <a:cs typeface="Monaco"/>
-                <a:sym typeface="Monaco"/>
-              </a:defRPr>
-            </a:pPr>
-          </a:p>
-          <a:p>
-            <a:pPr marL="0" indent="0" defTabSz="388620">
-              <a:spcBef>
-                <a:spcPts val="0"/>
-              </a:spcBef>
-              <a:buSzTx/>
-              <a:buNone/>
-              <a:tabLst>
-                <a:tab pos="292100" algn="l"/>
-                <a:tab pos="596900" algn="l"/>
-                <a:tab pos="901700" algn="l"/>
-                <a:tab pos="1206500" algn="l"/>
-                <a:tab pos="1511300" algn="l"/>
-                <a:tab pos="1803400" algn="l"/>
-                <a:tab pos="2108200" algn="l"/>
-                <a:tab pos="2413000" algn="l"/>
-                <a:tab pos="2717800" algn="l"/>
-                <a:tab pos="3022600" algn="l"/>
-                <a:tab pos="3314700" algn="l"/>
-                <a:tab pos="3619500" algn="l"/>
-              </a:tabLst>
-              <a:defRPr sz="1785">
-                <a:solidFill>
-                  <a:srgbClr val="C33720"/>
-                </a:solidFill>
-                <a:latin typeface="Monaco"/>
-                <a:ea typeface="Monaco"/>
-                <a:cs typeface="Monaco"/>
-                <a:sym typeface="Monaco"/>
-              </a:defRPr>
-            </a:pPr>
-            <a:r>
-              <a:rPr>
-                <a:solidFill>
-                  <a:srgbClr val="D53BD3"/>
-                </a:solidFill>
-              </a:rPr>
-              <a:t>@</a:t>
-            </a:r>
-            <a:r>
-              <a:rPr>
-                <a:solidFill>
-                  <a:srgbClr val="34BBC8"/>
-                </a:solidFill>
-              </a:rPr>
-              <a:t>Pipe</a:t>
-            </a:r>
-            <a:r>
-              <a:rPr>
-                <a:solidFill>
-                  <a:srgbClr val="F4F4F4"/>
-                </a:solidFill>
-              </a:rPr>
-              <a:t>({ name: </a:t>
-            </a:r>
-            <a:r>
-              <a:t>'artistBirthdate'</a:t>
-            </a:r>
-            <a:r>
-              <a:rPr>
-                <a:solidFill>
-                  <a:srgbClr val="F4F4F4"/>
-                </a:solidFill>
-              </a:rPr>
-              <a:t> })</a:t>
-            </a:r>
-            <a:endParaRPr>
-              <a:solidFill>
-                <a:srgbClr val="F4F4F4"/>
-              </a:solidFill>
-            </a:endParaRPr>
-          </a:p>
-          <a:p>
-            <a:pPr marL="0" indent="0" defTabSz="388620">
-              <a:spcBef>
-                <a:spcPts val="0"/>
-              </a:spcBef>
-              <a:buSzTx/>
-              <a:buNone/>
-              <a:tabLst>
-                <a:tab pos="292100" algn="l"/>
-                <a:tab pos="596900" algn="l"/>
-                <a:tab pos="901700" algn="l"/>
-                <a:tab pos="1206500" algn="l"/>
-                <a:tab pos="1511300" algn="l"/>
-                <a:tab pos="1803400" algn="l"/>
-                <a:tab pos="2108200" algn="l"/>
-                <a:tab pos="2413000" algn="l"/>
-                <a:tab pos="2717800" algn="l"/>
-                <a:tab pos="3022600" algn="l"/>
-                <a:tab pos="3314700" algn="l"/>
-                <a:tab pos="3619500" algn="l"/>
-              </a:tabLst>
-              <a:defRPr sz="1785">
-                <a:solidFill>
-                  <a:srgbClr val="F4F4F4"/>
-                </a:solidFill>
-                <a:latin typeface="Monaco"/>
-                <a:ea typeface="Monaco"/>
-                <a:cs typeface="Monaco"/>
-                <a:sym typeface="Monaco"/>
-              </a:defRPr>
-            </a:pPr>
-            <a:r>
-              <a:rPr>
-                <a:solidFill>
-                  <a:srgbClr val="D53BD3"/>
-                </a:solidFill>
-              </a:rPr>
-              <a:t>export</a:t>
-            </a:r>
-            <a:r>
-              <a:t> </a:t>
-            </a:r>
-            <a:r>
-              <a:rPr>
-                <a:solidFill>
-                  <a:srgbClr val="CD7923"/>
-                </a:solidFill>
-              </a:rPr>
-              <a:t>class</a:t>
-            </a:r>
-            <a:r>
-              <a:rPr>
-                <a:solidFill>
-                  <a:srgbClr val="34BBC8"/>
-                </a:solidFill>
-              </a:rPr>
-              <a:t> ArtistBirthdayPipe </a:t>
-            </a:r>
-            <a:r>
-              <a:t>implements</a:t>
-            </a:r>
-            <a:r>
-              <a:rPr>
-                <a:solidFill>
-                  <a:srgbClr val="34BBC8"/>
-                </a:solidFill>
-              </a:rPr>
-              <a:t> PipeTransform </a:t>
-            </a:r>
-            <a:r>
-              <a:t>{                            </a:t>
-            </a:r>
-          </a:p>
-          <a:p>
-            <a:pPr marL="0" indent="0" defTabSz="388620">
-              <a:spcBef>
-                <a:spcPts val="0"/>
-              </a:spcBef>
-              <a:buSzTx/>
-              <a:buNone/>
-              <a:tabLst>
-                <a:tab pos="292100" algn="l"/>
-                <a:tab pos="596900" algn="l"/>
-                <a:tab pos="901700" algn="l"/>
-                <a:tab pos="1206500" algn="l"/>
-                <a:tab pos="1511300" algn="l"/>
-                <a:tab pos="1803400" algn="l"/>
-                <a:tab pos="2108200" algn="l"/>
-                <a:tab pos="2413000" algn="l"/>
-                <a:tab pos="2717800" algn="l"/>
-                <a:tab pos="3022600" algn="l"/>
-                <a:tab pos="3314700" algn="l"/>
-                <a:tab pos="3619500" algn="l"/>
-              </a:tabLst>
-              <a:defRPr sz="1785">
-                <a:solidFill>
-                  <a:srgbClr val="F4F4F4"/>
-                </a:solidFill>
-                <a:latin typeface="Monaco"/>
-                <a:ea typeface="Monaco"/>
-                <a:cs typeface="Monaco"/>
-                <a:sym typeface="Monaco"/>
-              </a:defRPr>
-            </a:pPr>
-            <a:r>
-              <a:t>  </a:t>
-            </a:r>
-            <a:r>
-              <a:rPr>
-                <a:solidFill>
-                  <a:srgbClr val="34BBC8"/>
-                </a:solidFill>
-              </a:rPr>
-              <a:t>transform</a:t>
-            </a:r>
-            <a:r>
-              <a:t>( birthdate: string ) {</a:t>
-            </a:r>
-          </a:p>
-          <a:p>
-            <a:pPr marL="0" indent="0" defTabSz="388620">
-              <a:spcBef>
-                <a:spcPts val="0"/>
-              </a:spcBef>
-              <a:buSzTx/>
-              <a:buNone/>
-              <a:tabLst>
-                <a:tab pos="292100" algn="l"/>
-                <a:tab pos="596900" algn="l"/>
-                <a:tab pos="901700" algn="l"/>
-                <a:tab pos="1206500" algn="l"/>
-                <a:tab pos="1511300" algn="l"/>
-                <a:tab pos="1803400" algn="l"/>
-                <a:tab pos="2108200" algn="l"/>
-                <a:tab pos="2413000" algn="l"/>
-                <a:tab pos="2717800" algn="l"/>
-                <a:tab pos="3022600" algn="l"/>
-                <a:tab pos="3314700" algn="l"/>
-                <a:tab pos="3619500" algn="l"/>
-              </a:tabLst>
-              <a:defRPr sz="1785">
-                <a:solidFill>
-                  <a:srgbClr val="F4F4F4"/>
-                </a:solidFill>
-                <a:latin typeface="Monaco"/>
-                <a:ea typeface="Monaco"/>
-                <a:cs typeface="Monaco"/>
-                <a:sym typeface="Monaco"/>
-              </a:defRPr>
-            </a:pPr>
-            <a:r>
-              <a:t>    </a:t>
-            </a:r>
-            <a:r>
-              <a:rPr>
-                <a:solidFill>
-                  <a:srgbClr val="CD7923"/>
-                </a:solidFill>
-              </a:rPr>
-              <a:t>return</a:t>
-            </a:r>
-            <a:r>
-              <a:t> ( birthdate ) </a:t>
-            </a:r>
-            <a:r>
-              <a:rPr>
-                <a:solidFill>
-                  <a:srgbClr val="CD7923"/>
-                </a:solidFill>
-              </a:rPr>
-              <a:t>?</a:t>
-            </a:r>
-            <a:r>
-              <a:t> birthdate </a:t>
-            </a:r>
-            <a:r>
-              <a:rPr>
-                <a:solidFill>
-                  <a:srgbClr val="CD7923"/>
-                </a:solidFill>
-              </a:rPr>
-              <a:t>:</a:t>
-            </a:r>
-            <a:r>
-              <a:t> </a:t>
-            </a:r>
-            <a:r>
-              <a:rPr>
-                <a:solidFill>
-                  <a:srgbClr val="C33720"/>
-                </a:solidFill>
-              </a:rPr>
-              <a:t>'N/A'</a:t>
-            </a:r>
-            <a:r>
-              <a:t>;</a:t>
-            </a:r>
-          </a:p>
-          <a:p>
-            <a:pPr marL="0" indent="0" defTabSz="388620">
-              <a:spcBef>
-                <a:spcPts val="0"/>
-              </a:spcBef>
-              <a:buSzTx/>
-              <a:buNone/>
-              <a:tabLst>
-                <a:tab pos="292100" algn="l"/>
-                <a:tab pos="596900" algn="l"/>
-                <a:tab pos="901700" algn="l"/>
-                <a:tab pos="1206500" algn="l"/>
-                <a:tab pos="1511300" algn="l"/>
-                <a:tab pos="1803400" algn="l"/>
-                <a:tab pos="2108200" algn="l"/>
-                <a:tab pos="2413000" algn="l"/>
-                <a:tab pos="2717800" algn="l"/>
-                <a:tab pos="3022600" algn="l"/>
-                <a:tab pos="3314700" algn="l"/>
-                <a:tab pos="3619500" algn="l"/>
-              </a:tabLst>
-              <a:defRPr sz="1785">
-                <a:solidFill>
-                  <a:srgbClr val="F4F4F4"/>
-                </a:solidFill>
-                <a:latin typeface="Monaco"/>
-                <a:ea typeface="Monaco"/>
-                <a:cs typeface="Monaco"/>
-                <a:sym typeface="Monaco"/>
-              </a:defRPr>
-            </a:pPr>
-            <a:r>
-              <a:t>  }</a:t>
-            </a:r>
-          </a:p>
-          <a:p>
-            <a:pPr marL="0" indent="0" defTabSz="388620">
-              <a:spcBef>
-                <a:spcPts val="0"/>
-              </a:spcBef>
-              <a:buSzTx/>
-              <a:buNone/>
-              <a:tabLst>
-                <a:tab pos="292100" algn="l"/>
-                <a:tab pos="596900" algn="l"/>
-                <a:tab pos="901700" algn="l"/>
-                <a:tab pos="1206500" algn="l"/>
-                <a:tab pos="1511300" algn="l"/>
-                <a:tab pos="1803400" algn="l"/>
-                <a:tab pos="2108200" algn="l"/>
-                <a:tab pos="2413000" algn="l"/>
-                <a:tab pos="2717800" algn="l"/>
-                <a:tab pos="3022600" algn="l"/>
-                <a:tab pos="3314700" algn="l"/>
-                <a:tab pos="3619500" algn="l"/>
-              </a:tabLst>
-              <a:defRPr sz="1785">
-                <a:solidFill>
-                  <a:srgbClr val="F4F4F4"/>
-                </a:solidFill>
-                <a:latin typeface="Monaco"/>
-                <a:ea typeface="Monaco"/>
-                <a:cs typeface="Monaco"/>
-                <a:sym typeface="Monaco"/>
-              </a:defRPr>
-            </a:pPr>
-            <a:r>
-              <a:t>}</a:t>
-            </a:r>
-          </a:p>
-          <a:p>
-            <a:pPr marL="0" indent="0" defTabSz="496570">
-              <a:spcBef>
-                <a:spcPts val="3500"/>
-              </a:spcBef>
-              <a:buSzTx/>
-              <a:buNone/>
-              <a:defRPr sz="3230"/>
-            </a:pPr>
-            <a:r>
-              <a:t>"transform" method </a:t>
-            </a:r>
-          </a:p>
-          <a:p>
-            <a:pPr marL="377825" indent="-377825" defTabSz="496570">
-              <a:spcBef>
-                <a:spcPts val="3500"/>
-              </a:spcBef>
-              <a:defRPr sz="3230"/>
-            </a:pPr>
-            <a:r>
-              <a:t>Connects piped expression to function argument</a:t>
-            </a:r>
-          </a:p>
-          <a:p>
-            <a:pPr marL="377825" indent="-377825" defTabSz="496570">
-              <a:spcBef>
-                <a:spcPts val="3500"/>
-              </a:spcBef>
-              <a:defRPr sz="3230"/>
-            </a:pPr>
-            <a:r>
-              <a:t>Return value sent to next pipe or display</a:t>
+            <a:pPr/>
+            <a:r>
+              <a:t>Add a birthdate to Artist </a:t>
+            </a:r>
+          </a:p>
+          <a:p>
+            <a:pPr lvl="1"/>
+            <a:r>
+              <a:t>Class ( make optional )</a:t>
+            </a:r>
+          </a:p>
+          <a:p>
+            <a:pPr lvl="1"/>
+            <a:r>
+              <a:t>Component &amp; template</a:t>
+            </a:r>
+          </a:p>
+          <a:p>
+            <a:pPr/>
+            <a:r>
+              <a:t>Format birthdate using date:format</a:t>
             </a:r>
           </a:p>
         </p:txBody>

--- a/slides/2.0/Angular 2.0 Slides Day 4.pptx
+++ b/slides/2.0/Angular 2.0 Slides Day 4.pptx
@@ -531,8 +531,8 @@
       </p:grpSpPr>
       <p:sp>
         <p:nvSpPr>
-          <p:cNvPr id="11" name="Shape 11"/>
-          <p:cNvSpPr/>
+          <p:cNvPr id="11" name="Title Text"/>
+          <p:cNvSpPr txBox="1"/>
           <p:nvPr>
             <p:ph type="title"/>
           </p:nvPr>
@@ -559,8 +559,8 @@
       </p:sp>
       <p:sp>
         <p:nvSpPr>
-          <p:cNvPr id="12" name="Shape 12"/>
-          <p:cNvSpPr/>
+          <p:cNvPr id="12" name="Body Level One…"/>
+          <p:cNvSpPr txBox="1"/>
           <p:nvPr>
             <p:ph type="body" sz="quarter" idx="1"/>
           </p:nvPr>
@@ -652,8 +652,8 @@
       </p:sp>
       <p:sp>
         <p:nvSpPr>
-          <p:cNvPr id="13" name="Shape 13"/>
-          <p:cNvSpPr/>
+          <p:cNvPr id="13" name="Slide Number"/>
+          <p:cNvSpPr txBox="1"/>
           <p:nvPr>
             <p:ph type="sldNum" sz="quarter" idx="2"/>
           </p:nvPr>
@@ -700,8 +700,8 @@
       </p:grpSpPr>
       <p:sp>
         <p:nvSpPr>
-          <p:cNvPr id="93" name="Shape 93"/>
-          <p:cNvSpPr/>
+          <p:cNvPr id="93" name="–Johnny Appleseed"/>
+          <p:cNvSpPr txBox="1"/>
           <p:nvPr>
             <p:ph type="body" sz="quarter" idx="13"/>
           </p:nvPr>
@@ -739,8 +739,8 @@
       </p:sp>
       <p:sp>
         <p:nvSpPr>
-          <p:cNvPr id="94" name="Shape 94"/>
-          <p:cNvSpPr/>
+          <p:cNvPr id="94" name="“Type a quote here.”"/>
+          <p:cNvSpPr txBox="1"/>
           <p:nvPr>
             <p:ph type="body" sz="quarter" idx="14"/>
           </p:nvPr>
@@ -777,8 +777,8 @@
       </p:sp>
       <p:sp>
         <p:nvSpPr>
-          <p:cNvPr id="95" name="Shape 95"/>
-          <p:cNvSpPr/>
+          <p:cNvPr id="95" name="Slide Number"/>
+          <p:cNvSpPr txBox="1"/>
           <p:nvPr>
             <p:ph type="sldNum" sz="quarter" idx="2"/>
           </p:nvPr>
@@ -825,7 +825,7 @@
       </p:grpSpPr>
       <p:sp>
         <p:nvSpPr>
-          <p:cNvPr id="102" name="Shape 102"/>
+          <p:cNvPr id="102" name="Image"/>
           <p:cNvSpPr/>
           <p:nvPr>
             <p:ph type="pic" idx="13"/>
@@ -852,8 +852,8 @@
       </p:sp>
       <p:sp>
         <p:nvSpPr>
-          <p:cNvPr id="103" name="Shape 103"/>
-          <p:cNvSpPr/>
+          <p:cNvPr id="103" name="Slide Number"/>
+          <p:cNvSpPr txBox="1"/>
           <p:nvPr>
             <p:ph type="sldNum" sz="quarter" idx="2"/>
           </p:nvPr>
@@ -900,8 +900,8 @@
       </p:grpSpPr>
       <p:sp>
         <p:nvSpPr>
-          <p:cNvPr id="110" name="Shape 110"/>
-          <p:cNvSpPr/>
+          <p:cNvPr id="110" name="Slide Number"/>
+          <p:cNvSpPr txBox="1"/>
           <p:nvPr>
             <p:ph type="sldNum" sz="quarter" idx="2"/>
           </p:nvPr>
@@ -948,7 +948,7 @@
       </p:grpSpPr>
       <p:sp>
         <p:nvSpPr>
-          <p:cNvPr id="20" name="Shape 20"/>
+          <p:cNvPr id="20" name="Image"/>
           <p:cNvSpPr/>
           <p:nvPr>
             <p:ph type="pic" idx="13"/>
@@ -975,8 +975,8 @@
       </p:sp>
       <p:sp>
         <p:nvSpPr>
-          <p:cNvPr id="21" name="Shape 21"/>
-          <p:cNvSpPr/>
+          <p:cNvPr id="21" name="Title Text"/>
+          <p:cNvSpPr txBox="1"/>
           <p:nvPr>
             <p:ph type="title"/>
           </p:nvPr>
@@ -1003,8 +1003,8 @@
       </p:sp>
       <p:sp>
         <p:nvSpPr>
-          <p:cNvPr id="22" name="Shape 22"/>
-          <p:cNvSpPr/>
+          <p:cNvPr id="22" name="Body Level One…"/>
+          <p:cNvSpPr txBox="1"/>
           <p:nvPr>
             <p:ph type="body" sz="quarter" idx="1"/>
           </p:nvPr>
@@ -1096,8 +1096,8 @@
       </p:sp>
       <p:sp>
         <p:nvSpPr>
-          <p:cNvPr id="23" name="Shape 23"/>
-          <p:cNvSpPr/>
+          <p:cNvPr id="23" name="Slide Number"/>
+          <p:cNvSpPr txBox="1"/>
           <p:nvPr>
             <p:ph type="sldNum" sz="quarter" idx="2"/>
           </p:nvPr>
@@ -1144,8 +1144,8 @@
       </p:grpSpPr>
       <p:sp>
         <p:nvSpPr>
-          <p:cNvPr id="30" name="Shape 30"/>
-          <p:cNvSpPr/>
+          <p:cNvPr id="30" name="Title Text"/>
+          <p:cNvSpPr txBox="1"/>
           <p:nvPr>
             <p:ph type="title"/>
           </p:nvPr>
@@ -1172,8 +1172,8 @@
       </p:sp>
       <p:sp>
         <p:nvSpPr>
-          <p:cNvPr id="31" name="Shape 31"/>
-          <p:cNvSpPr/>
+          <p:cNvPr id="31" name="Slide Number"/>
+          <p:cNvSpPr txBox="1"/>
           <p:nvPr>
             <p:ph type="sldNum" sz="quarter" idx="2"/>
           </p:nvPr>
@@ -1220,7 +1220,7 @@
       </p:grpSpPr>
       <p:sp>
         <p:nvSpPr>
-          <p:cNvPr id="38" name="Shape 38"/>
+          <p:cNvPr id="38" name="Image"/>
           <p:cNvSpPr/>
           <p:nvPr>
             <p:ph type="pic" sz="half" idx="13"/>
@@ -1247,8 +1247,8 @@
       </p:sp>
       <p:sp>
         <p:nvSpPr>
-          <p:cNvPr id="39" name="Shape 39"/>
-          <p:cNvSpPr/>
+          <p:cNvPr id="39" name="Title Text"/>
+          <p:cNvSpPr txBox="1"/>
           <p:nvPr>
             <p:ph type="title"/>
           </p:nvPr>
@@ -1279,8 +1279,8 @@
       </p:sp>
       <p:sp>
         <p:nvSpPr>
-          <p:cNvPr id="40" name="Shape 40"/>
-          <p:cNvSpPr/>
+          <p:cNvPr id="40" name="Body Level One…"/>
+          <p:cNvSpPr txBox="1"/>
           <p:nvPr>
             <p:ph type="body" sz="quarter" idx="1"/>
           </p:nvPr>
@@ -1372,8 +1372,8 @@
       </p:sp>
       <p:sp>
         <p:nvSpPr>
-          <p:cNvPr id="41" name="Shape 41"/>
-          <p:cNvSpPr/>
+          <p:cNvPr id="41" name="Slide Number"/>
+          <p:cNvSpPr txBox="1"/>
           <p:nvPr>
             <p:ph type="sldNum" sz="quarter" idx="2"/>
           </p:nvPr>
@@ -1420,8 +1420,8 @@
       </p:grpSpPr>
       <p:sp>
         <p:nvSpPr>
-          <p:cNvPr id="48" name="Shape 48"/>
-          <p:cNvSpPr/>
+          <p:cNvPr id="48" name="Title Text"/>
+          <p:cNvSpPr txBox="1"/>
           <p:nvPr>
             <p:ph type="title"/>
           </p:nvPr>
@@ -1444,8 +1444,8 @@
       </p:sp>
       <p:sp>
         <p:nvSpPr>
-          <p:cNvPr id="49" name="Shape 49"/>
-          <p:cNvSpPr/>
+          <p:cNvPr id="49" name="Slide Number"/>
+          <p:cNvSpPr txBox="1"/>
           <p:nvPr>
             <p:ph type="sldNum" sz="quarter" idx="2"/>
           </p:nvPr>
@@ -1492,8 +1492,8 @@
       </p:grpSpPr>
       <p:sp>
         <p:nvSpPr>
-          <p:cNvPr id="56" name="Shape 56"/>
-          <p:cNvSpPr/>
+          <p:cNvPr id="56" name="Title Text"/>
+          <p:cNvSpPr txBox="1"/>
           <p:nvPr>
             <p:ph type="title"/>
           </p:nvPr>
@@ -1516,8 +1516,8 @@
       </p:sp>
       <p:sp>
         <p:nvSpPr>
-          <p:cNvPr id="57" name="Shape 57"/>
-          <p:cNvSpPr/>
+          <p:cNvPr id="57" name="Body Level One…"/>
+          <p:cNvSpPr txBox="1"/>
           <p:nvPr>
             <p:ph type="body" idx="1"/>
           </p:nvPr>
@@ -1564,8 +1564,8 @@
       </p:sp>
       <p:sp>
         <p:nvSpPr>
-          <p:cNvPr id="58" name="Shape 58"/>
-          <p:cNvSpPr/>
+          <p:cNvPr id="58" name="Slide Number"/>
+          <p:cNvSpPr txBox="1"/>
           <p:nvPr>
             <p:ph type="sldNum" sz="quarter" idx="2"/>
           </p:nvPr>
@@ -1612,7 +1612,7 @@
       </p:grpSpPr>
       <p:sp>
         <p:nvSpPr>
-          <p:cNvPr id="65" name="Shape 65"/>
+          <p:cNvPr id="65" name="Image"/>
           <p:cNvSpPr/>
           <p:nvPr>
             <p:ph type="pic" sz="half" idx="13"/>
@@ -1639,8 +1639,8 @@
       </p:sp>
       <p:sp>
         <p:nvSpPr>
-          <p:cNvPr id="66" name="Shape 66"/>
-          <p:cNvSpPr/>
+          <p:cNvPr id="66" name="Title Text"/>
+          <p:cNvSpPr txBox="1"/>
           <p:nvPr>
             <p:ph type="title"/>
           </p:nvPr>
@@ -1663,8 +1663,8 @@
       </p:sp>
       <p:sp>
         <p:nvSpPr>
-          <p:cNvPr id="67" name="Shape 67"/>
-          <p:cNvSpPr/>
+          <p:cNvPr id="67" name="Body Level One…"/>
+          <p:cNvSpPr txBox="1"/>
           <p:nvPr>
             <p:ph type="body" sz="half" idx="1"/>
           </p:nvPr>
@@ -1746,8 +1746,8 @@
       </p:sp>
       <p:sp>
         <p:nvSpPr>
-          <p:cNvPr id="68" name="Shape 68"/>
-          <p:cNvSpPr/>
+          <p:cNvPr id="68" name="Slide Number"/>
+          <p:cNvSpPr txBox="1"/>
           <p:nvPr>
             <p:ph type="sldNum" sz="quarter" idx="2"/>
           </p:nvPr>
@@ -1794,8 +1794,8 @@
       </p:grpSpPr>
       <p:sp>
         <p:nvSpPr>
-          <p:cNvPr id="75" name="Shape 75"/>
-          <p:cNvSpPr/>
+          <p:cNvPr id="75" name="Body Level One…"/>
+          <p:cNvSpPr txBox="1"/>
           <p:nvPr>
             <p:ph type="body" idx="1"/>
           </p:nvPr>
@@ -1846,8 +1846,8 @@
       </p:sp>
       <p:sp>
         <p:nvSpPr>
-          <p:cNvPr id="76" name="Shape 76"/>
-          <p:cNvSpPr/>
+          <p:cNvPr id="76" name="Slide Number"/>
+          <p:cNvSpPr txBox="1"/>
           <p:nvPr>
             <p:ph type="sldNum" sz="quarter" idx="2"/>
           </p:nvPr>
@@ -1894,7 +1894,7 @@
       </p:grpSpPr>
       <p:sp>
         <p:nvSpPr>
-          <p:cNvPr id="83" name="Shape 83"/>
+          <p:cNvPr id="83" name="Image"/>
           <p:cNvSpPr/>
           <p:nvPr>
             <p:ph type="pic" sz="quarter" idx="13"/>
@@ -1921,7 +1921,7 @@
       </p:sp>
       <p:sp>
         <p:nvSpPr>
-          <p:cNvPr id="84" name="Shape 84"/>
+          <p:cNvPr id="84" name="Image"/>
           <p:cNvSpPr/>
           <p:nvPr>
             <p:ph type="pic" sz="quarter" idx="14"/>
@@ -1948,7 +1948,7 @@
       </p:sp>
       <p:sp>
         <p:nvSpPr>
-          <p:cNvPr id="85" name="Shape 85"/>
+          <p:cNvPr id="85" name="Image"/>
           <p:cNvSpPr/>
           <p:nvPr>
             <p:ph type="pic" sz="half" idx="15"/>
@@ -1975,8 +1975,8 @@
       </p:sp>
       <p:sp>
         <p:nvSpPr>
-          <p:cNvPr id="86" name="Shape 86"/>
-          <p:cNvSpPr/>
+          <p:cNvPr id="86" name="Slide Number"/>
+          <p:cNvSpPr txBox="1"/>
           <p:nvPr>
             <p:ph type="sldNum" sz="quarter" idx="2"/>
           </p:nvPr>
@@ -2030,8 +2030,8 @@
       </p:grpSpPr>
       <p:sp>
         <p:nvSpPr>
-          <p:cNvPr id="2" name="Shape 2"/>
-          <p:cNvSpPr/>
+          <p:cNvPr id="2" name="Title Text"/>
+          <p:cNvSpPr txBox="1"/>
           <p:nvPr>
             <p:ph type="title"/>
           </p:nvPr>
@@ -2068,8 +2068,8 @@
       </p:sp>
       <p:sp>
         <p:nvSpPr>
-          <p:cNvPr id="3" name="Shape 3"/>
-          <p:cNvSpPr/>
+          <p:cNvPr id="3" name="Body Level One…"/>
+          <p:cNvSpPr txBox="1"/>
           <p:nvPr>
             <p:ph type="body" idx="1"/>
           </p:nvPr>
@@ -2130,8 +2130,8 @@
       </p:sp>
       <p:sp>
         <p:nvSpPr>
-          <p:cNvPr id="4" name="Shape 4"/>
-          <p:cNvSpPr/>
+          <p:cNvPr id="4" name="Slide Number"/>
+          <p:cNvSpPr txBox="1"/>
           <p:nvPr>
             <p:ph type="sldNum" sz="quarter" idx="2"/>
           </p:nvPr>
@@ -2994,8 +2994,8 @@
       </p:grpSpPr>
       <p:sp>
         <p:nvSpPr>
-          <p:cNvPr id="119" name="Shape 119"/>
-          <p:cNvSpPr/>
+          <p:cNvPr id="119" name="Angular 2.0"/>
+          <p:cNvSpPr txBox="1"/>
           <p:nvPr>
             <p:ph type="ctrTitle"/>
           </p:nvPr>
@@ -3018,8 +3018,8 @@
       </p:sp>
       <p:sp>
         <p:nvSpPr>
-          <p:cNvPr id="120" name="Shape 120"/>
-          <p:cNvSpPr/>
+          <p:cNvPr id="120" name="Elias Carlston, DevelopIntelligence…"/>
+          <p:cNvSpPr txBox="1"/>
           <p:nvPr>
             <p:ph type="subTitle" sz="quarter" idx="1"/>
           </p:nvPr>
@@ -3049,7 +3049,7 @@
               <a:defRPr sz="3600"/>
             </a:pPr>
             <a:r>
-              <a:t>elias@eliascarlston</a:t>
+              <a:t>elias@eliascarlston.com</a:t>
             </a:r>
           </a:p>
           <a:p>
@@ -3061,6 +3061,10 @@
                 <a:hlinkClick r:id="rId2" invalidUrl="" action="" tgtFrame="" tooltip="" history="1" highlightClick="0" endSnd="0"/>
               </a:rPr>
               <a:t>https://github.com/eliasjames</a:t>
+            </a:r>
+            <a:r>
+              <a:rPr u="sng"/>
+              <a:t>/training-angular</a:t>
             </a:r>
           </a:p>
         </p:txBody>
@@ -3093,8 +3097,8 @@
       </p:grpSpPr>
       <p:sp>
         <p:nvSpPr>
-          <p:cNvPr id="146" name="Shape 146"/>
-          <p:cNvSpPr/>
+          <p:cNvPr id="146" name="Lab: Custom Pipe"/>
+          <p:cNvSpPr txBox="1"/>
           <p:nvPr>
             <p:ph type="title"/>
           </p:nvPr>
@@ -3117,8 +3121,8 @@
       </p:sp>
       <p:sp>
         <p:nvSpPr>
-          <p:cNvPr id="147" name="Shape 147"/>
-          <p:cNvSpPr/>
+          <p:cNvPr id="147" name="Goal: display formatted birthdate, or &quot;N/A&quot;…"/>
+          <p:cNvSpPr txBox="1"/>
           <p:nvPr>
             <p:ph type="body" idx="1"/>
           </p:nvPr>
@@ -3191,8 +3195,8 @@
       </p:grpSpPr>
       <p:sp>
         <p:nvSpPr>
-          <p:cNvPr id="149" name="Shape 149"/>
-          <p:cNvSpPr/>
+          <p:cNvPr id="149" name="Routing"/>
+          <p:cNvSpPr txBox="1"/>
           <p:nvPr>
             <p:ph type="title"/>
           </p:nvPr>
@@ -3215,8 +3219,8 @@
       </p:sp>
       <p:sp>
         <p:nvSpPr>
-          <p:cNvPr id="150" name="Shape 150"/>
-          <p:cNvSpPr/>
+          <p:cNvPr id="150" name="What is Routing?…"/>
+          <p:cNvSpPr txBox="1"/>
           <p:nvPr>
             <p:ph type="body" idx="1"/>
           </p:nvPr>
@@ -3292,8 +3296,8 @@
       </p:grpSpPr>
       <p:sp>
         <p:nvSpPr>
-          <p:cNvPr id="152" name="Shape 152"/>
-          <p:cNvSpPr/>
+          <p:cNvPr id="152" name="Routing"/>
+          <p:cNvSpPr txBox="1"/>
           <p:nvPr>
             <p:ph type="title"/>
           </p:nvPr>
@@ -3316,8 +3320,8 @@
       </p:sp>
       <p:sp>
         <p:nvSpPr>
-          <p:cNvPr id="153" name="Shape 153"/>
-          <p:cNvSpPr/>
+          <p:cNvPr id="153" name="What is a hash fragment?…"/>
+          <p:cNvSpPr txBox="1"/>
           <p:nvPr>
             <p:ph type="body" idx="1"/>
           </p:nvPr>
@@ -3393,8 +3397,8 @@
       </p:grpSpPr>
       <p:sp>
         <p:nvSpPr>
-          <p:cNvPr id="155" name="Shape 155"/>
-          <p:cNvSpPr/>
+          <p:cNvPr id="155" name="Routing"/>
+          <p:cNvSpPr txBox="1"/>
           <p:nvPr>
             <p:ph type="title"/>
           </p:nvPr>
@@ -3417,8 +3421,8 @@
       </p:sp>
       <p:sp>
         <p:nvSpPr>
-          <p:cNvPr id="156" name="Shape 156"/>
-          <p:cNvSpPr/>
+          <p:cNvPr id="156" name="More hash fragments…"/>
+          <p:cNvSpPr txBox="1"/>
           <p:nvPr>
             <p:ph type="body" idx="1"/>
           </p:nvPr>
@@ -3494,8 +3498,8 @@
       </p:grpSpPr>
       <p:sp>
         <p:nvSpPr>
-          <p:cNvPr id="158" name="Shape 158"/>
-          <p:cNvSpPr/>
+          <p:cNvPr id="158" name="Routing"/>
+          <p:cNvSpPr txBox="1"/>
           <p:nvPr>
             <p:ph type="title"/>
           </p:nvPr>
@@ -3518,8 +3522,8 @@
       </p:sp>
       <p:sp>
         <p:nvSpPr>
-          <p:cNvPr id="159" name="Shape 159"/>
-          <p:cNvSpPr/>
+          <p:cNvPr id="159" name="Router Config…"/>
+          <p:cNvSpPr txBox="1"/>
           <p:nvPr>
             <p:ph type="body" idx="1"/>
           </p:nvPr>
@@ -4015,8 +4019,8 @@
       </p:grpSpPr>
       <p:sp>
         <p:nvSpPr>
-          <p:cNvPr id="161" name="Shape 161"/>
-          <p:cNvSpPr/>
+          <p:cNvPr id="161" name="Routing Lab"/>
+          <p:cNvSpPr txBox="1"/>
           <p:nvPr>
             <p:ph type="title"/>
           </p:nvPr>
@@ -4039,8 +4043,8 @@
       </p:sp>
       <p:sp>
         <p:nvSpPr>
-          <p:cNvPr id="162" name="Shape 162"/>
-          <p:cNvSpPr/>
+          <p:cNvPr id="162" name="In app.module.ts,…"/>
+          <p:cNvSpPr txBox="1"/>
           <p:nvPr>
             <p:ph type="body" idx="1"/>
           </p:nvPr>
@@ -4285,8 +4289,8 @@
       </p:grpSpPr>
       <p:sp>
         <p:nvSpPr>
-          <p:cNvPr id="164" name="Shape 164"/>
-          <p:cNvSpPr/>
+          <p:cNvPr id="164" name="Forms"/>
+          <p:cNvSpPr txBox="1"/>
           <p:nvPr>
             <p:ph type="title"/>
           </p:nvPr>
@@ -4309,8 +4313,8 @@
       </p:sp>
       <p:sp>
         <p:nvSpPr>
-          <p:cNvPr id="165" name="Shape 165"/>
-          <p:cNvSpPr/>
+          <p:cNvPr id="165" name="Forms make common operations easy…"/>
+          <p:cNvSpPr txBox="1"/>
           <p:nvPr>
             <p:ph type="body" idx="1"/>
           </p:nvPr>
@@ -4380,8 +4384,8 @@
       </p:grpSpPr>
       <p:sp>
         <p:nvSpPr>
-          <p:cNvPr id="167" name="Shape 167"/>
-          <p:cNvSpPr/>
+          <p:cNvPr id="167" name="Forms"/>
+          <p:cNvSpPr txBox="1"/>
           <p:nvPr>
             <p:ph type="title"/>
           </p:nvPr>
@@ -4404,8 +4408,8 @@
       </p:sp>
       <p:sp>
         <p:nvSpPr>
-          <p:cNvPr id="168" name="Shape 168"/>
-          <p:cNvSpPr/>
+          <p:cNvPr id="168" name="How Forms work…"/>
+          <p:cNvSpPr txBox="1"/>
           <p:nvPr>
             <p:ph type="body" idx="1"/>
           </p:nvPr>
@@ -4487,8 +4491,8 @@
       </p:grpSpPr>
       <p:sp>
         <p:nvSpPr>
-          <p:cNvPr id="170" name="Shape 170"/>
-          <p:cNvSpPr/>
+          <p:cNvPr id="170" name="Forms"/>
+          <p:cNvSpPr txBox="1"/>
           <p:nvPr>
             <p:ph type="title"/>
           </p:nvPr>
@@ -4511,8 +4515,8 @@
       </p:sp>
       <p:sp>
         <p:nvSpPr>
-          <p:cNvPr id="171" name="Shape 171"/>
-          <p:cNvSpPr/>
+          <p:cNvPr id="171" name="Validation…"/>
+          <p:cNvSpPr txBox="1"/>
           <p:nvPr>
             <p:ph type="body" idx="1"/>
           </p:nvPr>
@@ -5437,8 +5441,8 @@
       </p:grpSpPr>
       <p:sp>
         <p:nvSpPr>
-          <p:cNvPr id="173" name="Shape 173"/>
-          <p:cNvSpPr/>
+          <p:cNvPr id="173" name="Forms"/>
+          <p:cNvSpPr txBox="1"/>
           <p:nvPr>
             <p:ph type="title"/>
           </p:nvPr>
@@ -5461,8 +5465,8 @@
       </p:sp>
       <p:sp>
         <p:nvSpPr>
-          <p:cNvPr id="174" name="Shape 174"/>
-          <p:cNvSpPr/>
+          <p:cNvPr id="174" name="Template reference variables…"/>
+          <p:cNvSpPr txBox="1"/>
           <p:nvPr>
             <p:ph type="body" idx="1"/>
           </p:nvPr>
@@ -5538,8 +5542,8 @@
       </p:grpSpPr>
       <p:sp>
         <p:nvSpPr>
-          <p:cNvPr id="122" name="Shape 122"/>
-          <p:cNvSpPr/>
+          <p:cNvPr id="122" name="Day 4 Schedule"/>
+          <p:cNvSpPr txBox="1"/>
           <p:nvPr>
             <p:ph type="title"/>
           </p:nvPr>
@@ -5562,8 +5566,8 @@
       </p:sp>
       <p:sp>
         <p:nvSpPr>
-          <p:cNvPr id="123" name="Shape 123"/>
-          <p:cNvSpPr/>
+          <p:cNvPr id="123" name="Pipes…"/>
+          <p:cNvSpPr txBox="1"/>
           <p:nvPr>
             <p:ph type="body" idx="1"/>
           </p:nvPr>
@@ -5642,8 +5646,8 @@
       </p:grpSpPr>
       <p:sp>
         <p:nvSpPr>
-          <p:cNvPr id="176" name="Shape 176"/>
-          <p:cNvSpPr/>
+          <p:cNvPr id="176" name="Forms Lab 1"/>
+          <p:cNvSpPr txBox="1"/>
           <p:nvPr>
             <p:ph type="title"/>
           </p:nvPr>
@@ -5666,8 +5670,8 @@
       </p:sp>
       <p:sp>
         <p:nvSpPr>
-          <p:cNvPr id="177" name="Shape 177"/>
-          <p:cNvSpPr/>
+          <p:cNvPr id="177" name="Goal: Break newPerformance method in two…"/>
+          <p:cNvSpPr txBox="1"/>
           <p:nvPr>
             <p:ph type="body" idx="1"/>
           </p:nvPr>
@@ -5920,8 +5924,8 @@
       </p:grpSpPr>
       <p:sp>
         <p:nvSpPr>
-          <p:cNvPr id="179" name="Shape 179"/>
-          <p:cNvSpPr/>
+          <p:cNvPr id="179" name="Forms Lab 2"/>
+          <p:cNvSpPr txBox="1"/>
           <p:nvPr>
             <p:ph type="title"/>
           </p:nvPr>
@@ -5944,8 +5948,8 @@
       </p:sp>
       <p:sp>
         <p:nvSpPr>
-          <p:cNvPr id="180" name="Shape 180"/>
-          <p:cNvSpPr/>
+          <p:cNvPr id="180" name="Hook up input…"/>
+          <p:cNvSpPr txBox="1"/>
           <p:nvPr>
             <p:ph type="body" idx="1"/>
           </p:nvPr>
@@ -6006,8 +6010,8 @@
       </p:grpSpPr>
       <p:sp>
         <p:nvSpPr>
-          <p:cNvPr id="182" name="Shape 182"/>
-          <p:cNvSpPr/>
+          <p:cNvPr id="182" name="Forms"/>
+          <p:cNvSpPr txBox="1"/>
           <p:nvPr>
             <p:ph type="title"/>
           </p:nvPr>
@@ -6030,8 +6034,8 @@
       </p:sp>
       <p:sp>
         <p:nvSpPr>
-          <p:cNvPr id="183" name="Shape 183"/>
-          <p:cNvSpPr/>
+          <p:cNvPr id="183" name="Validation…"/>
+          <p:cNvSpPr txBox="1"/>
           <p:nvPr>
             <p:ph type="body" idx="1"/>
           </p:nvPr>
@@ -6101,8 +6105,8 @@
       </p:grpSpPr>
       <p:sp>
         <p:nvSpPr>
-          <p:cNvPr id="125" name="Shape 125"/>
-          <p:cNvSpPr/>
+          <p:cNvPr id="125" name="Pipes"/>
+          <p:cNvSpPr txBox="1"/>
           <p:nvPr>
             <p:ph type="title"/>
           </p:nvPr>
@@ -6125,8 +6129,8 @@
       </p:sp>
       <p:sp>
         <p:nvSpPr>
-          <p:cNvPr id="126" name="Shape 126"/>
-          <p:cNvSpPr/>
+          <p:cNvPr id="126" name="What are pipes?…"/>
+          <p:cNvSpPr txBox="1"/>
           <p:nvPr>
             <p:ph type="body" idx="1"/>
           </p:nvPr>
@@ -6202,8 +6206,8 @@
       </p:grpSpPr>
       <p:sp>
         <p:nvSpPr>
-          <p:cNvPr id="128" name="Shape 128"/>
-          <p:cNvSpPr/>
+          <p:cNvPr id="128" name="Pipes"/>
+          <p:cNvSpPr txBox="1"/>
           <p:nvPr>
             <p:ph type="title"/>
           </p:nvPr>
@@ -6226,8 +6230,8 @@
       </p:sp>
       <p:sp>
         <p:nvSpPr>
-          <p:cNvPr id="129" name="Shape 129"/>
-          <p:cNvSpPr/>
+          <p:cNvPr id="129" name="Example - Dates…"/>
+          <p:cNvSpPr txBox="1"/>
           <p:nvPr>
             <p:ph type="body" idx="1"/>
           </p:nvPr>
@@ -6303,8 +6307,8 @@
       </p:grpSpPr>
       <p:sp>
         <p:nvSpPr>
-          <p:cNvPr id="131" name="Shape 131"/>
-          <p:cNvSpPr/>
+          <p:cNvPr id="131" name="Pipes"/>
+          <p:cNvSpPr txBox="1"/>
           <p:nvPr>
             <p:ph type="title"/>
           </p:nvPr>
@@ -6327,8 +6331,8 @@
       </p:sp>
       <p:sp>
         <p:nvSpPr>
-          <p:cNvPr id="132" name="Shape 132"/>
-          <p:cNvSpPr/>
+          <p:cNvPr id="132" name="Example - Dates…"/>
+          <p:cNvSpPr txBox="1"/>
           <p:nvPr>
             <p:ph type="body" idx="1"/>
           </p:nvPr>
@@ -6398,8 +6402,8 @@
       </p:grpSpPr>
       <p:sp>
         <p:nvSpPr>
-          <p:cNvPr id="134" name="Shape 134"/>
-          <p:cNvSpPr/>
+          <p:cNvPr id="134" name="Pipes"/>
+          <p:cNvSpPr txBox="1"/>
           <p:nvPr>
             <p:ph type="title"/>
           </p:nvPr>
@@ -6422,8 +6426,8 @@
       </p:sp>
       <p:sp>
         <p:nvSpPr>
-          <p:cNvPr id="135" name="Shape 135"/>
-          <p:cNvSpPr/>
+          <p:cNvPr id="135" name="Custom Pipes Best Practices…"/>
+          <p:cNvSpPr txBox="1"/>
           <p:nvPr>
             <p:ph type="body" idx="1"/>
           </p:nvPr>
@@ -6505,8 +6509,8 @@
       </p:grpSpPr>
       <p:sp>
         <p:nvSpPr>
-          <p:cNvPr id="137" name="Shape 137"/>
-          <p:cNvSpPr/>
+          <p:cNvPr id="137" name="Pipes"/>
+          <p:cNvSpPr txBox="1"/>
           <p:nvPr>
             <p:ph type="title"/>
           </p:nvPr>
@@ -6529,8 +6533,8 @@
       </p:sp>
       <p:sp>
         <p:nvSpPr>
-          <p:cNvPr id="138" name="Shape 138"/>
-          <p:cNvSpPr/>
+          <p:cNvPr id="138" name="Custom Pipes Best Practices…"/>
+          <p:cNvSpPr txBox="1"/>
           <p:nvPr>
             <p:ph type="body" idx="1"/>
           </p:nvPr>
@@ -6606,8 +6610,8 @@
       </p:grpSpPr>
       <p:sp>
         <p:nvSpPr>
-          <p:cNvPr id="140" name="Shape 140"/>
-          <p:cNvSpPr/>
+          <p:cNvPr id="140" name="Pipes"/>
+          <p:cNvSpPr txBox="1"/>
           <p:nvPr>
             <p:ph type="title"/>
           </p:nvPr>
@@ -6630,8 +6634,8 @@
       </p:sp>
       <p:sp>
         <p:nvSpPr>
-          <p:cNvPr id="141" name="Shape 141"/>
-          <p:cNvSpPr/>
+          <p:cNvPr id="141" name="Custom Pipe…"/>
+          <p:cNvSpPr txBox="1"/>
           <p:nvPr>
             <p:ph type="body" idx="1"/>
           </p:nvPr>
@@ -7191,8 +7195,8 @@
       </p:grpSpPr>
       <p:sp>
         <p:nvSpPr>
-          <p:cNvPr id="143" name="Shape 143"/>
-          <p:cNvSpPr/>
+          <p:cNvPr id="143" name="Lab: Builtin Pipe"/>
+          <p:cNvSpPr txBox="1"/>
           <p:nvPr>
             <p:ph type="title"/>
           </p:nvPr>
@@ -7215,8 +7219,8 @@
       </p:sp>
       <p:sp>
         <p:nvSpPr>
-          <p:cNvPr id="144" name="Shape 144"/>
-          <p:cNvSpPr/>
+          <p:cNvPr id="144" name="Add a birthdate to Artist…"/>
+          <p:cNvSpPr txBox="1"/>
           <p:nvPr>
             <p:ph type="body" idx="1"/>
           </p:nvPr>
